--- a/Docs_Work/presentation.pptx
+++ b/Docs_Work/presentation.pptx
@@ -9,8 +9,16 @@
     <p:sldId id="257" r:id="rId3"/>
     <p:sldId id="258" r:id="rId4"/>
     <p:sldId id="259" r:id="rId5"/>
-    <p:sldId id="260" r:id="rId6"/>
-    <p:sldId id="261" r:id="rId7"/>
+    <p:sldId id="262" r:id="rId6"/>
+    <p:sldId id="265" r:id="rId7"/>
+    <p:sldId id="268" r:id="rId8"/>
+    <p:sldId id="266" r:id="rId9"/>
+    <p:sldId id="269" r:id="rId10"/>
+    <p:sldId id="267" r:id="rId11"/>
+    <p:sldId id="263" r:id="rId12"/>
+    <p:sldId id="264" r:id="rId13"/>
+    <p:sldId id="260" r:id="rId14"/>
+    <p:sldId id="261" r:id="rId15"/>
   </p:sldIdLst>
   <p:sldSz cx="12192000" cy="6858000"/>
   <p:notesSz cx="6858000" cy="9144000"/>
@@ -109,6 +117,11 @@
       </a:defRPr>
     </a:lvl9pPr>
   </p:defaultTextStyle>
+  <p:extLst>
+    <p:ext uri="{EFAFB233-063F-42B5-8137-9DF3F51BA10A}">
+      <p15:sldGuideLst xmlns:p15="http://schemas.microsoft.com/office/powerpoint/2012/main"/>
+    </p:ext>
+  </p:extLst>
 </p:presentation>
 </file>
 
@@ -169,7 +182,7 @@
           <a:noFill/>
           <a:extLst>
             <a:ext uri="{909E8E84-426E-40dd-AFC4-6F175D3DCCD1}">
-              <a14:hiddenFill xmlns:a14="http://schemas.microsoft.com/office/drawing/2010/main" xmlns="">
+              <a14:hiddenFill xmlns="" xmlns:a14="http://schemas.microsoft.com/office/drawing/2010/main">
                 <a:solidFill>
                   <a:srgbClr val="FFFFFF"/>
                 </a:solidFill>
@@ -228,7 +241,7 @@
             </a:ln>
             <a:extLst>
               <a:ext uri="{91240B29-F687-4f45-9708-019B960494DF}">
-                <a14:hiddenLine xmlns:a14="http://schemas.microsoft.com/office/drawing/2010/main" xmlns="" w="9525">
+                <a14:hiddenLine xmlns="" xmlns:a14="http://schemas.microsoft.com/office/drawing/2010/main" w="9525">
                   <a:solidFill>
                     <a:srgbClr val="000000"/>
                   </a:solidFill>
@@ -318,7 +331,7 @@
             </a:ln>
             <a:extLst>
               <a:ext uri="{91240B29-F687-4f45-9708-019B960494DF}">
-                <a14:hiddenLine xmlns:a14="http://schemas.microsoft.com/office/drawing/2010/main" xmlns="" w="9525">
+                <a14:hiddenLine xmlns="" xmlns:a14="http://schemas.microsoft.com/office/drawing/2010/main" w="9525">
                   <a:solidFill>
                     <a:srgbClr val="000000"/>
                   </a:solidFill>
@@ -408,7 +421,7 @@
             </a:ln>
             <a:extLst>
               <a:ext uri="{91240B29-F687-4f45-9708-019B960494DF}">
-                <a14:hiddenLine xmlns:a14="http://schemas.microsoft.com/office/drawing/2010/main" xmlns="" w="9525">
+                <a14:hiddenLine xmlns="" xmlns:a14="http://schemas.microsoft.com/office/drawing/2010/main" w="9525">
                   <a:solidFill>
                     <a:srgbClr val="000000"/>
                   </a:solidFill>
@@ -442,7 +455,7 @@
             </a:ln>
             <a:extLst>
               <a:ext uri="{91240B29-F687-4f45-9708-019B960494DF}">
-                <a14:hiddenLine xmlns:a14="http://schemas.microsoft.com/office/drawing/2010/main" xmlns="" w="9525">
+                <a14:hiddenLine xmlns="" xmlns:a14="http://schemas.microsoft.com/office/drawing/2010/main" w="9525">
                   <a:solidFill>
                     <a:srgbClr val="000000"/>
                   </a:solidFill>
@@ -532,7 +545,7 @@
             </a:ln>
             <a:extLst>
               <a:ext uri="{91240B29-F687-4f45-9708-019B960494DF}">
-                <a14:hiddenLine xmlns:a14="http://schemas.microsoft.com/office/drawing/2010/main" xmlns="" w="9525">
+                <a14:hiddenLine xmlns="" xmlns:a14="http://schemas.microsoft.com/office/drawing/2010/main" w="9525">
                   <a:solidFill>
                     <a:srgbClr val="000000"/>
                   </a:solidFill>
@@ -594,7 +607,7 @@
             </a:ln>
             <a:extLst>
               <a:ext uri="{91240B29-F687-4f45-9708-019B960494DF}">
-                <a14:hiddenLine xmlns:a14="http://schemas.microsoft.com/office/drawing/2010/main" xmlns="" w="9525">
+                <a14:hiddenLine xmlns="" xmlns:a14="http://schemas.microsoft.com/office/drawing/2010/main" w="9525">
                   <a:solidFill>
                     <a:srgbClr val="000000"/>
                   </a:solidFill>
@@ -656,7 +669,7 @@
             </a:ln>
             <a:extLst>
               <a:ext uri="{91240B29-F687-4f45-9708-019B960494DF}">
-                <a14:hiddenLine xmlns:a14="http://schemas.microsoft.com/office/drawing/2010/main" xmlns="" w="9525">
+                <a14:hiddenLine xmlns="" xmlns:a14="http://schemas.microsoft.com/office/drawing/2010/main" w="9525">
                   <a:solidFill>
                     <a:srgbClr val="000000"/>
                   </a:solidFill>
@@ -746,7 +759,7 @@
             </a:ln>
             <a:extLst>
               <a:ext uri="{91240B29-F687-4f45-9708-019B960494DF}">
-                <a14:hiddenLine xmlns:a14="http://schemas.microsoft.com/office/drawing/2010/main" xmlns="" w="9525">
+                <a14:hiddenLine xmlns="" xmlns:a14="http://schemas.microsoft.com/office/drawing/2010/main" w="9525">
                   <a:solidFill>
                     <a:srgbClr val="000000"/>
                   </a:solidFill>
@@ -808,7 +821,7 @@
             </a:ln>
             <a:extLst>
               <a:ext uri="{91240B29-F687-4f45-9708-019B960494DF}">
-                <a14:hiddenLine xmlns:a14="http://schemas.microsoft.com/office/drawing/2010/main" xmlns="" w="9525">
+                <a14:hiddenLine xmlns="" xmlns:a14="http://schemas.microsoft.com/office/drawing/2010/main" w="9525">
                   <a:solidFill>
                     <a:srgbClr val="000000"/>
                   </a:solidFill>
@@ -870,7 +883,7 @@
             </a:ln>
             <a:extLst>
               <a:ext uri="{91240B29-F687-4f45-9708-019B960494DF}">
-                <a14:hiddenLine xmlns:a14="http://schemas.microsoft.com/office/drawing/2010/main" xmlns="" w="9525">
+                <a14:hiddenLine xmlns="" xmlns:a14="http://schemas.microsoft.com/office/drawing/2010/main" w="9525">
                   <a:solidFill>
                     <a:srgbClr val="000000"/>
                   </a:solidFill>
@@ -960,7 +973,7 @@
             </a:ln>
             <a:extLst>
               <a:ext uri="{91240B29-F687-4f45-9708-019B960494DF}">
-                <a14:hiddenLine xmlns:a14="http://schemas.microsoft.com/office/drawing/2010/main" xmlns="" w="9525">
+                <a14:hiddenLine xmlns="" xmlns:a14="http://schemas.microsoft.com/office/drawing/2010/main" w="9525">
                   <a:solidFill>
                     <a:srgbClr val="000000"/>
                   </a:solidFill>
@@ -1050,7 +1063,7 @@
             </a:ln>
             <a:extLst>
               <a:ext uri="{91240B29-F687-4f45-9708-019B960494DF}">
-                <a14:hiddenLine xmlns:a14="http://schemas.microsoft.com/office/drawing/2010/main" xmlns="" w="9525">
+                <a14:hiddenLine xmlns="" xmlns:a14="http://schemas.microsoft.com/office/drawing/2010/main" w="9525">
                   <a:solidFill>
                     <a:srgbClr val="000000"/>
                   </a:solidFill>
@@ -1112,7 +1125,7 @@
             </a:ln>
             <a:extLst>
               <a:ext uri="{91240B29-F687-4f45-9708-019B960494DF}">
-                <a14:hiddenLine xmlns:a14="http://schemas.microsoft.com/office/drawing/2010/main" xmlns="" w="9525">
+                <a14:hiddenLine xmlns="" xmlns:a14="http://schemas.microsoft.com/office/drawing/2010/main" w="9525">
                   <a:solidFill>
                     <a:srgbClr val="000000"/>
                   </a:solidFill>
@@ -1222,7 +1235,7 @@
             </a:ln>
             <a:extLst>
               <a:ext uri="{91240B29-F687-4f45-9708-019B960494DF}">
-                <a14:hiddenLine xmlns:a14="http://schemas.microsoft.com/office/drawing/2010/main" xmlns="" w="9525">
+                <a14:hiddenLine xmlns="" xmlns:a14="http://schemas.microsoft.com/office/drawing/2010/main" w="9525">
                   <a:solidFill>
                     <a:srgbClr val="000000"/>
                   </a:solidFill>
@@ -1284,7 +1297,7 @@
             </a:ln>
             <a:extLst>
               <a:ext uri="{91240B29-F687-4f45-9708-019B960494DF}">
-                <a14:hiddenLine xmlns:a14="http://schemas.microsoft.com/office/drawing/2010/main" xmlns="" w="9525">
+                <a14:hiddenLine xmlns="" xmlns:a14="http://schemas.microsoft.com/office/drawing/2010/main" w="9525">
                   <a:solidFill>
                     <a:srgbClr val="000000"/>
                   </a:solidFill>
@@ -1374,7 +1387,7 @@
             </a:ln>
             <a:extLst>
               <a:ext uri="{91240B29-F687-4f45-9708-019B960494DF}">
-                <a14:hiddenLine xmlns:a14="http://schemas.microsoft.com/office/drawing/2010/main" xmlns="" w="9525">
+                <a14:hiddenLine xmlns="" xmlns:a14="http://schemas.microsoft.com/office/drawing/2010/main" w="9525">
                   <a:solidFill>
                     <a:srgbClr val="000000"/>
                   </a:solidFill>
@@ -1464,7 +1477,7 @@
             </a:ln>
             <a:extLst>
               <a:ext uri="{91240B29-F687-4f45-9708-019B960494DF}">
-                <a14:hiddenLine xmlns:a14="http://schemas.microsoft.com/office/drawing/2010/main" xmlns="" w="9525">
+                <a14:hiddenLine xmlns="" xmlns:a14="http://schemas.microsoft.com/office/drawing/2010/main" w="9525">
                   <a:solidFill>
                     <a:srgbClr val="000000"/>
                   </a:solidFill>
@@ -1526,7 +1539,7 @@
             </a:ln>
             <a:extLst>
               <a:ext uri="{91240B29-F687-4f45-9708-019B960494DF}">
-                <a14:hiddenLine xmlns:a14="http://schemas.microsoft.com/office/drawing/2010/main" xmlns="" w="9525">
+                <a14:hiddenLine xmlns="" xmlns:a14="http://schemas.microsoft.com/office/drawing/2010/main" w="9525">
                   <a:solidFill>
                     <a:srgbClr val="000000"/>
                   </a:solidFill>
@@ -1616,7 +1629,7 @@
             </a:ln>
             <a:extLst>
               <a:ext uri="{91240B29-F687-4f45-9708-019B960494DF}">
-                <a14:hiddenLine xmlns:a14="http://schemas.microsoft.com/office/drawing/2010/main" xmlns="" w="9525">
+                <a14:hiddenLine xmlns="" xmlns:a14="http://schemas.microsoft.com/office/drawing/2010/main" w="9525">
                   <a:solidFill>
                     <a:srgbClr val="000000"/>
                   </a:solidFill>
@@ -1706,7 +1719,7 @@
             </a:ln>
             <a:extLst>
               <a:ext uri="{91240B29-F687-4f45-9708-019B960494DF}">
-                <a14:hiddenLine xmlns:a14="http://schemas.microsoft.com/office/drawing/2010/main" xmlns="" w="9525">
+                <a14:hiddenLine xmlns="" xmlns:a14="http://schemas.microsoft.com/office/drawing/2010/main" w="9525">
                   <a:solidFill>
                     <a:srgbClr val="000000"/>
                   </a:solidFill>
@@ -1762,7 +1775,7 @@
             </a:ln>
             <a:extLst>
               <a:ext uri="{91240B29-F687-4f45-9708-019B960494DF}">
-                <a14:hiddenLine xmlns:a14="http://schemas.microsoft.com/office/drawing/2010/main" xmlns="" w="9525">
+                <a14:hiddenLine xmlns="" xmlns:a14="http://schemas.microsoft.com/office/drawing/2010/main" w="9525">
                   <a:solidFill>
                     <a:srgbClr val="000000"/>
                   </a:solidFill>
@@ -1852,7 +1865,7 @@
             </a:ln>
             <a:extLst>
               <a:ext uri="{91240B29-F687-4f45-9708-019B960494DF}">
-                <a14:hiddenLine xmlns:a14="http://schemas.microsoft.com/office/drawing/2010/main" xmlns="" w="9525">
+                <a14:hiddenLine xmlns="" xmlns:a14="http://schemas.microsoft.com/office/drawing/2010/main" w="9525">
                   <a:solidFill>
                     <a:srgbClr val="000000"/>
                   </a:solidFill>
@@ -1908,7 +1921,7 @@
             </a:ln>
             <a:extLst>
               <a:ext uri="{91240B29-F687-4f45-9708-019B960494DF}">
-                <a14:hiddenLine xmlns:a14="http://schemas.microsoft.com/office/drawing/2010/main" xmlns="" w="9525">
+                <a14:hiddenLine xmlns="" xmlns:a14="http://schemas.microsoft.com/office/drawing/2010/main" w="9525">
                   <a:solidFill>
                     <a:srgbClr val="000000"/>
                   </a:solidFill>
@@ -1998,7 +2011,7 @@
             </a:ln>
             <a:extLst>
               <a:ext uri="{91240B29-F687-4f45-9708-019B960494DF}">
-                <a14:hiddenLine xmlns:a14="http://schemas.microsoft.com/office/drawing/2010/main" xmlns="" w="9525">
+                <a14:hiddenLine xmlns="" xmlns:a14="http://schemas.microsoft.com/office/drawing/2010/main" w="9525">
                   <a:solidFill>
                     <a:srgbClr val="000000"/>
                   </a:solidFill>
@@ -2066,7 +2079,7 @@
             </a:ln>
             <a:extLst>
               <a:ext uri="{91240B29-F687-4f45-9708-019B960494DF}">
-                <a14:hiddenLine xmlns:a14="http://schemas.microsoft.com/office/drawing/2010/main" xmlns="" w="9525">
+                <a14:hiddenLine xmlns="" xmlns:a14="http://schemas.microsoft.com/office/drawing/2010/main" w="9525">
                   <a:solidFill>
                     <a:srgbClr val="000000"/>
                   </a:solidFill>
@@ -2156,7 +2169,7 @@
             </a:ln>
             <a:extLst>
               <a:ext uri="{91240B29-F687-4f45-9708-019B960494DF}">
-                <a14:hiddenLine xmlns:a14="http://schemas.microsoft.com/office/drawing/2010/main" xmlns="" w="9525">
+                <a14:hiddenLine xmlns="" xmlns:a14="http://schemas.microsoft.com/office/drawing/2010/main" w="9525">
                   <a:solidFill>
                     <a:srgbClr val="000000"/>
                   </a:solidFill>
@@ -2224,7 +2237,7 @@
             </a:ln>
             <a:extLst>
               <a:ext uri="{91240B29-F687-4f45-9708-019B960494DF}">
-                <a14:hiddenLine xmlns:a14="http://schemas.microsoft.com/office/drawing/2010/main" xmlns="" w="9525">
+                <a14:hiddenLine xmlns="" xmlns:a14="http://schemas.microsoft.com/office/drawing/2010/main" w="9525">
                   <a:solidFill>
                     <a:srgbClr val="000000"/>
                   </a:solidFill>
@@ -2314,7 +2327,7 @@
             </a:ln>
             <a:extLst>
               <a:ext uri="{91240B29-F687-4f45-9708-019B960494DF}">
-                <a14:hiddenLine xmlns:a14="http://schemas.microsoft.com/office/drawing/2010/main" xmlns="" w="9525">
+                <a14:hiddenLine xmlns="" xmlns:a14="http://schemas.microsoft.com/office/drawing/2010/main" w="9525">
                   <a:solidFill>
                     <a:srgbClr val="000000"/>
                   </a:solidFill>
@@ -2348,7 +2361,7 @@
             </a:ln>
             <a:extLst>
               <a:ext uri="{91240B29-F687-4f45-9708-019B960494DF}">
-                <a14:hiddenLine xmlns:a14="http://schemas.microsoft.com/office/drawing/2010/main" xmlns="" w="9525">
+                <a14:hiddenLine xmlns="" xmlns:a14="http://schemas.microsoft.com/office/drawing/2010/main" w="9525">
                   <a:solidFill>
                     <a:srgbClr val="000000"/>
                   </a:solidFill>
@@ -2438,7 +2451,7 @@
             </a:ln>
             <a:extLst>
               <a:ext uri="{91240B29-F687-4f45-9708-019B960494DF}">
-                <a14:hiddenLine xmlns:a14="http://schemas.microsoft.com/office/drawing/2010/main" xmlns="" w="9525">
+                <a14:hiddenLine xmlns="" xmlns:a14="http://schemas.microsoft.com/office/drawing/2010/main" w="9525">
                   <a:solidFill>
                     <a:srgbClr val="000000"/>
                   </a:solidFill>
@@ -2500,7 +2513,7 @@
             </a:ln>
             <a:extLst>
               <a:ext uri="{91240B29-F687-4f45-9708-019B960494DF}">
-                <a14:hiddenLine xmlns:a14="http://schemas.microsoft.com/office/drawing/2010/main" xmlns="" w="9525">
+                <a14:hiddenLine xmlns="" xmlns:a14="http://schemas.microsoft.com/office/drawing/2010/main" w="9525">
                   <a:solidFill>
                     <a:srgbClr val="000000"/>
                   </a:solidFill>
@@ -2562,7 +2575,7 @@
             </a:ln>
             <a:extLst>
               <a:ext uri="{91240B29-F687-4f45-9708-019B960494DF}">
-                <a14:hiddenLine xmlns:a14="http://schemas.microsoft.com/office/drawing/2010/main" xmlns="" w="9525">
+                <a14:hiddenLine xmlns="" xmlns:a14="http://schemas.microsoft.com/office/drawing/2010/main" w="9525">
                   <a:solidFill>
                     <a:srgbClr val="000000"/>
                   </a:solidFill>
@@ -2652,7 +2665,7 @@
             </a:ln>
             <a:extLst>
               <a:ext uri="{91240B29-F687-4f45-9708-019B960494DF}">
-                <a14:hiddenLine xmlns:a14="http://schemas.microsoft.com/office/drawing/2010/main" xmlns="" w="9525">
+                <a14:hiddenLine xmlns="" xmlns:a14="http://schemas.microsoft.com/office/drawing/2010/main" w="9525">
                   <a:solidFill>
                     <a:srgbClr val="000000"/>
                   </a:solidFill>
@@ -2720,7 +2733,7 @@
             </a:ln>
             <a:extLst>
               <a:ext uri="{91240B29-F687-4f45-9708-019B960494DF}">
-                <a14:hiddenLine xmlns:a14="http://schemas.microsoft.com/office/drawing/2010/main" xmlns="" w="9525">
+                <a14:hiddenLine xmlns="" xmlns:a14="http://schemas.microsoft.com/office/drawing/2010/main" w="9525">
                   <a:solidFill>
                     <a:srgbClr val="000000"/>
                   </a:solidFill>
@@ -2782,7 +2795,7 @@
             </a:ln>
             <a:extLst>
               <a:ext uri="{91240B29-F687-4f45-9708-019B960494DF}">
-                <a14:hiddenLine xmlns:a14="http://schemas.microsoft.com/office/drawing/2010/main" xmlns="" w="9525">
+                <a14:hiddenLine xmlns="" xmlns:a14="http://schemas.microsoft.com/office/drawing/2010/main" w="9525">
                   <a:solidFill>
                     <a:srgbClr val="000000"/>
                   </a:solidFill>
@@ -2872,7 +2885,7 @@
             </a:ln>
             <a:extLst>
               <a:ext uri="{91240B29-F687-4f45-9708-019B960494DF}">
-                <a14:hiddenLine xmlns:a14="http://schemas.microsoft.com/office/drawing/2010/main" xmlns="" w="9525">
+                <a14:hiddenLine xmlns="" xmlns:a14="http://schemas.microsoft.com/office/drawing/2010/main" w="9525">
                   <a:solidFill>
                     <a:srgbClr val="000000"/>
                   </a:solidFill>
@@ -2934,7 +2947,7 @@
             </a:ln>
             <a:extLst>
               <a:ext uri="{91240B29-F687-4f45-9708-019B960494DF}">
-                <a14:hiddenLine xmlns:a14="http://schemas.microsoft.com/office/drawing/2010/main" xmlns="" w="9525">
+                <a14:hiddenLine xmlns="" xmlns:a14="http://schemas.microsoft.com/office/drawing/2010/main" w="9525">
                   <a:solidFill>
                     <a:srgbClr val="000000"/>
                   </a:solidFill>
@@ -3024,7 +3037,7 @@
             </a:ln>
             <a:extLst>
               <a:ext uri="{91240B29-F687-4f45-9708-019B960494DF}">
-                <a14:hiddenLine xmlns:a14="http://schemas.microsoft.com/office/drawing/2010/main" xmlns="" w="9525">
+                <a14:hiddenLine xmlns="" xmlns:a14="http://schemas.microsoft.com/office/drawing/2010/main" w="9525">
                   <a:solidFill>
                     <a:srgbClr val="000000"/>
                   </a:solidFill>
@@ -3086,7 +3099,7 @@
             </a:ln>
             <a:extLst>
               <a:ext uri="{91240B29-F687-4f45-9708-019B960494DF}">
-                <a14:hiddenLine xmlns:a14="http://schemas.microsoft.com/office/drawing/2010/main" xmlns="" w="9525">
+                <a14:hiddenLine xmlns="" xmlns:a14="http://schemas.microsoft.com/office/drawing/2010/main" w="9525">
                   <a:solidFill>
                     <a:srgbClr val="000000"/>
                   </a:solidFill>
@@ -3176,7 +3189,7 @@
             </a:ln>
             <a:extLst>
               <a:ext uri="{91240B29-F687-4f45-9708-019B960494DF}">
-                <a14:hiddenLine xmlns:a14="http://schemas.microsoft.com/office/drawing/2010/main" xmlns="" w="9525">
+                <a14:hiddenLine xmlns="" xmlns:a14="http://schemas.microsoft.com/office/drawing/2010/main" w="9525">
                   <a:solidFill>
                     <a:srgbClr val="000000"/>
                   </a:solidFill>
@@ -3210,7 +3223,7 @@
             </a:ln>
             <a:extLst>
               <a:ext uri="{91240B29-F687-4f45-9708-019B960494DF}">
-                <a14:hiddenLine xmlns:a14="http://schemas.microsoft.com/office/drawing/2010/main" xmlns="" w="9525">
+                <a14:hiddenLine xmlns="" xmlns:a14="http://schemas.microsoft.com/office/drawing/2010/main" w="9525">
                   <a:solidFill>
                     <a:srgbClr val="000000"/>
                   </a:solidFill>
@@ -3275,7 +3288,7 @@
             </a:ln>
             <a:extLst>
               <a:ext uri="{91240B29-F687-4f45-9708-019B960494DF}">
-                <a14:hiddenLine xmlns:a14="http://schemas.microsoft.com/office/drawing/2010/main" xmlns="" w="9525">
+                <a14:hiddenLine xmlns="" xmlns:a14="http://schemas.microsoft.com/office/drawing/2010/main" w="9525">
                   <a:solidFill>
                     <a:srgbClr val="000000"/>
                   </a:solidFill>
@@ -3365,7 +3378,7 @@
             </a:ln>
             <a:extLst>
               <a:ext uri="{91240B29-F687-4f45-9708-019B960494DF}">
-                <a14:hiddenLine xmlns:a14="http://schemas.microsoft.com/office/drawing/2010/main" xmlns="" w="9525">
+                <a14:hiddenLine xmlns="" xmlns:a14="http://schemas.microsoft.com/office/drawing/2010/main" w="9525">
                   <a:solidFill>
                     <a:srgbClr val="000000"/>
                   </a:solidFill>
@@ -3427,7 +3440,7 @@
             </a:ln>
             <a:extLst>
               <a:ext uri="{91240B29-F687-4f45-9708-019B960494DF}">
-                <a14:hiddenLine xmlns:a14="http://schemas.microsoft.com/office/drawing/2010/main" xmlns="" w="9525">
+                <a14:hiddenLine xmlns="" xmlns:a14="http://schemas.microsoft.com/office/drawing/2010/main" w="9525">
                   <a:solidFill>
                     <a:srgbClr val="000000"/>
                   </a:solidFill>
@@ -3517,7 +3530,7 @@
             </a:ln>
             <a:extLst>
               <a:ext uri="{91240B29-F687-4f45-9708-019B960494DF}">
-                <a14:hiddenLine xmlns:a14="http://schemas.microsoft.com/office/drawing/2010/main" xmlns="" w="9525">
+                <a14:hiddenLine xmlns="" xmlns:a14="http://schemas.microsoft.com/office/drawing/2010/main" w="9525">
                   <a:solidFill>
                     <a:srgbClr val="000000"/>
                   </a:solidFill>
@@ -3607,7 +3620,7 @@
             </a:ln>
             <a:extLst>
               <a:ext uri="{91240B29-F687-4f45-9708-019B960494DF}">
-                <a14:hiddenLine xmlns:a14="http://schemas.microsoft.com/office/drawing/2010/main" xmlns="" w="9525">
+                <a14:hiddenLine xmlns="" xmlns:a14="http://schemas.microsoft.com/office/drawing/2010/main" w="9525">
                   <a:solidFill>
                     <a:srgbClr val="000000"/>
                   </a:solidFill>
@@ -3672,7 +3685,7 @@
             </a:ln>
             <a:extLst>
               <a:ext uri="{91240B29-F687-4f45-9708-019B960494DF}">
-                <a14:hiddenLine xmlns:a14="http://schemas.microsoft.com/office/drawing/2010/main" xmlns="" w="9525">
+                <a14:hiddenLine xmlns="" xmlns:a14="http://schemas.microsoft.com/office/drawing/2010/main" w="9525">
                   <a:solidFill>
                     <a:srgbClr val="000000"/>
                   </a:solidFill>
@@ -3734,7 +3747,7 @@
             </a:ln>
             <a:extLst>
               <a:ext uri="{91240B29-F687-4f45-9708-019B960494DF}">
-                <a14:hiddenLine xmlns:a14="http://schemas.microsoft.com/office/drawing/2010/main" xmlns="" w="9525">
+                <a14:hiddenLine xmlns="" xmlns:a14="http://schemas.microsoft.com/office/drawing/2010/main" w="9525">
                   <a:solidFill>
                     <a:srgbClr val="000000"/>
                   </a:solidFill>
@@ -3824,7 +3837,7 @@
             </a:ln>
             <a:extLst>
               <a:ext uri="{91240B29-F687-4f45-9708-019B960494DF}">
-                <a14:hiddenLine xmlns:a14="http://schemas.microsoft.com/office/drawing/2010/main" xmlns="" w="9525">
+                <a14:hiddenLine xmlns="" xmlns:a14="http://schemas.microsoft.com/office/drawing/2010/main" w="9525">
                   <a:solidFill>
                     <a:srgbClr val="000000"/>
                   </a:solidFill>
@@ -3914,7 +3927,7 @@
             </a:ln>
             <a:extLst>
               <a:ext uri="{91240B29-F687-4f45-9708-019B960494DF}">
-                <a14:hiddenLine xmlns:a14="http://schemas.microsoft.com/office/drawing/2010/main" xmlns="" w="9525">
+                <a14:hiddenLine xmlns="" xmlns:a14="http://schemas.microsoft.com/office/drawing/2010/main" w="9525">
                   <a:solidFill>
                     <a:srgbClr val="000000"/>
                   </a:solidFill>
@@ -3976,7 +3989,7 @@
             </a:ln>
             <a:extLst>
               <a:ext uri="{91240B29-F687-4f45-9708-019B960494DF}">
-                <a14:hiddenLine xmlns:a14="http://schemas.microsoft.com/office/drawing/2010/main" xmlns="" w="9525">
+                <a14:hiddenLine xmlns="" xmlns:a14="http://schemas.microsoft.com/office/drawing/2010/main" w="9525">
                   <a:solidFill>
                     <a:srgbClr val="000000"/>
                   </a:solidFill>
@@ -4096,7 +4109,7 @@
             </a:ln>
             <a:extLst>
               <a:ext uri="{91240B29-F687-4f45-9708-019B960494DF}">
-                <a14:hiddenLine xmlns:a14="http://schemas.microsoft.com/office/drawing/2010/main" xmlns="" w="9525">
+                <a14:hiddenLine xmlns="" xmlns:a14="http://schemas.microsoft.com/office/drawing/2010/main" w="9525">
                   <a:solidFill>
                     <a:srgbClr val="000000"/>
                   </a:solidFill>
@@ -4164,7 +4177,7 @@
             </a:ln>
             <a:extLst>
               <a:ext uri="{91240B29-F687-4f45-9708-019B960494DF}">
-                <a14:hiddenLine xmlns:a14="http://schemas.microsoft.com/office/drawing/2010/main" xmlns="" w="9525">
+                <a14:hiddenLine xmlns="" xmlns:a14="http://schemas.microsoft.com/office/drawing/2010/main" w="9525">
                   <a:solidFill>
                     <a:srgbClr val="000000"/>
                   </a:solidFill>
@@ -4254,7 +4267,7 @@
             </a:ln>
             <a:extLst>
               <a:ext uri="{91240B29-F687-4f45-9708-019B960494DF}">
-                <a14:hiddenLine xmlns:a14="http://schemas.microsoft.com/office/drawing/2010/main" xmlns="" w="9525">
+                <a14:hiddenLine xmlns="" xmlns:a14="http://schemas.microsoft.com/office/drawing/2010/main" w="9525">
                   <a:solidFill>
                     <a:srgbClr val="000000"/>
                   </a:solidFill>
@@ -4394,7 +4407,7 @@
           <a:p>
             <a:fld id="{0EFDD11A-2701-4143-9214-BF779779D87D}" type="datetimeFigureOut">
               <a:rPr lang="en-US" smtClean="0"/>
-              <a:t>21-Jan-25</a:t>
+              <a:t>22-Jan-25</a:t>
             </a:fld>
             <a:endParaRPr lang="en-US"/>
           </a:p>
@@ -4661,7 +4674,7 @@
           <a:p>
             <a:fld id="{0EFDD11A-2701-4143-9214-BF779779D87D}" type="datetimeFigureOut">
               <a:rPr lang="en-US" smtClean="0"/>
-              <a:t>21-Jan-25</a:t>
+              <a:t>22-Jan-25</a:t>
             </a:fld>
             <a:endParaRPr lang="en-US"/>
           </a:p>
@@ -4857,7 +4870,7 @@
           <a:p>
             <a:fld id="{0EFDD11A-2701-4143-9214-BF779779D87D}" type="datetimeFigureOut">
               <a:rPr lang="en-US" smtClean="0"/>
-              <a:t>21-Jan-25</a:t>
+              <a:t>22-Jan-25</a:t>
             </a:fld>
             <a:endParaRPr lang="en-US"/>
           </a:p>
@@ -5120,7 +5133,7 @@
           <a:p>
             <a:fld id="{0EFDD11A-2701-4143-9214-BF779779D87D}" type="datetimeFigureOut">
               <a:rPr lang="en-US" smtClean="0"/>
-              <a:t>21-Jan-25</a:t>
+              <a:t>22-Jan-25</a:t>
             </a:fld>
             <a:endParaRPr lang="en-US"/>
           </a:p>
@@ -5554,7 +5567,7 @@
           <a:p>
             <a:fld id="{0EFDD11A-2701-4143-9214-BF779779D87D}" type="datetimeFigureOut">
               <a:rPr lang="en-US" smtClean="0"/>
-              <a:t>21-Jan-25</a:t>
+              <a:t>22-Jan-25</a:t>
             </a:fld>
             <a:endParaRPr lang="en-US"/>
           </a:p>
@@ -6100,7 +6113,7 @@
           <a:p>
             <a:fld id="{0EFDD11A-2701-4143-9214-BF779779D87D}" type="datetimeFigureOut">
               <a:rPr lang="en-US" smtClean="0"/>
-              <a:t>21-Jan-25</a:t>
+              <a:t>22-Jan-25</a:t>
             </a:fld>
             <a:endParaRPr lang="en-US"/>
           </a:p>
@@ -6820,7 +6833,7 @@
           <a:p>
             <a:fld id="{0EFDD11A-2701-4143-9214-BF779779D87D}" type="datetimeFigureOut">
               <a:rPr lang="en-US" smtClean="0"/>
-              <a:t>21-Jan-25</a:t>
+              <a:t>22-Jan-25</a:t>
             </a:fld>
             <a:endParaRPr lang="en-US"/>
           </a:p>
@@ -6990,7 +7003,7 @@
           <a:p>
             <a:fld id="{0EFDD11A-2701-4143-9214-BF779779D87D}" type="datetimeFigureOut">
               <a:rPr lang="en-US" smtClean="0"/>
-              <a:t>21-Jan-25</a:t>
+              <a:t>22-Jan-25</a:t>
             </a:fld>
             <a:endParaRPr lang="en-US"/>
           </a:p>
@@ -7170,7 +7183,7 @@
           <a:p>
             <a:fld id="{0EFDD11A-2701-4143-9214-BF779779D87D}" type="datetimeFigureOut">
               <a:rPr lang="en-US" smtClean="0"/>
-              <a:t>21-Jan-25</a:t>
+              <a:t>22-Jan-25</a:t>
             </a:fld>
             <a:endParaRPr lang="en-US"/>
           </a:p>
@@ -7340,7 +7353,7 @@
           <a:p>
             <a:fld id="{0EFDD11A-2701-4143-9214-BF779779D87D}" type="datetimeFigureOut">
               <a:rPr lang="en-US" smtClean="0"/>
-              <a:t>21-Jan-25</a:t>
+              <a:t>22-Jan-25</a:t>
             </a:fld>
             <a:endParaRPr lang="en-US"/>
           </a:p>
@@ -7590,7 +7603,7 @@
           <a:p>
             <a:fld id="{0EFDD11A-2701-4143-9214-BF779779D87D}" type="datetimeFigureOut">
               <a:rPr lang="en-US" smtClean="0"/>
-              <a:t>21-Jan-25</a:t>
+              <a:t>22-Jan-25</a:t>
             </a:fld>
             <a:endParaRPr lang="en-US"/>
           </a:p>
@@ -7822,7 +7835,7 @@
           <a:p>
             <a:fld id="{0EFDD11A-2701-4143-9214-BF779779D87D}" type="datetimeFigureOut">
               <a:rPr lang="en-US" smtClean="0"/>
-              <a:t>21-Jan-25</a:t>
+              <a:t>22-Jan-25</a:t>
             </a:fld>
             <a:endParaRPr lang="en-US"/>
           </a:p>
@@ -8203,7 +8216,7 @@
           <a:p>
             <a:fld id="{0EFDD11A-2701-4143-9214-BF779779D87D}" type="datetimeFigureOut">
               <a:rPr lang="en-US" smtClean="0"/>
-              <a:t>21-Jan-25</a:t>
+              <a:t>22-Jan-25</a:t>
             </a:fld>
             <a:endParaRPr lang="en-US"/>
           </a:p>
@@ -8321,7 +8334,7 @@
           <a:p>
             <a:fld id="{0EFDD11A-2701-4143-9214-BF779779D87D}" type="datetimeFigureOut">
               <a:rPr lang="en-US" smtClean="0"/>
-              <a:t>21-Jan-25</a:t>
+              <a:t>22-Jan-25</a:t>
             </a:fld>
             <a:endParaRPr lang="en-US"/>
           </a:p>
@@ -8416,7 +8429,7 @@
           <a:p>
             <a:fld id="{0EFDD11A-2701-4143-9214-BF779779D87D}" type="datetimeFigureOut">
               <a:rPr lang="en-US" smtClean="0"/>
-              <a:t>21-Jan-25</a:t>
+              <a:t>22-Jan-25</a:t>
             </a:fld>
             <a:endParaRPr lang="en-US"/>
           </a:p>
@@ -8665,7 +8678,7 @@
           <a:p>
             <a:fld id="{0EFDD11A-2701-4143-9214-BF779779D87D}" type="datetimeFigureOut">
               <a:rPr lang="en-US" smtClean="0"/>
-              <a:t>21-Jan-25</a:t>
+              <a:t>22-Jan-25</a:t>
             </a:fld>
             <a:endParaRPr lang="en-US"/>
           </a:p>
@@ -8945,7 +8958,7 @@
           <a:p>
             <a:fld id="{0EFDD11A-2701-4143-9214-BF779779D87D}" type="datetimeFigureOut">
               <a:rPr lang="en-US" smtClean="0"/>
-              <a:t>21-Jan-25</a:t>
+              <a:t>22-Jan-25</a:t>
             </a:fld>
             <a:endParaRPr lang="en-US"/>
           </a:p>
@@ -9068,7 +9081,7 @@
           <a:noFill/>
           <a:extLst>
             <a:ext uri="{909E8E84-426E-40dd-AFC4-6F175D3DCCD1}">
-              <a14:hiddenFill xmlns:a14="http://schemas.microsoft.com/office/drawing/2010/main" xmlns="">
+              <a14:hiddenFill xmlns="" xmlns:a14="http://schemas.microsoft.com/office/drawing/2010/main">
                 <a:solidFill>
                   <a:srgbClr val="FFFFFF"/>
                 </a:solidFill>
@@ -9142,7 +9155,7 @@
               </a:ln>
               <a:extLst>
                 <a:ext uri="{91240B29-F687-4f45-9708-019B960494DF}">
-                  <a14:hiddenLine xmlns:a14="http://schemas.microsoft.com/office/drawing/2010/main" xmlns="" w="9525">
+                  <a14:hiddenLine xmlns="" xmlns:a14="http://schemas.microsoft.com/office/drawing/2010/main" w="9525">
                     <a:solidFill>
                       <a:srgbClr val="000000"/>
                     </a:solidFill>
@@ -9232,7 +9245,7 @@
               </a:ln>
               <a:extLst>
                 <a:ext uri="{91240B29-F687-4f45-9708-019B960494DF}">
-                  <a14:hiddenLine xmlns:a14="http://schemas.microsoft.com/office/drawing/2010/main" xmlns="" w="9525">
+                  <a14:hiddenLine xmlns="" xmlns:a14="http://schemas.microsoft.com/office/drawing/2010/main" w="9525">
                     <a:solidFill>
                       <a:srgbClr val="000000"/>
                     </a:solidFill>
@@ -9322,7 +9335,7 @@
               </a:ln>
               <a:extLst>
                 <a:ext uri="{91240B29-F687-4f45-9708-019B960494DF}">
-                  <a14:hiddenLine xmlns:a14="http://schemas.microsoft.com/office/drawing/2010/main" xmlns="" w="9525">
+                  <a14:hiddenLine xmlns="" xmlns:a14="http://schemas.microsoft.com/office/drawing/2010/main" w="9525">
                     <a:solidFill>
                       <a:srgbClr val="000000"/>
                     </a:solidFill>
@@ -9384,7 +9397,7 @@
               </a:ln>
               <a:extLst>
                 <a:ext uri="{91240B29-F687-4f45-9708-019B960494DF}">
-                  <a14:hiddenLine xmlns:a14="http://schemas.microsoft.com/office/drawing/2010/main" xmlns="" w="9525">
+                  <a14:hiddenLine xmlns="" xmlns:a14="http://schemas.microsoft.com/office/drawing/2010/main" w="9525">
                     <a:solidFill>
                       <a:srgbClr val="000000"/>
                     </a:solidFill>
@@ -9474,7 +9487,7 @@
               </a:ln>
               <a:extLst>
                 <a:ext uri="{91240B29-F687-4f45-9708-019B960494DF}">
-                  <a14:hiddenLine xmlns:a14="http://schemas.microsoft.com/office/drawing/2010/main" xmlns="" w="9525">
+                  <a14:hiddenLine xmlns="" xmlns:a14="http://schemas.microsoft.com/office/drawing/2010/main" w="9525">
                     <a:solidFill>
                       <a:srgbClr val="000000"/>
                     </a:solidFill>
@@ -9536,7 +9549,7 @@
               </a:ln>
               <a:extLst>
                 <a:ext uri="{91240B29-F687-4f45-9708-019B960494DF}">
-                  <a14:hiddenLine xmlns:a14="http://schemas.microsoft.com/office/drawing/2010/main" xmlns="" w="9525">
+                  <a14:hiddenLine xmlns="" xmlns:a14="http://schemas.microsoft.com/office/drawing/2010/main" w="9525">
                     <a:solidFill>
                       <a:srgbClr val="000000"/>
                     </a:solidFill>
@@ -9598,7 +9611,7 @@
               </a:ln>
               <a:extLst>
                 <a:ext uri="{91240B29-F687-4f45-9708-019B960494DF}">
-                  <a14:hiddenLine xmlns:a14="http://schemas.microsoft.com/office/drawing/2010/main" xmlns="" w="9525">
+                  <a14:hiddenLine xmlns="" xmlns:a14="http://schemas.microsoft.com/office/drawing/2010/main" w="9525">
                     <a:solidFill>
                       <a:srgbClr val="000000"/>
                     </a:solidFill>
@@ -9688,7 +9701,7 @@
               </a:ln>
               <a:extLst>
                 <a:ext uri="{91240B29-F687-4f45-9708-019B960494DF}">
-                  <a14:hiddenLine xmlns:a14="http://schemas.microsoft.com/office/drawing/2010/main" xmlns="" w="9525">
+                  <a14:hiddenLine xmlns="" xmlns:a14="http://schemas.microsoft.com/office/drawing/2010/main" w="9525">
                     <a:solidFill>
                       <a:srgbClr val="000000"/>
                     </a:solidFill>
@@ -9778,7 +9791,7 @@
               </a:ln>
               <a:extLst>
                 <a:ext uri="{91240B29-F687-4f45-9708-019B960494DF}">
-                  <a14:hiddenLine xmlns:a14="http://schemas.microsoft.com/office/drawing/2010/main" xmlns="" w="9525">
+                  <a14:hiddenLine xmlns="" xmlns:a14="http://schemas.microsoft.com/office/drawing/2010/main" w="9525">
                     <a:solidFill>
                       <a:srgbClr val="000000"/>
                     </a:solidFill>
@@ -9840,7 +9853,7 @@
               </a:ln>
               <a:extLst>
                 <a:ext uri="{91240B29-F687-4f45-9708-019B960494DF}">
-                  <a14:hiddenLine xmlns:a14="http://schemas.microsoft.com/office/drawing/2010/main" xmlns="" w="9525">
+                  <a14:hiddenLine xmlns="" xmlns:a14="http://schemas.microsoft.com/office/drawing/2010/main" w="9525">
                     <a:solidFill>
                       <a:srgbClr val="000000"/>
                     </a:solidFill>
@@ -9950,7 +9963,7 @@
               </a:ln>
               <a:extLst>
                 <a:ext uri="{91240B29-F687-4f45-9708-019B960494DF}">
-                  <a14:hiddenLine xmlns:a14="http://schemas.microsoft.com/office/drawing/2010/main" xmlns="" w="9525">
+                  <a14:hiddenLine xmlns="" xmlns:a14="http://schemas.microsoft.com/office/drawing/2010/main" w="9525">
                     <a:solidFill>
                       <a:srgbClr val="000000"/>
                     </a:solidFill>
@@ -10034,7 +10047,7 @@
               </a:ln>
               <a:extLst>
                 <a:ext uri="{91240B29-F687-4f45-9708-019B960494DF}">
-                  <a14:hiddenLine xmlns:a14="http://schemas.microsoft.com/office/drawing/2010/main" xmlns="" w="9525">
+                  <a14:hiddenLine xmlns="" xmlns:a14="http://schemas.microsoft.com/office/drawing/2010/main" w="9525">
                     <a:solidFill>
                       <a:srgbClr val="000000"/>
                     </a:solidFill>
@@ -10096,7 +10109,7 @@
               </a:ln>
               <a:extLst>
                 <a:ext uri="{91240B29-F687-4f45-9708-019B960494DF}">
-                  <a14:hiddenLine xmlns:a14="http://schemas.microsoft.com/office/drawing/2010/main" xmlns="" w="9525">
+                  <a14:hiddenLine xmlns="" xmlns:a14="http://schemas.microsoft.com/office/drawing/2010/main" w="9525">
                     <a:solidFill>
                       <a:srgbClr val="000000"/>
                     </a:solidFill>
@@ -10158,7 +10171,7 @@
               </a:ln>
               <a:extLst>
                 <a:ext uri="{91240B29-F687-4f45-9708-019B960494DF}">
-                  <a14:hiddenLine xmlns:a14="http://schemas.microsoft.com/office/drawing/2010/main" xmlns="" w="9525">
+                  <a14:hiddenLine xmlns="" xmlns:a14="http://schemas.microsoft.com/office/drawing/2010/main" w="9525">
                     <a:solidFill>
                       <a:srgbClr val="000000"/>
                     </a:solidFill>
@@ -10248,7 +10261,7 @@
               </a:ln>
               <a:extLst>
                 <a:ext uri="{91240B29-F687-4f45-9708-019B960494DF}">
-                  <a14:hiddenLine xmlns:a14="http://schemas.microsoft.com/office/drawing/2010/main" xmlns="" w="9525">
+                  <a14:hiddenLine xmlns="" xmlns:a14="http://schemas.microsoft.com/office/drawing/2010/main" w="9525">
                     <a:solidFill>
                       <a:srgbClr val="000000"/>
                     </a:solidFill>
@@ -10282,7 +10295,7 @@
               </a:ln>
               <a:extLst>
                 <a:ext uri="{91240B29-F687-4f45-9708-019B960494DF}">
-                  <a14:hiddenLine xmlns:a14="http://schemas.microsoft.com/office/drawing/2010/main" xmlns="" w="9525">
+                  <a14:hiddenLine xmlns="" xmlns:a14="http://schemas.microsoft.com/office/drawing/2010/main" w="9525">
                     <a:solidFill>
                       <a:srgbClr val="000000"/>
                     </a:solidFill>
@@ -10347,7 +10360,7 @@
               </a:ln>
               <a:extLst>
                 <a:ext uri="{91240B29-F687-4f45-9708-019B960494DF}">
-                  <a14:hiddenLine xmlns:a14="http://schemas.microsoft.com/office/drawing/2010/main" xmlns="" w="9525">
+                  <a14:hiddenLine xmlns="" xmlns:a14="http://schemas.microsoft.com/office/drawing/2010/main" w="9525">
                     <a:solidFill>
                       <a:srgbClr val="000000"/>
                     </a:solidFill>
@@ -10437,7 +10450,7 @@
               </a:ln>
               <a:extLst>
                 <a:ext uri="{91240B29-F687-4f45-9708-019B960494DF}">
-                  <a14:hiddenLine xmlns:a14="http://schemas.microsoft.com/office/drawing/2010/main" xmlns="" w="9525">
+                  <a14:hiddenLine xmlns="" xmlns:a14="http://schemas.microsoft.com/office/drawing/2010/main" w="9525">
                     <a:solidFill>
                       <a:srgbClr val="000000"/>
                     </a:solidFill>
@@ -10499,7 +10512,7 @@
               </a:ln>
               <a:extLst>
                 <a:ext uri="{91240B29-F687-4f45-9708-019B960494DF}">
-                  <a14:hiddenLine xmlns:a14="http://schemas.microsoft.com/office/drawing/2010/main" xmlns="" w="9525">
+                  <a14:hiddenLine xmlns="" xmlns:a14="http://schemas.microsoft.com/office/drawing/2010/main" w="9525">
                     <a:solidFill>
                       <a:srgbClr val="000000"/>
                     </a:solidFill>
@@ -10589,7 +10602,7 @@
               </a:ln>
               <a:extLst>
                 <a:ext uri="{91240B29-F687-4f45-9708-019B960494DF}">
-                  <a14:hiddenLine xmlns:a14="http://schemas.microsoft.com/office/drawing/2010/main" xmlns="" w="9525">
+                  <a14:hiddenLine xmlns="" xmlns:a14="http://schemas.microsoft.com/office/drawing/2010/main" w="9525">
                     <a:solidFill>
                       <a:srgbClr val="000000"/>
                     </a:solidFill>
@@ -10654,7 +10667,7 @@
               </a:ln>
               <a:extLst>
                 <a:ext uri="{91240B29-F687-4f45-9708-019B960494DF}">
-                  <a14:hiddenLine xmlns:a14="http://schemas.microsoft.com/office/drawing/2010/main" xmlns="" w="9525">
+                  <a14:hiddenLine xmlns="" xmlns:a14="http://schemas.microsoft.com/office/drawing/2010/main" w="9525">
                     <a:solidFill>
                       <a:srgbClr val="000000"/>
                     </a:solidFill>
@@ -10716,7 +10729,7 @@
               </a:ln>
               <a:extLst>
                 <a:ext uri="{91240B29-F687-4f45-9708-019B960494DF}">
-                  <a14:hiddenLine xmlns:a14="http://schemas.microsoft.com/office/drawing/2010/main" xmlns="" w="9525">
+                  <a14:hiddenLine xmlns="" xmlns:a14="http://schemas.microsoft.com/office/drawing/2010/main" w="9525">
                     <a:solidFill>
                       <a:srgbClr val="000000"/>
                     </a:solidFill>
@@ -10806,7 +10819,7 @@
               </a:ln>
               <a:extLst>
                 <a:ext uri="{91240B29-F687-4f45-9708-019B960494DF}">
-                  <a14:hiddenLine xmlns:a14="http://schemas.microsoft.com/office/drawing/2010/main" xmlns="" w="9525">
+                  <a14:hiddenLine xmlns="" xmlns:a14="http://schemas.microsoft.com/office/drawing/2010/main" w="9525">
                     <a:solidFill>
                       <a:srgbClr val="000000"/>
                     </a:solidFill>
@@ -10896,7 +10909,7 @@
               </a:ln>
               <a:extLst>
                 <a:ext uri="{91240B29-F687-4f45-9708-019B960494DF}">
-                  <a14:hiddenLine xmlns:a14="http://schemas.microsoft.com/office/drawing/2010/main" xmlns="" w="9525">
+                  <a14:hiddenLine xmlns="" xmlns:a14="http://schemas.microsoft.com/office/drawing/2010/main" w="9525">
                     <a:solidFill>
                       <a:srgbClr val="000000"/>
                     </a:solidFill>
@@ -10961,7 +10974,7 @@
               </a:ln>
               <a:extLst>
                 <a:ext uri="{91240B29-F687-4f45-9708-019B960494DF}">
-                  <a14:hiddenLine xmlns:a14="http://schemas.microsoft.com/office/drawing/2010/main" xmlns="" w="9525">
+                  <a14:hiddenLine xmlns="" xmlns:a14="http://schemas.microsoft.com/office/drawing/2010/main" w="9525">
                     <a:solidFill>
                       <a:srgbClr val="000000"/>
                     </a:solidFill>
@@ -11081,7 +11094,7 @@
               </a:ln>
               <a:extLst>
                 <a:ext uri="{91240B29-F687-4f45-9708-019B960494DF}">
-                  <a14:hiddenLine xmlns:a14="http://schemas.microsoft.com/office/drawing/2010/main" xmlns="" w="9525">
+                  <a14:hiddenLine xmlns="" xmlns:a14="http://schemas.microsoft.com/office/drawing/2010/main" w="9525">
                     <a:solidFill>
                       <a:srgbClr val="000000"/>
                     </a:solidFill>
@@ -11162,7 +11175,7 @@
               </a:ln>
               <a:extLst>
                 <a:ext uri="{91240B29-F687-4f45-9708-019B960494DF}">
-                  <a14:hiddenLine xmlns:a14="http://schemas.microsoft.com/office/drawing/2010/main" xmlns="" w="9525">
+                  <a14:hiddenLine xmlns="" xmlns:a14="http://schemas.microsoft.com/office/drawing/2010/main" w="9525">
                     <a:solidFill>
                       <a:srgbClr val="000000"/>
                     </a:solidFill>
@@ -11277,7 +11290,7 @@
               </a:ln>
               <a:extLst>
                 <a:ext uri="{91240B29-F687-4f45-9708-019B960494DF}">
-                  <a14:hiddenLine xmlns:a14="http://schemas.microsoft.com/office/drawing/2010/main" xmlns="" w="9525">
+                  <a14:hiddenLine xmlns="" xmlns:a14="http://schemas.microsoft.com/office/drawing/2010/main" w="9525">
                     <a:solidFill>
                       <a:srgbClr val="000000"/>
                     </a:solidFill>
@@ -11367,7 +11380,7 @@
               </a:ln>
               <a:extLst>
                 <a:ext uri="{91240B29-F687-4f45-9708-019B960494DF}">
-                  <a14:hiddenLine xmlns:a14="http://schemas.microsoft.com/office/drawing/2010/main" xmlns="" w="9525">
+                  <a14:hiddenLine xmlns="" xmlns:a14="http://schemas.microsoft.com/office/drawing/2010/main" w="9525">
                     <a:solidFill>
                       <a:srgbClr val="000000"/>
                     </a:solidFill>
@@ -11432,7 +11445,7 @@
               </a:ln>
               <a:extLst>
                 <a:ext uri="{91240B29-F687-4f45-9708-019B960494DF}">
-                  <a14:hiddenLine xmlns:a14="http://schemas.microsoft.com/office/drawing/2010/main" xmlns="" w="9525">
+                  <a14:hiddenLine xmlns="" xmlns:a14="http://schemas.microsoft.com/office/drawing/2010/main" w="9525">
                     <a:solidFill>
                       <a:srgbClr val="000000"/>
                     </a:solidFill>
@@ -11522,7 +11535,7 @@
               </a:ln>
               <a:extLst>
                 <a:ext uri="{91240B29-F687-4f45-9708-019B960494DF}">
-                  <a14:hiddenLine xmlns:a14="http://schemas.microsoft.com/office/drawing/2010/main" xmlns="" w="9525">
+                  <a14:hiddenLine xmlns="" xmlns:a14="http://schemas.microsoft.com/office/drawing/2010/main" w="9525">
                     <a:solidFill>
                       <a:srgbClr val="000000"/>
                     </a:solidFill>
@@ -11590,7 +11603,7 @@
               </a:ln>
               <a:extLst>
                 <a:ext uri="{91240B29-F687-4f45-9708-019B960494DF}">
-                  <a14:hiddenLine xmlns:a14="http://schemas.microsoft.com/office/drawing/2010/main" xmlns="" w="9525">
+                  <a14:hiddenLine xmlns="" xmlns:a14="http://schemas.microsoft.com/office/drawing/2010/main" w="9525">
                     <a:solidFill>
                       <a:srgbClr val="000000"/>
                     </a:solidFill>
@@ -11680,7 +11693,7 @@
               </a:ln>
               <a:extLst>
                 <a:ext uri="{91240B29-F687-4f45-9708-019B960494DF}">
-                  <a14:hiddenLine xmlns:a14="http://schemas.microsoft.com/office/drawing/2010/main" xmlns="" w="9525">
+                  <a14:hiddenLine xmlns="" xmlns:a14="http://schemas.microsoft.com/office/drawing/2010/main" w="9525">
                     <a:solidFill>
                       <a:srgbClr val="000000"/>
                     </a:solidFill>
@@ -11748,7 +11761,7 @@
               </a:ln>
               <a:extLst>
                 <a:ext uri="{91240B29-F687-4f45-9708-019B960494DF}">
-                  <a14:hiddenLine xmlns:a14="http://schemas.microsoft.com/office/drawing/2010/main" xmlns="" w="9525">
+                  <a14:hiddenLine xmlns="" xmlns:a14="http://schemas.microsoft.com/office/drawing/2010/main" w="9525">
                     <a:solidFill>
                       <a:srgbClr val="000000"/>
                     </a:solidFill>
@@ -11838,7 +11851,7 @@
               </a:ln>
               <a:extLst>
                 <a:ext uri="{91240B29-F687-4f45-9708-019B960494DF}">
-                  <a14:hiddenLine xmlns:a14="http://schemas.microsoft.com/office/drawing/2010/main" xmlns="" w="9525">
+                  <a14:hiddenLine xmlns="" xmlns:a14="http://schemas.microsoft.com/office/drawing/2010/main" w="9525">
                     <a:solidFill>
                       <a:srgbClr val="000000"/>
                     </a:solidFill>
@@ -11872,7 +11885,7 @@
               </a:ln>
               <a:extLst>
                 <a:ext uri="{91240B29-F687-4f45-9708-019B960494DF}">
-                  <a14:hiddenLine xmlns:a14="http://schemas.microsoft.com/office/drawing/2010/main" xmlns="" w="9525">
+                  <a14:hiddenLine xmlns="" xmlns:a14="http://schemas.microsoft.com/office/drawing/2010/main" w="9525">
                     <a:solidFill>
                       <a:srgbClr val="000000"/>
                     </a:solidFill>
@@ -12012,7 +12025,7 @@
           <a:p>
             <a:fld id="{0EFDD11A-2701-4143-9214-BF779779D87D}" type="datetimeFigureOut">
               <a:rPr lang="en-US" smtClean="0"/>
-              <a:t>21-Jan-25</a:t>
+              <a:t>22-Jan-25</a:t>
             </a:fld>
             <a:endParaRPr lang="en-US"/>
           </a:p>
@@ -12482,7 +12495,7 @@
                 <a:ea typeface="ADLaM Display" panose="02010000000000000000" pitchFamily="2" charset="0"/>
                 <a:cs typeface="ADLaM Display" panose="02010000000000000000" pitchFamily="2" charset="0"/>
               </a:rPr>
-              <a:t>LiCENCE PLATE RECOGNITION USING YOLO-V8</a:t>
+              <a:t>licence PLATE RECOGNITION USING YOLO-V8</a:t>
             </a:r>
           </a:p>
         </p:txBody>
@@ -12552,6 +12565,1069 @@
     <p:extLst>
       <p:ext uri="{BB962C8B-B14F-4D97-AF65-F5344CB8AC3E}">
         <p14:creationId xmlns:p14="http://schemas.microsoft.com/office/powerpoint/2010/main" val="2519089441"/>
+      </p:ext>
+    </p:extLst>
+  </p:cSld>
+  <p:clrMapOvr>
+    <a:masterClrMapping/>
+  </p:clrMapOvr>
+</p:sld>
+</file>
+
+<file path=ppt/slides/slide10.xml><?xml version="1.0" encoding="utf-8"?>
+<p:sld xmlns:a="http://schemas.openxmlformats.org/drawingml/2006/main" xmlns:r="http://schemas.openxmlformats.org/officeDocument/2006/relationships" xmlns:p="http://schemas.openxmlformats.org/presentationml/2006/main">
+  <p:cSld>
+    <p:bg>
+      <p:bgPr>
+        <a:solidFill>
+          <a:schemeClr val="tx1">
+            <a:lumMod val="75000"/>
+          </a:schemeClr>
+        </a:solidFill>
+        <a:effectLst/>
+      </p:bgPr>
+    </p:bg>
+    <p:spTree>
+      <p:nvGrpSpPr>
+        <p:cNvPr id="1" name="">
+          <a:extLst>
+            <a:ext uri="{FF2B5EF4-FFF2-40B4-BE49-F238E27FC236}">
+              <a16:creationId xmlns:a16="http://schemas.microsoft.com/office/drawing/2014/main" id="{E8F6598F-5D3E-C0C4-5EB6-900898238455}"/>
+            </a:ext>
+          </a:extLst>
+        </p:cNvPr>
+        <p:cNvGrpSpPr/>
+        <p:nvPr/>
+      </p:nvGrpSpPr>
+      <p:grpSpPr>
+        <a:xfrm>
+          <a:off x="0" y="0"/>
+          <a:ext cx="0" cy="0"/>
+          <a:chOff x="0" y="0"/>
+          <a:chExt cx="0" cy="0"/>
+        </a:xfrm>
+      </p:grpSpPr>
+      <p:sp>
+        <p:nvSpPr>
+          <p:cNvPr id="2" name="Title 1">
+            <a:extLst>
+              <a:ext uri="{FF2B5EF4-FFF2-40B4-BE49-F238E27FC236}">
+                <a16:creationId xmlns:a16="http://schemas.microsoft.com/office/drawing/2014/main" id="{800D3AC6-990C-1B2E-BD4D-AE4DE9CAAD83}"/>
+              </a:ext>
+            </a:extLst>
+          </p:cNvPr>
+          <p:cNvSpPr>
+            <a:spLocks noGrp="1"/>
+          </p:cNvSpPr>
+          <p:nvPr>
+            <p:ph type="ctrTitle"/>
+          </p:nvPr>
+        </p:nvSpPr>
+        <p:spPr>
+          <a:xfrm>
+            <a:off x="2275398" y="432619"/>
+            <a:ext cx="8791575" cy="747098"/>
+          </a:xfrm>
+        </p:spPr>
+        <p:txBody>
+          <a:bodyPr>
+            <a:normAutofit/>
+          </a:bodyPr>
+          <a:lstStyle/>
+          <a:p>
+            <a:r>
+              <a:rPr lang="en-US" sz="4000" dirty="0">
+                <a:solidFill>
+                  <a:schemeClr val="bg2">
+                    <a:lumMod val="75000"/>
+                    <a:lumOff val="25000"/>
+                  </a:schemeClr>
+                </a:solidFill>
+                <a:latin typeface="Calibri" panose="020F0502020204030204" pitchFamily="34" charset="0"/>
+                <a:ea typeface="ADLaM Display" panose="02010000000000000000" pitchFamily="2" charset="0"/>
+                <a:cs typeface="Calibri" panose="020F0502020204030204" pitchFamily="34" charset="0"/>
+              </a:rPr>
+              <a:t>Training graphs</a:t>
+            </a:r>
+          </a:p>
+        </p:txBody>
+      </p:sp>
+      <p:pic>
+        <p:nvPicPr>
+          <p:cNvPr id="6" name="Picture 5" descr="A graph of a graph of a stock market&#10;&#10;Description automatically generated with medium confidence">
+            <a:extLst>
+              <a:ext uri="{FF2B5EF4-FFF2-40B4-BE49-F238E27FC236}">
+                <a16:creationId xmlns:a16="http://schemas.microsoft.com/office/drawing/2014/main" id="{3500D29D-6F46-2390-B755-0034B25D551F}"/>
+              </a:ext>
+            </a:extLst>
+          </p:cNvPr>
+          <p:cNvPicPr>
+            <a:picLocks noChangeAspect="1"/>
+          </p:cNvPicPr>
+          <p:nvPr/>
+        </p:nvPicPr>
+        <p:blipFill>
+          <a:blip r:embed="rId2">
+            <a:extLst>
+              <a:ext uri="{28A0092B-C50C-407E-A947-70E740481C1C}">
+                <a14:useLocalDpi xmlns:a14="http://schemas.microsoft.com/office/drawing/2010/main" val="0"/>
+              </a:ext>
+            </a:extLst>
+          </a:blip>
+          <a:stretch>
+            <a:fillRect/>
+          </a:stretch>
+        </p:blipFill>
+        <p:spPr>
+          <a:xfrm>
+            <a:off x="2467889" y="1327352"/>
+            <a:ext cx="8406592" cy="4203296"/>
+          </a:xfrm>
+          <a:prstGeom prst="rect">
+            <a:avLst/>
+          </a:prstGeom>
+        </p:spPr>
+      </p:pic>
+    </p:spTree>
+    <p:extLst>
+      <p:ext uri="{BB962C8B-B14F-4D97-AF65-F5344CB8AC3E}">
+        <p14:creationId xmlns:p14="http://schemas.microsoft.com/office/powerpoint/2010/main" val="1747268957"/>
+      </p:ext>
+    </p:extLst>
+  </p:cSld>
+  <p:clrMapOvr>
+    <a:masterClrMapping/>
+  </p:clrMapOvr>
+</p:sld>
+</file>
+
+<file path=ppt/slides/slide11.xml><?xml version="1.0" encoding="utf-8"?>
+<p:sld xmlns:a="http://schemas.openxmlformats.org/drawingml/2006/main" xmlns:r="http://schemas.openxmlformats.org/officeDocument/2006/relationships" xmlns:p="http://schemas.openxmlformats.org/presentationml/2006/main">
+  <p:cSld>
+    <p:bg>
+      <p:bgPr>
+        <a:solidFill>
+          <a:schemeClr val="tx1">
+            <a:lumMod val="75000"/>
+          </a:schemeClr>
+        </a:solidFill>
+        <a:effectLst/>
+      </p:bgPr>
+    </p:bg>
+    <p:spTree>
+      <p:nvGrpSpPr>
+        <p:cNvPr id="1" name="">
+          <a:extLst>
+            <a:ext uri="{FF2B5EF4-FFF2-40B4-BE49-F238E27FC236}">
+              <a16:creationId xmlns:a16="http://schemas.microsoft.com/office/drawing/2014/main" id="{DC7ED40E-FE44-8854-0BE7-812AE319B8E8}"/>
+            </a:ext>
+          </a:extLst>
+        </p:cNvPr>
+        <p:cNvGrpSpPr/>
+        <p:nvPr/>
+      </p:nvGrpSpPr>
+      <p:grpSpPr>
+        <a:xfrm>
+          <a:off x="0" y="0"/>
+          <a:ext cx="0" cy="0"/>
+          <a:chOff x="0" y="0"/>
+          <a:chExt cx="0" cy="0"/>
+        </a:xfrm>
+      </p:grpSpPr>
+      <p:sp>
+        <p:nvSpPr>
+          <p:cNvPr id="2" name="Title 1">
+            <a:extLst>
+              <a:ext uri="{FF2B5EF4-FFF2-40B4-BE49-F238E27FC236}">
+                <a16:creationId xmlns:a16="http://schemas.microsoft.com/office/drawing/2014/main" id="{68E79EE5-897D-A964-9882-F9A08757A925}"/>
+              </a:ext>
+            </a:extLst>
+          </p:cNvPr>
+          <p:cNvSpPr>
+            <a:spLocks noGrp="1"/>
+          </p:cNvSpPr>
+          <p:nvPr>
+            <p:ph type="ctrTitle"/>
+          </p:nvPr>
+        </p:nvSpPr>
+        <p:spPr>
+          <a:xfrm>
+            <a:off x="2275398" y="432619"/>
+            <a:ext cx="8791575" cy="747098"/>
+          </a:xfrm>
+        </p:spPr>
+        <p:txBody>
+          <a:bodyPr>
+            <a:normAutofit/>
+          </a:bodyPr>
+          <a:lstStyle/>
+          <a:p>
+            <a:r>
+              <a:rPr lang="en-US" sz="4000" dirty="0">
+                <a:solidFill>
+                  <a:schemeClr val="bg2">
+                    <a:lumMod val="75000"/>
+                    <a:lumOff val="25000"/>
+                  </a:schemeClr>
+                </a:solidFill>
+                <a:latin typeface="Calibri" panose="020F0502020204030204" pitchFamily="34" charset="0"/>
+                <a:ea typeface="ADLaM Display" panose="02010000000000000000" pitchFamily="2" charset="0"/>
+                <a:cs typeface="Calibri" panose="020F0502020204030204" pitchFamily="34" charset="0"/>
+              </a:rPr>
+              <a:t>Running SCREENSHOTS</a:t>
+            </a:r>
+          </a:p>
+        </p:txBody>
+      </p:sp>
+      <p:pic>
+        <p:nvPicPr>
+          <p:cNvPr id="4" name="Picture 3" descr="A screenshot of a computer&#10;&#10;Description automatically generated">
+            <a:extLst>
+              <a:ext uri="{FF2B5EF4-FFF2-40B4-BE49-F238E27FC236}">
+                <a16:creationId xmlns:a16="http://schemas.microsoft.com/office/drawing/2014/main" id="{E59DD017-1A52-4B47-146E-8CF485F3A400}"/>
+              </a:ext>
+            </a:extLst>
+          </p:cNvPr>
+          <p:cNvPicPr>
+            <a:picLocks noChangeAspect="1"/>
+          </p:cNvPicPr>
+          <p:nvPr/>
+        </p:nvPicPr>
+        <p:blipFill>
+          <a:blip r:embed="rId2">
+            <a:extLst>
+              <a:ext uri="{28A0092B-C50C-407E-A947-70E740481C1C}">
+                <a14:useLocalDpi xmlns:a14="http://schemas.microsoft.com/office/drawing/2010/main" val="0"/>
+              </a:ext>
+            </a:extLst>
+          </a:blip>
+          <a:stretch>
+            <a:fillRect/>
+          </a:stretch>
+        </p:blipFill>
+        <p:spPr>
+          <a:xfrm>
+            <a:off x="314663" y="1956927"/>
+            <a:ext cx="5781337" cy="3044235"/>
+          </a:xfrm>
+          <a:prstGeom prst="rect">
+            <a:avLst/>
+          </a:prstGeom>
+        </p:spPr>
+      </p:pic>
+      <p:pic>
+        <p:nvPicPr>
+          <p:cNvPr id="6" name="Picture 5" descr="A screenshot of a computer&#10;&#10;Description automatically generated">
+            <a:extLst>
+              <a:ext uri="{FF2B5EF4-FFF2-40B4-BE49-F238E27FC236}">
+                <a16:creationId xmlns:a16="http://schemas.microsoft.com/office/drawing/2014/main" id="{131A88DB-9928-B144-6F6B-821B386ED288}"/>
+              </a:ext>
+            </a:extLst>
+          </p:cNvPr>
+          <p:cNvPicPr>
+            <a:picLocks noChangeAspect="1"/>
+          </p:cNvPicPr>
+          <p:nvPr/>
+        </p:nvPicPr>
+        <p:blipFill>
+          <a:blip r:embed="rId3">
+            <a:extLst>
+              <a:ext uri="{28A0092B-C50C-407E-A947-70E740481C1C}">
+                <a14:useLocalDpi xmlns:a14="http://schemas.microsoft.com/office/drawing/2010/main" val="0"/>
+              </a:ext>
+            </a:extLst>
+          </a:blip>
+          <a:stretch>
+            <a:fillRect/>
+          </a:stretch>
+        </p:blipFill>
+        <p:spPr>
+          <a:xfrm>
+            <a:off x="6231951" y="1956928"/>
+            <a:ext cx="5781339" cy="3044236"/>
+          </a:xfrm>
+          <a:prstGeom prst="rect">
+            <a:avLst/>
+          </a:prstGeom>
+        </p:spPr>
+      </p:pic>
+    </p:spTree>
+    <p:extLst>
+      <p:ext uri="{BB962C8B-B14F-4D97-AF65-F5344CB8AC3E}">
+        <p14:creationId xmlns:p14="http://schemas.microsoft.com/office/powerpoint/2010/main" val="2380042537"/>
+      </p:ext>
+    </p:extLst>
+  </p:cSld>
+  <p:clrMapOvr>
+    <a:masterClrMapping/>
+  </p:clrMapOvr>
+</p:sld>
+</file>
+
+<file path=ppt/slides/slide12.xml><?xml version="1.0" encoding="utf-8"?>
+<p:sld xmlns:a="http://schemas.openxmlformats.org/drawingml/2006/main" xmlns:r="http://schemas.openxmlformats.org/officeDocument/2006/relationships" xmlns:p="http://schemas.openxmlformats.org/presentationml/2006/main">
+  <p:cSld>
+    <p:bg>
+      <p:bgPr>
+        <a:solidFill>
+          <a:schemeClr val="tx1">
+            <a:lumMod val="75000"/>
+          </a:schemeClr>
+        </a:solidFill>
+        <a:effectLst/>
+      </p:bgPr>
+    </p:bg>
+    <p:spTree>
+      <p:nvGrpSpPr>
+        <p:cNvPr id="1" name="">
+          <a:extLst>
+            <a:ext uri="{FF2B5EF4-FFF2-40B4-BE49-F238E27FC236}">
+              <a16:creationId xmlns:a16="http://schemas.microsoft.com/office/drawing/2014/main" id="{65D54417-DC3E-5AA2-5A71-B1CC6224F77A}"/>
+            </a:ext>
+          </a:extLst>
+        </p:cNvPr>
+        <p:cNvGrpSpPr/>
+        <p:nvPr/>
+      </p:nvGrpSpPr>
+      <p:grpSpPr>
+        <a:xfrm>
+          <a:off x="0" y="0"/>
+          <a:ext cx="0" cy="0"/>
+          <a:chOff x="0" y="0"/>
+          <a:chExt cx="0" cy="0"/>
+        </a:xfrm>
+      </p:grpSpPr>
+      <p:sp>
+        <p:nvSpPr>
+          <p:cNvPr id="2" name="Title 1">
+            <a:extLst>
+              <a:ext uri="{FF2B5EF4-FFF2-40B4-BE49-F238E27FC236}">
+                <a16:creationId xmlns:a16="http://schemas.microsoft.com/office/drawing/2014/main" id="{CED8B467-5412-0269-7520-958258A578B4}"/>
+              </a:ext>
+            </a:extLst>
+          </p:cNvPr>
+          <p:cNvSpPr>
+            <a:spLocks noGrp="1"/>
+          </p:cNvSpPr>
+          <p:nvPr>
+            <p:ph type="ctrTitle"/>
+          </p:nvPr>
+        </p:nvSpPr>
+        <p:spPr>
+          <a:xfrm>
+            <a:off x="2275398" y="432619"/>
+            <a:ext cx="8791575" cy="747098"/>
+          </a:xfrm>
+        </p:spPr>
+        <p:txBody>
+          <a:bodyPr>
+            <a:normAutofit/>
+          </a:bodyPr>
+          <a:lstStyle/>
+          <a:p>
+            <a:r>
+              <a:rPr lang="en-US" sz="4000" dirty="0">
+                <a:solidFill>
+                  <a:schemeClr val="bg2">
+                    <a:lumMod val="75000"/>
+                    <a:lumOff val="25000"/>
+                  </a:schemeClr>
+                </a:solidFill>
+                <a:latin typeface="Calibri" panose="020F0502020204030204" pitchFamily="34" charset="0"/>
+                <a:ea typeface="ADLaM Display" panose="02010000000000000000" pitchFamily="2" charset="0"/>
+                <a:cs typeface="Calibri" panose="020F0502020204030204" pitchFamily="34" charset="0"/>
+              </a:rPr>
+              <a:t>Running SCREENSHOTS</a:t>
+            </a:r>
+          </a:p>
+        </p:txBody>
+      </p:sp>
+      <p:pic>
+        <p:nvPicPr>
+          <p:cNvPr id="7" name="Picture 6" descr="A screenshot of a computer&#10;&#10;Description automatically generated">
+            <a:extLst>
+              <a:ext uri="{FF2B5EF4-FFF2-40B4-BE49-F238E27FC236}">
+                <a16:creationId xmlns:a16="http://schemas.microsoft.com/office/drawing/2014/main" id="{9AED896D-EF6C-3D78-FB53-EE71B8CBEC46}"/>
+              </a:ext>
+            </a:extLst>
+          </p:cNvPr>
+          <p:cNvPicPr>
+            <a:picLocks noChangeAspect="1"/>
+          </p:cNvPicPr>
+          <p:nvPr/>
+        </p:nvPicPr>
+        <p:blipFill>
+          <a:blip r:embed="rId2">
+            <a:extLst>
+              <a:ext uri="{28A0092B-C50C-407E-A947-70E740481C1C}">
+                <a14:useLocalDpi xmlns:a14="http://schemas.microsoft.com/office/drawing/2010/main" val="0"/>
+              </a:ext>
+            </a:extLst>
+          </a:blip>
+          <a:stretch>
+            <a:fillRect/>
+          </a:stretch>
+        </p:blipFill>
+        <p:spPr>
+          <a:xfrm>
+            <a:off x="314660" y="1996565"/>
+            <a:ext cx="5781339" cy="3044236"/>
+          </a:xfrm>
+          <a:prstGeom prst="rect">
+            <a:avLst/>
+          </a:prstGeom>
+        </p:spPr>
+      </p:pic>
+      <p:pic>
+        <p:nvPicPr>
+          <p:cNvPr id="9" name="Picture 8" descr="A screenshot of a computer&#10;&#10;Description automatically generated">
+            <a:extLst>
+              <a:ext uri="{FF2B5EF4-FFF2-40B4-BE49-F238E27FC236}">
+                <a16:creationId xmlns:a16="http://schemas.microsoft.com/office/drawing/2014/main" id="{B07EDF54-86AD-8907-FA1A-31C8AECAC550}"/>
+              </a:ext>
+            </a:extLst>
+          </p:cNvPr>
+          <p:cNvPicPr>
+            <a:picLocks noChangeAspect="1"/>
+          </p:cNvPicPr>
+          <p:nvPr/>
+        </p:nvPicPr>
+        <p:blipFill>
+          <a:blip r:embed="rId3">
+            <a:extLst>
+              <a:ext uri="{28A0092B-C50C-407E-A947-70E740481C1C}">
+                <a14:useLocalDpi xmlns:a14="http://schemas.microsoft.com/office/drawing/2010/main" val="0"/>
+              </a:ext>
+            </a:extLst>
+          </a:blip>
+          <a:stretch>
+            <a:fillRect/>
+          </a:stretch>
+        </p:blipFill>
+        <p:spPr>
+          <a:xfrm>
+            <a:off x="6272981" y="1996566"/>
+            <a:ext cx="5781339" cy="3044236"/>
+          </a:xfrm>
+          <a:prstGeom prst="rect">
+            <a:avLst/>
+          </a:prstGeom>
+        </p:spPr>
+      </p:pic>
+    </p:spTree>
+    <p:extLst>
+      <p:ext uri="{BB962C8B-B14F-4D97-AF65-F5344CB8AC3E}">
+        <p14:creationId xmlns:p14="http://schemas.microsoft.com/office/powerpoint/2010/main" val="1310848378"/>
+      </p:ext>
+    </p:extLst>
+  </p:cSld>
+  <p:clrMapOvr>
+    <a:masterClrMapping/>
+  </p:clrMapOvr>
+</p:sld>
+</file>
+
+<file path=ppt/slides/slide13.xml><?xml version="1.0" encoding="utf-8"?>
+<p:sld xmlns:a="http://schemas.openxmlformats.org/drawingml/2006/main" xmlns:r="http://schemas.openxmlformats.org/officeDocument/2006/relationships" xmlns:p="http://schemas.openxmlformats.org/presentationml/2006/main">
+  <p:cSld>
+    <p:bg>
+      <p:bgPr>
+        <a:solidFill>
+          <a:schemeClr val="tx1">
+            <a:lumMod val="75000"/>
+          </a:schemeClr>
+        </a:solidFill>
+        <a:effectLst/>
+      </p:bgPr>
+    </p:bg>
+    <p:spTree>
+      <p:nvGrpSpPr>
+        <p:cNvPr id="1" name="">
+          <a:extLst>
+            <a:ext uri="{FF2B5EF4-FFF2-40B4-BE49-F238E27FC236}">
+              <a16:creationId xmlns:a16="http://schemas.microsoft.com/office/drawing/2014/main" id="{5D9853E1-F5C1-B719-8222-61FF10002BAA}"/>
+            </a:ext>
+          </a:extLst>
+        </p:cNvPr>
+        <p:cNvGrpSpPr/>
+        <p:nvPr/>
+      </p:nvGrpSpPr>
+      <p:grpSpPr>
+        <a:xfrm>
+          <a:off x="0" y="0"/>
+          <a:ext cx="0" cy="0"/>
+          <a:chOff x="0" y="0"/>
+          <a:chExt cx="0" cy="0"/>
+        </a:xfrm>
+      </p:grpSpPr>
+      <p:sp>
+        <p:nvSpPr>
+          <p:cNvPr id="2" name="Title 1">
+            <a:extLst>
+              <a:ext uri="{FF2B5EF4-FFF2-40B4-BE49-F238E27FC236}">
+                <a16:creationId xmlns:a16="http://schemas.microsoft.com/office/drawing/2014/main" id="{812B806B-8009-F7AB-F855-36ABEDCFE4F8}"/>
+              </a:ext>
+            </a:extLst>
+          </p:cNvPr>
+          <p:cNvSpPr>
+            <a:spLocks noGrp="1"/>
+          </p:cNvSpPr>
+          <p:nvPr>
+            <p:ph type="ctrTitle"/>
+          </p:nvPr>
+        </p:nvSpPr>
+        <p:spPr>
+          <a:xfrm>
+            <a:off x="2275398" y="432619"/>
+            <a:ext cx="8791575" cy="747098"/>
+          </a:xfrm>
+        </p:spPr>
+        <p:txBody>
+          <a:bodyPr>
+            <a:normAutofit/>
+          </a:bodyPr>
+          <a:lstStyle/>
+          <a:p>
+            <a:r>
+              <a:rPr lang="en-US" sz="4000" dirty="0">
+                <a:solidFill>
+                  <a:schemeClr val="bg2">
+                    <a:lumMod val="75000"/>
+                    <a:lumOff val="25000"/>
+                  </a:schemeClr>
+                </a:solidFill>
+                <a:latin typeface="Calibri" panose="020F0502020204030204" pitchFamily="34" charset="0"/>
+                <a:ea typeface="ADLaM Display" panose="02010000000000000000" pitchFamily="2" charset="0"/>
+                <a:cs typeface="Calibri" panose="020F0502020204030204" pitchFamily="34" charset="0"/>
+              </a:rPr>
+              <a:t>FUTURE SCOPE</a:t>
+            </a:r>
+          </a:p>
+        </p:txBody>
+      </p:sp>
+      <p:sp>
+        <p:nvSpPr>
+          <p:cNvPr id="6" name="Subtitle 4">
+            <a:extLst>
+              <a:ext uri="{FF2B5EF4-FFF2-40B4-BE49-F238E27FC236}">
+                <a16:creationId xmlns:a16="http://schemas.microsoft.com/office/drawing/2014/main" id="{A67C62D8-B761-7E55-DCB4-B5649CC0EE4A}"/>
+              </a:ext>
+            </a:extLst>
+          </p:cNvPr>
+          <p:cNvSpPr>
+            <a:spLocks noGrp="1"/>
+          </p:cNvSpPr>
+          <p:nvPr>
+            <p:ph type="subTitle" idx="1"/>
+          </p:nvPr>
+        </p:nvSpPr>
+        <p:spPr>
+          <a:xfrm>
+            <a:off x="2275398" y="1533832"/>
+            <a:ext cx="8392601" cy="3723968"/>
+          </a:xfrm>
+        </p:spPr>
+        <p:txBody>
+          <a:bodyPr/>
+          <a:lstStyle/>
+          <a:p>
+            <a:r>
+              <a:rPr lang="en-US" cap="none" dirty="0">
+                <a:solidFill>
+                  <a:schemeClr val="bg2"/>
+                </a:solidFill>
+                <a:latin typeface="Calibri" panose="020F0502020204030204" pitchFamily="34" charset="0"/>
+                <a:cs typeface="Calibri" panose="020F0502020204030204" pitchFamily="34" charset="0"/>
+              </a:rPr>
+              <a:t>The project can have application in numerous areas. </a:t>
+            </a:r>
+          </a:p>
+          <a:p>
+            <a:pPr marL="342900" indent="-342900">
+              <a:buFont typeface="Arial" panose="020B0604020202020204" pitchFamily="34" charset="0"/>
+              <a:buChar char="•"/>
+            </a:pPr>
+            <a:r>
+              <a:rPr lang="en-US" cap="none" dirty="0">
+                <a:solidFill>
+                  <a:schemeClr val="bg2"/>
+                </a:solidFill>
+                <a:latin typeface="Calibri" panose="020F0502020204030204" pitchFamily="34" charset="0"/>
+                <a:cs typeface="Calibri" panose="020F0502020204030204" pitchFamily="34" charset="0"/>
+              </a:rPr>
+              <a:t>Identifying the type of vehicle by color of number plate (white, yellow or green).</a:t>
+            </a:r>
+          </a:p>
+          <a:p>
+            <a:pPr marL="342900" indent="-342900">
+              <a:buFont typeface="Arial" panose="020B0604020202020204" pitchFamily="34" charset="0"/>
+              <a:buChar char="•"/>
+            </a:pPr>
+            <a:r>
+              <a:rPr lang="en-US" cap="none" dirty="0">
+                <a:solidFill>
+                  <a:schemeClr val="bg2"/>
+                </a:solidFill>
+                <a:latin typeface="Calibri" panose="020F0502020204030204" pitchFamily="34" charset="0"/>
+                <a:cs typeface="Calibri" panose="020F0502020204030204" pitchFamily="34" charset="0"/>
+              </a:rPr>
+              <a:t>Identifying the state to where the vehicle belongs.</a:t>
+            </a:r>
+          </a:p>
+          <a:p>
+            <a:pPr marL="342900" indent="-342900">
+              <a:buFont typeface="Arial" panose="020B0604020202020204" pitchFamily="34" charset="0"/>
+              <a:buChar char="•"/>
+            </a:pPr>
+            <a:r>
+              <a:rPr lang="en-US" cap="none" dirty="0">
+                <a:solidFill>
+                  <a:schemeClr val="bg2"/>
+                </a:solidFill>
+                <a:latin typeface="Calibri" panose="020F0502020204030204" pitchFamily="34" charset="0"/>
+                <a:cs typeface="Calibri" panose="020F0502020204030204" pitchFamily="34" charset="0"/>
+              </a:rPr>
+              <a:t>Monitoring vehicle presence.</a:t>
+            </a:r>
+          </a:p>
+          <a:p>
+            <a:pPr marL="342900" indent="-342900">
+              <a:buFont typeface="Arial" panose="020B0604020202020204" pitchFamily="34" charset="0"/>
+              <a:buChar char="•"/>
+            </a:pPr>
+            <a:r>
+              <a:rPr lang="en-US" cap="none" dirty="0">
+                <a:solidFill>
+                  <a:schemeClr val="bg2"/>
+                </a:solidFill>
+                <a:latin typeface="Calibri" panose="020F0502020204030204" pitchFamily="34" charset="0"/>
+                <a:cs typeface="Calibri" panose="020F0502020204030204" pitchFamily="34" charset="0"/>
+              </a:rPr>
+              <a:t>Searching specific vehicle in a busy lane.</a:t>
+            </a:r>
+          </a:p>
+          <a:p>
+            <a:pPr marL="342900" indent="-342900">
+              <a:buFont typeface="Arial" panose="020B0604020202020204" pitchFamily="34" charset="0"/>
+              <a:buChar char="•"/>
+            </a:pPr>
+            <a:r>
+              <a:rPr lang="en-US" cap="none" dirty="0">
+                <a:solidFill>
+                  <a:schemeClr val="bg2"/>
+                </a:solidFill>
+                <a:latin typeface="Calibri" panose="020F0502020204030204" pitchFamily="34" charset="0"/>
+                <a:cs typeface="Calibri" panose="020F0502020204030204" pitchFamily="34" charset="0"/>
+              </a:rPr>
+              <a:t>Etc...</a:t>
+            </a:r>
+          </a:p>
+        </p:txBody>
+      </p:sp>
+    </p:spTree>
+    <p:extLst>
+      <p:ext uri="{BB962C8B-B14F-4D97-AF65-F5344CB8AC3E}">
+        <p14:creationId xmlns:p14="http://schemas.microsoft.com/office/powerpoint/2010/main" val="2435626066"/>
+      </p:ext>
+    </p:extLst>
+  </p:cSld>
+  <p:clrMapOvr>
+    <a:masterClrMapping/>
+  </p:clrMapOvr>
+</p:sld>
+</file>
+
+<file path=ppt/slides/slide14.xml><?xml version="1.0" encoding="utf-8"?>
+<p:sld xmlns:a="http://schemas.openxmlformats.org/drawingml/2006/main" xmlns:r="http://schemas.openxmlformats.org/officeDocument/2006/relationships" xmlns:p="http://schemas.openxmlformats.org/presentationml/2006/main">
+  <p:cSld>
+    <p:bg>
+      <p:bgPr>
+        <a:solidFill>
+          <a:schemeClr val="tx1">
+            <a:lumMod val="75000"/>
+          </a:schemeClr>
+        </a:solidFill>
+        <a:effectLst/>
+      </p:bgPr>
+    </p:bg>
+    <p:spTree>
+      <p:nvGrpSpPr>
+        <p:cNvPr id="1" name="">
+          <a:extLst>
+            <a:ext uri="{FF2B5EF4-FFF2-40B4-BE49-F238E27FC236}">
+              <a16:creationId xmlns:a16="http://schemas.microsoft.com/office/drawing/2014/main" id="{EAB21A45-0B28-5E42-55BB-1F615351581B}"/>
+            </a:ext>
+          </a:extLst>
+        </p:cNvPr>
+        <p:cNvGrpSpPr/>
+        <p:nvPr/>
+      </p:nvGrpSpPr>
+      <p:grpSpPr>
+        <a:xfrm>
+          <a:off x="0" y="0"/>
+          <a:ext cx="0" cy="0"/>
+          <a:chOff x="0" y="0"/>
+          <a:chExt cx="0" cy="0"/>
+        </a:xfrm>
+      </p:grpSpPr>
+      <p:sp>
+        <p:nvSpPr>
+          <p:cNvPr id="2" name="Title 1">
+            <a:extLst>
+              <a:ext uri="{FF2B5EF4-FFF2-40B4-BE49-F238E27FC236}">
+                <a16:creationId xmlns:a16="http://schemas.microsoft.com/office/drawing/2014/main" id="{B98AEAF4-44C3-AE3F-2C23-A942F7821C6C}"/>
+              </a:ext>
+            </a:extLst>
+          </p:cNvPr>
+          <p:cNvSpPr>
+            <a:spLocks noGrp="1"/>
+          </p:cNvSpPr>
+          <p:nvPr>
+            <p:ph type="ctrTitle"/>
+          </p:nvPr>
+        </p:nvSpPr>
+        <p:spPr>
+          <a:xfrm>
+            <a:off x="2275398" y="432619"/>
+            <a:ext cx="8791575" cy="747098"/>
+          </a:xfrm>
+        </p:spPr>
+        <p:txBody>
+          <a:bodyPr>
+            <a:normAutofit/>
+          </a:bodyPr>
+          <a:lstStyle/>
+          <a:p>
+            <a:r>
+              <a:rPr lang="en-US" sz="4000" dirty="0">
+                <a:solidFill>
+                  <a:schemeClr val="bg2">
+                    <a:lumMod val="75000"/>
+                    <a:lumOff val="25000"/>
+                  </a:schemeClr>
+                </a:solidFill>
+                <a:latin typeface="Calibri" panose="020F0502020204030204" pitchFamily="34" charset="0"/>
+                <a:ea typeface="ADLaM Display" panose="02010000000000000000" pitchFamily="2" charset="0"/>
+                <a:cs typeface="Calibri" panose="020F0502020204030204" pitchFamily="34" charset="0"/>
+              </a:rPr>
+              <a:t>Challenges</a:t>
+            </a:r>
+          </a:p>
+        </p:txBody>
+      </p:sp>
+      <p:sp>
+        <p:nvSpPr>
+          <p:cNvPr id="6" name="Subtitle 4">
+            <a:extLst>
+              <a:ext uri="{FF2B5EF4-FFF2-40B4-BE49-F238E27FC236}">
+                <a16:creationId xmlns:a16="http://schemas.microsoft.com/office/drawing/2014/main" id="{02B38CCD-5701-86E7-DE6F-E503C3A2567F}"/>
+              </a:ext>
+            </a:extLst>
+          </p:cNvPr>
+          <p:cNvSpPr>
+            <a:spLocks noGrp="1"/>
+          </p:cNvSpPr>
+          <p:nvPr>
+            <p:ph type="subTitle" idx="1"/>
+          </p:nvPr>
+        </p:nvSpPr>
+        <p:spPr>
+          <a:xfrm>
+            <a:off x="2275398" y="1533832"/>
+            <a:ext cx="8392601" cy="3723968"/>
+          </a:xfrm>
+        </p:spPr>
+        <p:txBody>
+          <a:bodyPr/>
+          <a:lstStyle/>
+          <a:p>
+            <a:r>
+              <a:rPr lang="en-US" cap="none" dirty="0">
+                <a:solidFill>
+                  <a:schemeClr val="bg2"/>
+                </a:solidFill>
+                <a:latin typeface="Calibri" panose="020F0502020204030204" pitchFamily="34" charset="0"/>
+                <a:cs typeface="Calibri" panose="020F0502020204030204" pitchFamily="34" charset="0"/>
+              </a:rPr>
+              <a:t>The major challenges in accomplishing the desired tasks are as follows:</a:t>
+            </a:r>
+          </a:p>
+          <a:p>
+            <a:pPr marL="342900" indent="-342900">
+              <a:buFont typeface="Arial" panose="020B0604020202020204" pitchFamily="34" charset="0"/>
+              <a:buChar char="•"/>
+            </a:pPr>
+            <a:r>
+              <a:rPr lang="en-US" cap="none" dirty="0">
+                <a:solidFill>
+                  <a:schemeClr val="bg2"/>
+                </a:solidFill>
+                <a:latin typeface="Calibri" panose="020F0502020204030204" pitchFamily="34" charset="0"/>
+                <a:cs typeface="Calibri" panose="020F0502020204030204" pitchFamily="34" charset="0"/>
+              </a:rPr>
+              <a:t>Selection of appropriate dataset.</a:t>
+            </a:r>
+          </a:p>
+          <a:p>
+            <a:pPr marL="342900" indent="-342900">
+              <a:buFont typeface="Arial" panose="020B0604020202020204" pitchFamily="34" charset="0"/>
+              <a:buChar char="•"/>
+            </a:pPr>
+            <a:r>
+              <a:rPr lang="en-US" cap="none" dirty="0">
+                <a:solidFill>
+                  <a:schemeClr val="bg2"/>
+                </a:solidFill>
+                <a:latin typeface="Calibri" panose="020F0502020204030204" pitchFamily="34" charset="0"/>
+                <a:cs typeface="Calibri" panose="020F0502020204030204" pitchFamily="34" charset="0"/>
+              </a:rPr>
+              <a:t>Train the model on the larger dataset, it requires the GPUs for fasten the training process, but the GPU access is limited over the Kaggle and Google-</a:t>
+            </a:r>
+            <a:r>
+              <a:rPr lang="en-US" cap="none" dirty="0" err="1">
+                <a:solidFill>
+                  <a:schemeClr val="bg2"/>
+                </a:solidFill>
+                <a:latin typeface="Calibri" panose="020F0502020204030204" pitchFamily="34" charset="0"/>
+                <a:cs typeface="Calibri" panose="020F0502020204030204" pitchFamily="34" charset="0"/>
+              </a:rPr>
+              <a:t>Colab</a:t>
+            </a:r>
+            <a:r>
+              <a:rPr lang="en-US" cap="none" dirty="0">
+                <a:solidFill>
+                  <a:schemeClr val="bg2"/>
+                </a:solidFill>
+                <a:latin typeface="Calibri" panose="020F0502020204030204" pitchFamily="34" charset="0"/>
+                <a:cs typeface="Calibri" panose="020F0502020204030204" pitchFamily="34" charset="0"/>
+              </a:rPr>
+              <a:t>.</a:t>
+            </a:r>
+          </a:p>
+        </p:txBody>
+      </p:sp>
+      <p:sp>
+        <p:nvSpPr>
+          <p:cNvPr id="3" name="Subtitle 2">
+            <a:extLst>
+              <a:ext uri="{FF2B5EF4-FFF2-40B4-BE49-F238E27FC236}">
+                <a16:creationId xmlns:a16="http://schemas.microsoft.com/office/drawing/2014/main" id="{133F3D76-4119-9D17-1D24-48CFCDAD6A83}"/>
+              </a:ext>
+            </a:extLst>
+          </p:cNvPr>
+          <p:cNvSpPr txBox="1">
+            <a:spLocks/>
+          </p:cNvSpPr>
+          <p:nvPr/>
+        </p:nvSpPr>
+        <p:spPr>
+          <a:xfrm>
+            <a:off x="9551269" y="6191787"/>
+            <a:ext cx="2233459" cy="467187"/>
+          </a:xfrm>
+          <a:prstGeom prst="rect">
+            <a:avLst/>
+          </a:prstGeom>
+        </p:spPr>
+        <p:txBody>
+          <a:bodyPr vert="horz" lIns="91440" tIns="45720" rIns="91440" bIns="45720" rtlCol="0">
+            <a:normAutofit/>
+          </a:bodyPr>
+          <a:lstStyle>
+            <a:lvl1pPr marL="0" indent="0" algn="l" defTabSz="914400" rtl="0" eaLnBrk="1" latinLnBrk="0" hangingPunct="1">
+              <a:lnSpc>
+                <a:spcPct val="120000"/>
+              </a:lnSpc>
+              <a:spcBef>
+                <a:spcPts val="1000"/>
+              </a:spcBef>
+              <a:buSzPct val="125000"/>
+              <a:buFont typeface="Arial" panose="020B0604020202020204" pitchFamily="34" charset="0"/>
+              <a:buNone/>
+              <a:defRPr sz="2000" kern="1200" cap="all" baseline="0">
+                <a:solidFill>
+                  <a:schemeClr val="tx2"/>
+                </a:solidFill>
+                <a:latin typeface="+mn-lt"/>
+                <a:ea typeface="+mn-ea"/>
+                <a:cs typeface="+mn-cs"/>
+              </a:defRPr>
+            </a:lvl1pPr>
+            <a:lvl2pPr marL="457200" indent="0" algn="ctr" defTabSz="914400" rtl="0" eaLnBrk="1" latinLnBrk="0" hangingPunct="1">
+              <a:lnSpc>
+                <a:spcPct val="120000"/>
+              </a:lnSpc>
+              <a:spcBef>
+                <a:spcPts val="500"/>
+              </a:spcBef>
+              <a:buSzPct val="125000"/>
+              <a:buFont typeface="Arial" panose="020B0604020202020204" pitchFamily="34" charset="0"/>
+              <a:buNone/>
+              <a:defRPr sz="2000" kern="1200">
+                <a:solidFill>
+                  <a:schemeClr val="tx1"/>
+                </a:solidFill>
+                <a:latin typeface="+mn-lt"/>
+                <a:ea typeface="+mn-ea"/>
+                <a:cs typeface="+mn-cs"/>
+              </a:defRPr>
+            </a:lvl2pPr>
+            <a:lvl3pPr marL="914400" indent="0" algn="ctr" defTabSz="914400" rtl="0" eaLnBrk="1" latinLnBrk="0" hangingPunct="1">
+              <a:lnSpc>
+                <a:spcPct val="120000"/>
+              </a:lnSpc>
+              <a:spcBef>
+                <a:spcPts val="500"/>
+              </a:spcBef>
+              <a:buSzPct val="125000"/>
+              <a:buFont typeface="Arial" panose="020B0604020202020204" pitchFamily="34" charset="0"/>
+              <a:buNone/>
+              <a:defRPr sz="1800" kern="1200">
+                <a:solidFill>
+                  <a:schemeClr val="tx1"/>
+                </a:solidFill>
+                <a:latin typeface="+mn-lt"/>
+                <a:ea typeface="+mn-ea"/>
+                <a:cs typeface="+mn-cs"/>
+              </a:defRPr>
+            </a:lvl3pPr>
+            <a:lvl4pPr marL="1371600" indent="0" algn="ctr" defTabSz="914400" rtl="0" eaLnBrk="1" latinLnBrk="0" hangingPunct="1">
+              <a:lnSpc>
+                <a:spcPct val="120000"/>
+              </a:lnSpc>
+              <a:spcBef>
+                <a:spcPts val="500"/>
+              </a:spcBef>
+              <a:buSzPct val="125000"/>
+              <a:buFont typeface="Arial" panose="020B0604020202020204" pitchFamily="34" charset="0"/>
+              <a:buNone/>
+              <a:defRPr sz="1600" kern="1200">
+                <a:solidFill>
+                  <a:schemeClr val="tx1"/>
+                </a:solidFill>
+                <a:latin typeface="+mn-lt"/>
+                <a:ea typeface="+mn-ea"/>
+                <a:cs typeface="+mn-cs"/>
+              </a:defRPr>
+            </a:lvl4pPr>
+            <a:lvl5pPr marL="1828800" indent="0" algn="ctr" defTabSz="914400" rtl="0" eaLnBrk="1" latinLnBrk="0" hangingPunct="1">
+              <a:lnSpc>
+                <a:spcPct val="120000"/>
+              </a:lnSpc>
+              <a:spcBef>
+                <a:spcPts val="500"/>
+              </a:spcBef>
+              <a:buSzPct val="125000"/>
+              <a:buFont typeface="Arial" panose="020B0604020202020204" pitchFamily="34" charset="0"/>
+              <a:buNone/>
+              <a:defRPr sz="1600" kern="1200">
+                <a:solidFill>
+                  <a:schemeClr val="tx1"/>
+                </a:solidFill>
+                <a:latin typeface="+mn-lt"/>
+                <a:ea typeface="+mn-ea"/>
+                <a:cs typeface="+mn-cs"/>
+              </a:defRPr>
+            </a:lvl5pPr>
+            <a:lvl6pPr marL="2286000" indent="0" algn="ctr" defTabSz="914400" rtl="0" eaLnBrk="1" latinLnBrk="0" hangingPunct="1">
+              <a:lnSpc>
+                <a:spcPct val="120000"/>
+              </a:lnSpc>
+              <a:spcBef>
+                <a:spcPts val="500"/>
+              </a:spcBef>
+              <a:buSzPct val="125000"/>
+              <a:buFont typeface="Arial" panose="020B0604020202020204" pitchFamily="34" charset="0"/>
+              <a:buNone/>
+              <a:defRPr sz="1600" kern="1200">
+                <a:solidFill>
+                  <a:schemeClr val="tx1"/>
+                </a:solidFill>
+                <a:latin typeface="+mn-lt"/>
+                <a:ea typeface="+mn-ea"/>
+                <a:cs typeface="+mn-cs"/>
+              </a:defRPr>
+            </a:lvl6pPr>
+            <a:lvl7pPr marL="2743200" indent="0" algn="ctr" defTabSz="914400" rtl="0" eaLnBrk="1" latinLnBrk="0" hangingPunct="1">
+              <a:lnSpc>
+                <a:spcPct val="120000"/>
+              </a:lnSpc>
+              <a:spcBef>
+                <a:spcPts val="500"/>
+              </a:spcBef>
+              <a:buSzPct val="125000"/>
+              <a:buFont typeface="Arial" panose="020B0604020202020204" pitchFamily="34" charset="0"/>
+              <a:buNone/>
+              <a:defRPr sz="1600" kern="1200">
+                <a:solidFill>
+                  <a:schemeClr val="tx1"/>
+                </a:solidFill>
+                <a:latin typeface="+mn-lt"/>
+                <a:ea typeface="+mn-ea"/>
+                <a:cs typeface="+mn-cs"/>
+              </a:defRPr>
+            </a:lvl7pPr>
+            <a:lvl8pPr marL="3200400" indent="0" algn="ctr" defTabSz="914400" rtl="0" eaLnBrk="1" latinLnBrk="0" hangingPunct="1">
+              <a:lnSpc>
+                <a:spcPct val="120000"/>
+              </a:lnSpc>
+              <a:spcBef>
+                <a:spcPts val="500"/>
+              </a:spcBef>
+              <a:buSzPct val="125000"/>
+              <a:buFont typeface="Arial" panose="020B0604020202020204" pitchFamily="34" charset="0"/>
+              <a:buNone/>
+              <a:defRPr sz="1600" kern="1200">
+                <a:solidFill>
+                  <a:schemeClr val="tx1"/>
+                </a:solidFill>
+                <a:latin typeface="+mn-lt"/>
+                <a:ea typeface="+mn-ea"/>
+                <a:cs typeface="+mn-cs"/>
+              </a:defRPr>
+            </a:lvl8pPr>
+            <a:lvl9pPr marL="3657600" indent="0" algn="ctr" defTabSz="914400" rtl="0" eaLnBrk="1" latinLnBrk="0" hangingPunct="1">
+              <a:lnSpc>
+                <a:spcPct val="120000"/>
+              </a:lnSpc>
+              <a:spcBef>
+                <a:spcPts val="500"/>
+              </a:spcBef>
+              <a:buSzPct val="125000"/>
+              <a:buFont typeface="Arial" panose="020B0604020202020204" pitchFamily="34" charset="0"/>
+              <a:buNone/>
+              <a:defRPr sz="1600" kern="1200">
+                <a:solidFill>
+                  <a:schemeClr val="tx1"/>
+                </a:solidFill>
+                <a:latin typeface="+mn-lt"/>
+                <a:ea typeface="+mn-ea"/>
+                <a:cs typeface="+mn-cs"/>
+              </a:defRPr>
+            </a:lvl9pPr>
+          </a:lstStyle>
+          <a:p>
+            <a:pPr algn="r">
+              <a:lnSpc>
+                <a:spcPct val="100000"/>
+              </a:lnSpc>
+            </a:pPr>
+            <a:r>
+              <a:rPr lang="en-US" dirty="0">
+                <a:solidFill>
+                  <a:schemeClr val="bg2"/>
+                </a:solidFill>
+                <a:latin typeface="Aptos SemiBold" panose="020F0502020204030204" pitchFamily="34" charset="0"/>
+              </a:rPr>
+              <a:t>…Thankyou</a:t>
+            </a:r>
+          </a:p>
+        </p:txBody>
+      </p:sp>
+    </p:spTree>
+    <p:extLst>
+      <p:ext uri="{BB962C8B-B14F-4D97-AF65-F5344CB8AC3E}">
+        <p14:creationId xmlns:p14="http://schemas.microsoft.com/office/powerpoint/2010/main" val="2207700608"/>
       </p:ext>
     </p:extLst>
   </p:cSld>
@@ -12673,7 +13749,7 @@
                 <a:latin typeface="Calibri" panose="020F0502020204030204" pitchFamily="34" charset="0"/>
                 <a:cs typeface="Calibri" panose="020F0502020204030204" pitchFamily="34" charset="0"/>
               </a:rPr>
-              <a:t>Here …</a:t>
+              <a:t>To detect and recognize the number plate / licence plate of the vehicle from the captured video or the camera feed and store the recognized plates number in the database.</a:t>
             </a:r>
           </a:p>
         </p:txBody>
@@ -12784,14 +13860,14 @@
           <p:nvPr>
             <p:extLst>
               <p:ext uri="{D42A27DB-BD31-4B8C-83A1-F6EECF244321}">
-                <p14:modId xmlns:p14="http://schemas.microsoft.com/office/powerpoint/2010/main" val="648761496"/>
+                <p14:modId xmlns:p14="http://schemas.microsoft.com/office/powerpoint/2010/main" val="946998670"/>
               </p:ext>
             </p:extLst>
           </p:nvPr>
         </p:nvGraphicFramePr>
         <p:xfrm>
           <a:off x="3695287" y="1737885"/>
-          <a:ext cx="5951796" cy="3382229"/>
+          <a:ext cx="5951796" cy="3966930"/>
         </p:xfrm>
         <a:graphic>
           <a:graphicData uri="http://schemas.openxmlformats.org/drawingml/2006/table">
@@ -12877,7 +13953,10 @@
                           <a:spcPct val="150000"/>
                         </a:lnSpc>
                       </a:pPr>
-                      <a:endParaRPr lang="en-US" dirty="0"/>
+                      <a:r>
+                        <a:rPr lang="en-US" dirty="0"/>
+                        <a:t>Plate Detection</a:t>
+                      </a:r>
                     </a:p>
                   </a:txBody>
                   <a:tcPr/>
@@ -12894,7 +13973,7 @@
                       </a:pPr>
                       <a:r>
                         <a:rPr lang="en-US" dirty="0"/>
-                        <a:t>Complete / Incomplete</a:t>
+                        <a:t>Complete</a:t>
                       </a:r>
                     </a:p>
                   </a:txBody>
@@ -12917,7 +13996,10 @@
                           <a:spcPct val="150000"/>
                         </a:lnSpc>
                       </a:pPr>
-                      <a:endParaRPr lang="en-US"/>
+                      <a:r>
+                        <a:rPr lang="en-US" dirty="0"/>
+                        <a:t>Plate Recognition</a:t>
+                      </a:r>
                     </a:p>
                   </a:txBody>
                   <a:tcPr/>
@@ -12946,7 +14028,7 @@
                       </a:pPr>
                       <a:r>
                         <a:rPr lang="en-US" dirty="0"/>
-                        <a:t>Complete / Incomplete</a:t>
+                        <a:t>Complete</a:t>
                       </a:r>
                     </a:p>
                   </a:txBody>
@@ -12969,7 +14051,10 @@
                           <a:spcPct val="150000"/>
                         </a:lnSpc>
                       </a:pPr>
-                      <a:endParaRPr lang="en-US"/>
+                      <a:r>
+                        <a:rPr lang="en-US" dirty="0"/>
+                        <a:t>User Interface</a:t>
+                      </a:r>
                     </a:p>
                   </a:txBody>
                   <a:tcPr/>
@@ -12998,7 +14083,7 @@
                       </a:pPr>
                       <a:r>
                         <a:rPr lang="en-US" dirty="0"/>
-                        <a:t>Complete / Incomplete</a:t>
+                        <a:t>Complete</a:t>
                       </a:r>
                     </a:p>
                   </a:txBody>
@@ -13021,7 +14106,10 @@
                           <a:spcPct val="150000"/>
                         </a:lnSpc>
                       </a:pPr>
-                      <a:endParaRPr lang="en-US"/>
+                      <a:r>
+                        <a:rPr lang="en-US" dirty="0"/>
+                        <a:t>Live Results</a:t>
+                      </a:r>
                     </a:p>
                   </a:txBody>
                   <a:tcPr/>
@@ -13050,7 +14138,7 @@
                       </a:pPr>
                       <a:r>
                         <a:rPr lang="en-US" dirty="0"/>
-                        <a:t>Complete / Incomplete</a:t>
+                        <a:t>Complete</a:t>
                       </a:r>
                     </a:p>
                   </a:txBody>
@@ -13073,7 +14161,10 @@
                           <a:spcPct val="150000"/>
                         </a:lnSpc>
                       </a:pPr>
-                      <a:endParaRPr lang="en-US"/>
+                      <a:r>
+                        <a:rPr lang="en-US" dirty="0"/>
+                        <a:t>Store Results in Database</a:t>
+                      </a:r>
                     </a:p>
                   </a:txBody>
                   <a:tcPr/>
@@ -13102,7 +14193,7 @@
                       </a:pPr>
                       <a:r>
                         <a:rPr lang="en-US" dirty="0"/>
-                        <a:t>Complete / Incomplete</a:t>
+                        <a:t>Complete</a:t>
                       </a:r>
                     </a:p>
                   </a:txBody>
@@ -13111,6 +14202,61 @@
                 <a:extLst>
                   <a:ext uri="{0D108BD9-81ED-4DB2-BD59-A6C34878D82A}">
                     <a16:rowId xmlns:a16="http://schemas.microsoft.com/office/drawing/2014/main" val="2304837209"/>
+                  </a:ext>
+                </a:extLst>
+              </a:tr>
+              <a:tr h="584701">
+                <a:tc>
+                  <a:txBody>
+                    <a:bodyPr/>
+                    <a:lstStyle/>
+                    <a:p>
+                      <a:pPr marL="457200" algn="ctr">
+                        <a:lnSpc>
+                          <a:spcPct val="150000"/>
+                        </a:lnSpc>
+                      </a:pPr>
+                      <a:r>
+                        <a:rPr lang="en-US" dirty="0"/>
+                        <a:t>Download as CSV</a:t>
+                      </a:r>
+                    </a:p>
+                  </a:txBody>
+                  <a:tcPr/>
+                </a:tc>
+                <a:tc>
+                  <a:txBody>
+                    <a:bodyPr/>
+                    <a:lstStyle/>
+                    <a:p>
+                      <a:pPr marL="457200" marR="0" lvl="0" indent="0" algn="ctr" defTabSz="914400" rtl="0" eaLnBrk="1" fontAlgn="auto" latinLnBrk="0" hangingPunct="1">
+                        <a:lnSpc>
+                          <a:spcPct val="150000"/>
+                        </a:lnSpc>
+                        <a:spcBef>
+                          <a:spcPts val="0"/>
+                        </a:spcBef>
+                        <a:spcAft>
+                          <a:spcPts val="0"/>
+                        </a:spcAft>
+                        <a:buClrTx/>
+                        <a:buSzTx/>
+                        <a:buFontTx/>
+                        <a:buNone/>
+                        <a:tabLst/>
+                        <a:defRPr/>
+                      </a:pPr>
+                      <a:r>
+                        <a:rPr lang="en-US" dirty="0"/>
+                        <a:t>Complete</a:t>
+                      </a:r>
+                    </a:p>
+                  </a:txBody>
+                  <a:tcPr/>
+                </a:tc>
+                <a:extLst>
+                  <a:ext uri="{0D108BD9-81ED-4DB2-BD59-A6C34878D82A}">
+                    <a16:rowId xmlns:a16="http://schemas.microsoft.com/office/drawing/2014/main" val="1864607511"/>
                   </a:ext>
                 </a:extLst>
               </a:tr>
@@ -13211,7 +14357,7 @@
       </p:sp>
       <p:sp>
         <p:nvSpPr>
-          <p:cNvPr id="6" name="Subtitle 4">
+          <p:cNvPr id="5" name="Subtitle 4">
             <a:extLst>
               <a:ext uri="{FF2B5EF4-FFF2-40B4-BE49-F238E27FC236}">
                 <a16:creationId xmlns:a16="http://schemas.microsoft.com/office/drawing/2014/main" id="{5CFEB63B-5A15-E417-D152-7C7A7F26964B}"/>
@@ -13243,7 +14389,55 @@
                 <a:latin typeface="Calibri" panose="020F0502020204030204" pitchFamily="34" charset="0"/>
                 <a:cs typeface="Calibri" panose="020F0502020204030204" pitchFamily="34" charset="0"/>
               </a:rPr>
-              <a:t>Here …</a:t>
+              <a:t>The web-app can perform the following tasks:</a:t>
+            </a:r>
+          </a:p>
+          <a:p>
+            <a:pPr marL="342900" indent="-342900">
+              <a:buFont typeface="Arial" panose="020B0604020202020204" pitchFamily="34" charset="0"/>
+              <a:buChar char="•"/>
+            </a:pPr>
+            <a:r>
+              <a:rPr lang="en-US" cap="none" dirty="0">
+                <a:solidFill>
+                  <a:schemeClr val="bg2"/>
+                </a:solidFill>
+                <a:latin typeface="Calibri" panose="020F0502020204030204" pitchFamily="34" charset="0"/>
+                <a:cs typeface="Calibri" panose="020F0502020204030204" pitchFamily="34" charset="0"/>
+              </a:rPr>
+              <a:t>Detect and recognized the number plates from the uploaded video clip or live feed.</a:t>
+            </a:r>
+          </a:p>
+          <a:p>
+            <a:pPr marL="342900" indent="-342900">
+              <a:buFont typeface="Arial" panose="020B0604020202020204" pitchFamily="34" charset="0"/>
+              <a:buChar char="•"/>
+            </a:pPr>
+            <a:r>
+              <a:rPr lang="en-US" cap="none" dirty="0">
+                <a:solidFill>
+                  <a:schemeClr val="bg2"/>
+                </a:solidFill>
+                <a:latin typeface="Calibri" panose="020F0502020204030204" pitchFamily="34" charset="0"/>
+                <a:cs typeface="Calibri" panose="020F0502020204030204" pitchFamily="34" charset="0"/>
+              </a:rPr>
+              <a:t>Shows the live results as a list on the app interface.</a:t>
+            </a:r>
+          </a:p>
+          <a:p>
+            <a:pPr marL="342900" indent="-342900">
+              <a:buFont typeface="Arial" panose="020B0604020202020204" pitchFamily="34" charset="0"/>
+              <a:buChar char="•"/>
+            </a:pPr>
+            <a:r>
+              <a:rPr lang="en-US" cap="none" dirty="0">
+                <a:solidFill>
+                  <a:schemeClr val="bg2"/>
+                </a:solidFill>
+                <a:latin typeface="Calibri" panose="020F0502020204030204" pitchFamily="34" charset="0"/>
+                <a:cs typeface="Calibri" panose="020F0502020204030204" pitchFamily="34" charset="0"/>
+              </a:rPr>
+              <a:t>Save the results in the database, which can be downloaded as .csv file after the complete model execution.</a:t>
             </a:r>
           </a:p>
         </p:txBody>
@@ -13279,7 +14473,7 @@
         <p:cNvPr id="1" name="">
           <a:extLst>
             <a:ext uri="{FF2B5EF4-FFF2-40B4-BE49-F238E27FC236}">
-              <a16:creationId xmlns:a16="http://schemas.microsoft.com/office/drawing/2014/main" id="{5D9853E1-F5C1-B719-8222-61FF10002BAA}"/>
+              <a16:creationId xmlns:a16="http://schemas.microsoft.com/office/drawing/2014/main" id="{082F878E-B421-ECD0-B483-76C74452B349}"/>
             </a:ext>
           </a:extLst>
         </p:cNvPr>
@@ -13299,7 +14493,7 @@
           <p:cNvPr id="2" name="Title 1">
             <a:extLst>
               <a:ext uri="{FF2B5EF4-FFF2-40B4-BE49-F238E27FC236}">
-                <a16:creationId xmlns:a16="http://schemas.microsoft.com/office/drawing/2014/main" id="{812B806B-8009-F7AB-F855-36ABEDCFE4F8}"/>
+                <a16:creationId xmlns:a16="http://schemas.microsoft.com/office/drawing/2014/main" id="{87C5345C-E57E-837C-0E53-7B6C196DBDAE}"/>
               </a:ext>
             </a:extLst>
           </p:cNvPr>
@@ -13334,54 +14528,50 @@
                 <a:ea typeface="ADLaM Display" panose="02010000000000000000" pitchFamily="2" charset="0"/>
                 <a:cs typeface="Calibri" panose="020F0502020204030204" pitchFamily="34" charset="0"/>
               </a:rPr>
-              <a:t>FUTURE SCOPE</a:t>
+              <a:t>SYSTEM ARCHITECTURE</a:t>
             </a:r>
           </a:p>
         </p:txBody>
       </p:sp>
-      <p:sp>
-        <p:nvSpPr>
-          <p:cNvPr id="6" name="Subtitle 4">
+      <p:pic>
+        <p:nvPicPr>
+          <p:cNvPr id="7" name="Picture 6" descr="A screenshot of a computer&#10;&#10;Description automatically generated">
             <a:extLst>
               <a:ext uri="{FF2B5EF4-FFF2-40B4-BE49-F238E27FC236}">
-                <a16:creationId xmlns:a16="http://schemas.microsoft.com/office/drawing/2014/main" id="{A67C62D8-B761-7E55-DCB4-B5649CC0EE4A}"/>
+                <a16:creationId xmlns:a16="http://schemas.microsoft.com/office/drawing/2014/main" id="{E81DD026-A8AA-A0B6-1B11-46FE90165410}"/>
               </a:ext>
             </a:extLst>
           </p:cNvPr>
-          <p:cNvSpPr>
-            <a:spLocks noGrp="1"/>
-          </p:cNvSpPr>
-          <p:nvPr>
-            <p:ph type="subTitle" idx="1"/>
-          </p:nvPr>
-        </p:nvSpPr>
+          <p:cNvPicPr>
+            <a:picLocks noChangeAspect="1"/>
+          </p:cNvPicPr>
+          <p:nvPr/>
+        </p:nvPicPr>
+        <p:blipFill>
+          <a:blip r:embed="rId2">
+            <a:extLst>
+              <a:ext uri="{28A0092B-C50C-407E-A947-70E740481C1C}">
+                <a14:useLocalDpi xmlns:a14="http://schemas.microsoft.com/office/drawing/2010/main" val="0"/>
+              </a:ext>
+            </a:extLst>
+          </a:blip>
+          <a:srcRect l="6875" t="10232" r="4178" b="9215"/>
+          <a:stretch/>
+        </p:blipFill>
         <p:spPr>
           <a:xfrm>
-            <a:off x="2275398" y="1533832"/>
-            <a:ext cx="8392601" cy="3723968"/>
+            <a:off x="2050793" y="1474836"/>
+            <a:ext cx="8903877" cy="4408987"/>
           </a:xfrm>
+          <a:prstGeom prst="rect">
+            <a:avLst/>
+          </a:prstGeom>
         </p:spPr>
-        <p:txBody>
-          <a:bodyPr/>
-          <a:lstStyle/>
-          <a:p>
-            <a:r>
-              <a:rPr lang="en-US" cap="none" dirty="0">
-                <a:solidFill>
-                  <a:schemeClr val="bg2"/>
-                </a:solidFill>
-                <a:latin typeface="Calibri" panose="020F0502020204030204" pitchFamily="34" charset="0"/>
-                <a:cs typeface="Calibri" panose="020F0502020204030204" pitchFamily="34" charset="0"/>
-              </a:rPr>
-              <a:t>Here …	</a:t>
-            </a:r>
-          </a:p>
-        </p:txBody>
-      </p:sp>
+      </p:pic>
     </p:spTree>
     <p:extLst>
       <p:ext uri="{BB962C8B-B14F-4D97-AF65-F5344CB8AC3E}">
-        <p14:creationId xmlns:p14="http://schemas.microsoft.com/office/powerpoint/2010/main" val="2435626066"/>
+        <p14:creationId xmlns:p14="http://schemas.microsoft.com/office/powerpoint/2010/main" val="1086186597"/>
       </p:ext>
     </p:extLst>
   </p:cSld>
@@ -13409,7 +14599,7 @@
         <p:cNvPr id="1" name="">
           <a:extLst>
             <a:ext uri="{FF2B5EF4-FFF2-40B4-BE49-F238E27FC236}">
-              <a16:creationId xmlns:a16="http://schemas.microsoft.com/office/drawing/2014/main" id="{EAB21A45-0B28-5E42-55BB-1F615351581B}"/>
+              <a16:creationId xmlns:a16="http://schemas.microsoft.com/office/drawing/2014/main" id="{4FFAA9A4-2AAC-312C-65E3-4AFBF05D5F26}"/>
             </a:ext>
           </a:extLst>
         </p:cNvPr>
@@ -13429,7 +14619,7 @@
           <p:cNvPr id="2" name="Title 1">
             <a:extLst>
               <a:ext uri="{FF2B5EF4-FFF2-40B4-BE49-F238E27FC236}">
-                <a16:creationId xmlns:a16="http://schemas.microsoft.com/office/drawing/2014/main" id="{B98AEAF4-44C3-AE3F-2C23-A942F7821C6C}"/>
+                <a16:creationId xmlns:a16="http://schemas.microsoft.com/office/drawing/2014/main" id="{FBD2BA7B-9C2C-A641-DB46-82B6EFB318EA}"/>
               </a:ext>
             </a:extLst>
           </p:cNvPr>
@@ -13464,17 +14654,168 @@
                 <a:ea typeface="ADLaM Display" panose="02010000000000000000" pitchFamily="2" charset="0"/>
                 <a:cs typeface="Calibri" panose="020F0502020204030204" pitchFamily="34" charset="0"/>
               </a:rPr>
-              <a:t>Challenges</a:t>
+              <a:t>Dataset description</a:t>
             </a:r>
           </a:p>
         </p:txBody>
       </p:sp>
+      <p:pic>
+        <p:nvPicPr>
+          <p:cNvPr id="8" name="Picture 7">
+            <a:extLst>
+              <a:ext uri="{FF2B5EF4-FFF2-40B4-BE49-F238E27FC236}">
+                <a16:creationId xmlns:a16="http://schemas.microsoft.com/office/drawing/2014/main" id="{759CD88A-32D0-FAC4-DD27-92AFC77B5934}"/>
+              </a:ext>
+            </a:extLst>
+          </p:cNvPr>
+          <p:cNvPicPr>
+            <a:picLocks noChangeAspect="1"/>
+          </p:cNvPicPr>
+          <p:nvPr/>
+        </p:nvPicPr>
+        <p:blipFill>
+          <a:blip r:embed="rId2">
+            <a:extLst>
+              <a:ext uri="{28A0092B-C50C-407E-A947-70E740481C1C}">
+                <a14:useLocalDpi xmlns:a14="http://schemas.microsoft.com/office/drawing/2010/main" val="0"/>
+              </a:ext>
+            </a:extLst>
+          </a:blip>
+          <a:srcRect b="76763"/>
+          <a:stretch/>
+        </p:blipFill>
+        <p:spPr>
+          <a:xfrm>
+            <a:off x="2530275" y="1405114"/>
+            <a:ext cx="7131449" cy="1061361"/>
+          </a:xfrm>
+          <a:prstGeom prst="rect">
+            <a:avLst/>
+          </a:prstGeom>
+        </p:spPr>
+      </p:pic>
+      <p:pic>
+        <p:nvPicPr>
+          <p:cNvPr id="9" name="Picture 8">
+            <a:extLst>
+              <a:ext uri="{FF2B5EF4-FFF2-40B4-BE49-F238E27FC236}">
+                <a16:creationId xmlns:a16="http://schemas.microsoft.com/office/drawing/2014/main" id="{B2D1AC9D-0A8E-F4AB-0178-B37825C6A0B9}"/>
+              </a:ext>
+            </a:extLst>
+          </p:cNvPr>
+          <p:cNvPicPr>
+            <a:picLocks noChangeAspect="1"/>
+          </p:cNvPicPr>
+          <p:nvPr/>
+        </p:nvPicPr>
+        <p:blipFill>
+          <a:blip r:embed="rId2">
+            <a:extLst>
+              <a:ext uri="{28A0092B-C50C-407E-A947-70E740481C1C}">
+                <a14:useLocalDpi xmlns:a14="http://schemas.microsoft.com/office/drawing/2010/main" val="0"/>
+              </a:ext>
+            </a:extLst>
+          </a:blip>
+          <a:srcRect t="23237" b="59262"/>
+          <a:stretch/>
+        </p:blipFill>
+        <p:spPr>
+          <a:xfrm>
+            <a:off x="2530275" y="2661029"/>
+            <a:ext cx="7131449" cy="799353"/>
+          </a:xfrm>
+          <a:prstGeom prst="rect">
+            <a:avLst/>
+          </a:prstGeom>
+        </p:spPr>
+      </p:pic>
+      <p:pic>
+        <p:nvPicPr>
+          <p:cNvPr id="10" name="Picture 9">
+            <a:extLst>
+              <a:ext uri="{FF2B5EF4-FFF2-40B4-BE49-F238E27FC236}">
+                <a16:creationId xmlns:a16="http://schemas.microsoft.com/office/drawing/2014/main" id="{B2662C25-6F16-76F6-2A47-066B861ABF3C}"/>
+              </a:ext>
+            </a:extLst>
+          </p:cNvPr>
+          <p:cNvPicPr>
+            <a:picLocks noChangeAspect="1"/>
+          </p:cNvPicPr>
+          <p:nvPr/>
+        </p:nvPicPr>
+        <p:blipFill>
+          <a:blip r:embed="rId2">
+            <a:extLst>
+              <a:ext uri="{28A0092B-C50C-407E-A947-70E740481C1C}">
+                <a14:useLocalDpi xmlns:a14="http://schemas.microsoft.com/office/drawing/2010/main" val="0"/>
+              </a:ext>
+            </a:extLst>
+          </a:blip>
+          <a:srcRect t="40365"/>
+          <a:stretch/>
+        </p:blipFill>
+        <p:spPr>
+          <a:xfrm>
+            <a:off x="2530275" y="3654936"/>
+            <a:ext cx="7131449" cy="2723847"/>
+          </a:xfrm>
+          <a:prstGeom prst="rect">
+            <a:avLst/>
+          </a:prstGeom>
+        </p:spPr>
+      </p:pic>
+    </p:spTree>
+    <p:extLst>
+      <p:ext uri="{BB962C8B-B14F-4D97-AF65-F5344CB8AC3E}">
+        <p14:creationId xmlns:p14="http://schemas.microsoft.com/office/powerpoint/2010/main" val="2599625423"/>
+      </p:ext>
+    </p:extLst>
+  </p:cSld>
+  <p:clrMapOvr>
+    <a:masterClrMapping/>
+  </p:clrMapOvr>
+</p:sld>
+</file>
+
+<file path=ppt/slides/slide7.xml><?xml version="1.0" encoding="utf-8"?>
+<p:sld xmlns:a="http://schemas.openxmlformats.org/drawingml/2006/main" xmlns:r="http://schemas.openxmlformats.org/officeDocument/2006/relationships" xmlns:p="http://schemas.openxmlformats.org/presentationml/2006/main">
+  <p:cSld>
+    <p:bg>
+      <p:bgPr>
+        <a:solidFill>
+          <a:schemeClr val="tx1">
+            <a:lumMod val="75000"/>
+          </a:schemeClr>
+        </a:solidFill>
+        <a:effectLst/>
+      </p:bgPr>
+    </p:bg>
+    <p:spTree>
+      <p:nvGrpSpPr>
+        <p:cNvPr id="1" name="">
+          <a:extLst>
+            <a:ext uri="{FF2B5EF4-FFF2-40B4-BE49-F238E27FC236}">
+              <a16:creationId xmlns:a16="http://schemas.microsoft.com/office/drawing/2014/main" id="{A012BF0A-B849-AE43-E652-D76387CA2096}"/>
+            </a:ext>
+          </a:extLst>
+        </p:cNvPr>
+        <p:cNvGrpSpPr/>
+        <p:nvPr/>
+      </p:nvGrpSpPr>
+      <p:grpSpPr>
+        <a:xfrm>
+          <a:off x="0" y="0"/>
+          <a:ext cx="0" cy="0"/>
+          <a:chOff x="0" y="0"/>
+          <a:chExt cx="0" cy="0"/>
+        </a:xfrm>
+      </p:grpSpPr>
       <p:sp>
         <p:nvSpPr>
-          <p:cNvPr id="6" name="Subtitle 4">
+          <p:cNvPr id="2" name="Title 1">
             <a:extLst>
               <a:ext uri="{FF2B5EF4-FFF2-40B4-BE49-F238E27FC236}">
-                <a16:creationId xmlns:a16="http://schemas.microsoft.com/office/drawing/2014/main" id="{02B38CCD-5701-86E7-DE6F-E503C3A2567F}"/>
+                <a16:creationId xmlns:a16="http://schemas.microsoft.com/office/drawing/2014/main" id="{79AE3983-3A55-4CDF-DB08-D33008731B29}"/>
               </a:ext>
             </a:extLst>
           </p:cNvPr>
@@ -13482,36 +14823,843 @@
             <a:spLocks noGrp="1"/>
           </p:cNvSpPr>
           <p:nvPr>
-            <p:ph type="subTitle" idx="1"/>
+            <p:ph type="ctrTitle"/>
           </p:nvPr>
         </p:nvSpPr>
         <p:spPr>
           <a:xfrm>
-            <a:off x="2275398" y="1533832"/>
-            <a:ext cx="8392601" cy="3723968"/>
+            <a:off x="2275398" y="432619"/>
+            <a:ext cx="8791575" cy="747098"/>
           </a:xfrm>
         </p:spPr>
         <p:txBody>
-          <a:bodyPr/>
+          <a:bodyPr>
+            <a:normAutofit/>
+          </a:bodyPr>
           <a:lstStyle/>
           <a:p>
             <a:r>
-              <a:rPr lang="en-US" cap="none" dirty="0">
+              <a:rPr lang="en-US" sz="4000" dirty="0">
                 <a:solidFill>
-                  <a:schemeClr val="bg2"/>
+                  <a:schemeClr val="bg2">
+                    <a:lumMod val="75000"/>
+                    <a:lumOff val="25000"/>
+                  </a:schemeClr>
                 </a:solidFill>
                 <a:latin typeface="Calibri" panose="020F0502020204030204" pitchFamily="34" charset="0"/>
+                <a:ea typeface="ADLaM Display" panose="02010000000000000000" pitchFamily="2" charset="0"/>
                 <a:cs typeface="Calibri" panose="020F0502020204030204" pitchFamily="34" charset="0"/>
               </a:rPr>
-              <a:t>Here …	</a:t>
+              <a:t>MODEL SETTINGS</a:t>
             </a:r>
           </a:p>
         </p:txBody>
       </p:sp>
+      <p:graphicFrame>
+        <p:nvGraphicFramePr>
+          <p:cNvPr id="3" name="Table 2">
+            <a:extLst>
+              <a:ext uri="{FF2B5EF4-FFF2-40B4-BE49-F238E27FC236}">
+                <a16:creationId xmlns:a16="http://schemas.microsoft.com/office/drawing/2014/main" id="{B0F33C63-8E72-995E-54EC-62F12EC682AA}"/>
+              </a:ext>
+            </a:extLst>
+          </p:cNvPr>
+          <p:cNvGraphicFramePr>
+            <a:graphicFrameLocks noGrp="1"/>
+          </p:cNvGraphicFramePr>
+          <p:nvPr>
+            <p:extLst>
+              <p:ext uri="{D42A27DB-BD31-4B8C-83A1-F6EECF244321}">
+                <p14:modId xmlns:p14="http://schemas.microsoft.com/office/powerpoint/2010/main" val="667690564"/>
+              </p:ext>
+            </p:extLst>
+          </p:nvPr>
+        </p:nvGraphicFramePr>
+        <p:xfrm>
+          <a:off x="4775635" y="1496596"/>
+          <a:ext cx="2640730" cy="4347909"/>
+        </p:xfrm>
+        <a:graphic>
+          <a:graphicData uri="http://schemas.openxmlformats.org/drawingml/2006/table">
+            <a:tbl>
+              <a:tblPr firstRow="1" bandRow="1">
+                <a:tableStyleId>{5C22544A-7EE6-4342-B048-85BDC9FD1C3A}</a:tableStyleId>
+              </a:tblPr>
+              <a:tblGrid>
+                <a:gridCol w="2640730">
+                  <a:extLst>
+                    <a:ext uri="{9D8B030D-6E8A-4147-A177-3AD203B41FA5}">
+                      <a16:colId xmlns:a16="http://schemas.microsoft.com/office/drawing/2014/main" val="1054205809"/>
+                    </a:ext>
+                  </a:extLst>
+                </a:gridCol>
+              </a:tblGrid>
+              <a:tr h="483101">
+                <a:tc>
+                  <a:txBody>
+                    <a:bodyPr/>
+                    <a:lstStyle/>
+                    <a:p>
+                      <a:pPr marL="457200" algn="l">
+                        <a:lnSpc>
+                          <a:spcPct val="150000"/>
+                        </a:lnSpc>
+                      </a:pPr>
+                      <a:r>
+                        <a:rPr lang="en-US" sz="1600" dirty="0">
+                          <a:solidFill>
+                            <a:schemeClr val="bg1"/>
+                          </a:solidFill>
+                        </a:rPr>
+                        <a:t>Settings</a:t>
+                      </a:r>
+                    </a:p>
+                  </a:txBody>
+                  <a:tcPr/>
+                </a:tc>
+                <a:extLst>
+                  <a:ext uri="{0D108BD9-81ED-4DB2-BD59-A6C34878D82A}">
+                    <a16:rowId xmlns:a16="http://schemas.microsoft.com/office/drawing/2014/main" val="2352360391"/>
+                  </a:ext>
+                </a:extLst>
+              </a:tr>
+              <a:tr h="483101">
+                <a:tc>
+                  <a:txBody>
+                    <a:bodyPr/>
+                    <a:lstStyle/>
+                    <a:p>
+                      <a:pPr marL="457200" algn="l">
+                        <a:lnSpc>
+                          <a:spcPct val="150000"/>
+                        </a:lnSpc>
+                      </a:pPr>
+                      <a:r>
+                        <a:rPr lang="en-US" sz="1600" dirty="0"/>
+                        <a:t>model = yolov8n.pt</a:t>
+                      </a:r>
+                    </a:p>
+                  </a:txBody>
+                  <a:tcPr/>
+                </a:tc>
+                <a:extLst>
+                  <a:ext uri="{0D108BD9-81ED-4DB2-BD59-A6C34878D82A}">
+                    <a16:rowId xmlns:a16="http://schemas.microsoft.com/office/drawing/2014/main" val="1354676430"/>
+                  </a:ext>
+                </a:extLst>
+              </a:tr>
+              <a:tr h="483101">
+                <a:tc>
+                  <a:txBody>
+                    <a:bodyPr/>
+                    <a:lstStyle/>
+                    <a:p>
+                      <a:pPr marL="457200" marR="0" lvl="0" indent="0" algn="l" defTabSz="914400" rtl="0" eaLnBrk="1" fontAlgn="auto" latinLnBrk="0" hangingPunct="1">
+                        <a:lnSpc>
+                          <a:spcPct val="150000"/>
+                        </a:lnSpc>
+                        <a:spcBef>
+                          <a:spcPts val="0"/>
+                        </a:spcBef>
+                        <a:spcAft>
+                          <a:spcPts val="0"/>
+                        </a:spcAft>
+                        <a:buClrTx/>
+                        <a:buSzTx/>
+                        <a:buFontTx/>
+                        <a:buNone/>
+                        <a:tabLst/>
+                        <a:defRPr/>
+                      </a:pPr>
+                      <a:r>
+                        <a:rPr lang="en-US" sz="1600" dirty="0"/>
+                        <a:t> </a:t>
+                      </a:r>
+                      <a:r>
+                        <a:rPr lang="en-US" sz="1600" dirty="0" err="1"/>
+                        <a:t>imgsz</a:t>
+                      </a:r>
+                      <a:r>
+                        <a:rPr lang="en-US" sz="1600" dirty="0"/>
+                        <a:t> = 640</a:t>
+                      </a:r>
+                    </a:p>
+                  </a:txBody>
+                  <a:tcPr/>
+                </a:tc>
+                <a:extLst>
+                  <a:ext uri="{0D108BD9-81ED-4DB2-BD59-A6C34878D82A}">
+                    <a16:rowId xmlns:a16="http://schemas.microsoft.com/office/drawing/2014/main" val="3178900567"/>
+                  </a:ext>
+                </a:extLst>
+              </a:tr>
+              <a:tr h="483101">
+                <a:tc>
+                  <a:txBody>
+                    <a:bodyPr/>
+                    <a:lstStyle/>
+                    <a:p>
+                      <a:pPr marL="457200" marR="0" lvl="0" indent="0" algn="l" defTabSz="914400" rtl="0" eaLnBrk="1" fontAlgn="auto" latinLnBrk="0" hangingPunct="1">
+                        <a:lnSpc>
+                          <a:spcPct val="150000"/>
+                        </a:lnSpc>
+                        <a:spcBef>
+                          <a:spcPts val="0"/>
+                        </a:spcBef>
+                        <a:spcAft>
+                          <a:spcPts val="0"/>
+                        </a:spcAft>
+                        <a:buClrTx/>
+                        <a:buSzTx/>
+                        <a:buFontTx/>
+                        <a:buNone/>
+                        <a:tabLst/>
+                        <a:defRPr/>
+                      </a:pPr>
+                      <a:r>
+                        <a:rPr lang="en-US" sz="1600" dirty="0"/>
+                        <a:t>batch = 16</a:t>
+                      </a:r>
+                    </a:p>
+                  </a:txBody>
+                  <a:tcPr/>
+                </a:tc>
+                <a:extLst>
+                  <a:ext uri="{0D108BD9-81ED-4DB2-BD59-A6C34878D82A}">
+                    <a16:rowId xmlns:a16="http://schemas.microsoft.com/office/drawing/2014/main" val="3752169014"/>
+                  </a:ext>
+                </a:extLst>
+              </a:tr>
+              <a:tr h="483101">
+                <a:tc>
+                  <a:txBody>
+                    <a:bodyPr/>
+                    <a:lstStyle/>
+                    <a:p>
+                      <a:pPr marL="457200" algn="l">
+                        <a:lnSpc>
+                          <a:spcPct val="150000"/>
+                        </a:lnSpc>
+                      </a:pPr>
+                      <a:r>
+                        <a:rPr lang="en-US" sz="1600" dirty="0"/>
+                        <a:t>epochs = 20</a:t>
+                      </a:r>
+                    </a:p>
+                  </a:txBody>
+                  <a:tcPr/>
+                </a:tc>
+                <a:extLst>
+                  <a:ext uri="{0D108BD9-81ED-4DB2-BD59-A6C34878D82A}">
+                    <a16:rowId xmlns:a16="http://schemas.microsoft.com/office/drawing/2014/main" val="2462051959"/>
+                  </a:ext>
+                </a:extLst>
+              </a:tr>
+              <a:tr h="483101">
+                <a:tc>
+                  <a:txBody>
+                    <a:bodyPr/>
+                    <a:lstStyle/>
+                    <a:p>
+                      <a:pPr marL="457200" algn="l">
+                        <a:lnSpc>
+                          <a:spcPct val="150000"/>
+                        </a:lnSpc>
+                      </a:pPr>
+                      <a:r>
+                        <a:rPr lang="en-US" sz="1600" dirty="0"/>
+                        <a:t>optimizer = SGD</a:t>
+                      </a:r>
+                    </a:p>
+                  </a:txBody>
+                  <a:tcPr/>
+                </a:tc>
+                <a:extLst>
+                  <a:ext uri="{0D108BD9-81ED-4DB2-BD59-A6C34878D82A}">
+                    <a16:rowId xmlns:a16="http://schemas.microsoft.com/office/drawing/2014/main" val="3805142204"/>
+                  </a:ext>
+                </a:extLst>
+              </a:tr>
+              <a:tr h="483101">
+                <a:tc>
+                  <a:txBody>
+                    <a:bodyPr/>
+                    <a:lstStyle/>
+                    <a:p>
+                      <a:pPr marL="457200" algn="l">
+                        <a:lnSpc>
+                          <a:spcPct val="150000"/>
+                        </a:lnSpc>
+                      </a:pPr>
+                      <a:r>
+                        <a:rPr lang="en-US" sz="1600" dirty="0"/>
+                        <a:t>dropout = 0.0</a:t>
+                      </a:r>
+                    </a:p>
+                  </a:txBody>
+                  <a:tcPr/>
+                </a:tc>
+                <a:extLst>
+                  <a:ext uri="{0D108BD9-81ED-4DB2-BD59-A6C34878D82A}">
+                    <a16:rowId xmlns:a16="http://schemas.microsoft.com/office/drawing/2014/main" val="1563856365"/>
+                  </a:ext>
+                </a:extLst>
+              </a:tr>
+              <a:tr h="483101">
+                <a:tc>
+                  <a:txBody>
+                    <a:bodyPr/>
+                    <a:lstStyle/>
+                    <a:p>
+                      <a:pPr marL="457200" algn="l">
+                        <a:lnSpc>
+                          <a:spcPct val="150000"/>
+                        </a:lnSpc>
+                      </a:pPr>
+                      <a:r>
+                        <a:rPr lang="en-US" sz="1600" dirty="0" err="1"/>
+                        <a:t>lr</a:t>
+                      </a:r>
+                      <a:r>
+                        <a:rPr lang="en-US" sz="1600" dirty="0"/>
+                        <a:t> = 0.01</a:t>
+                      </a:r>
+                    </a:p>
+                  </a:txBody>
+                  <a:tcPr/>
+                </a:tc>
+                <a:extLst>
+                  <a:ext uri="{0D108BD9-81ED-4DB2-BD59-A6C34878D82A}">
+                    <a16:rowId xmlns:a16="http://schemas.microsoft.com/office/drawing/2014/main" val="4121986043"/>
+                  </a:ext>
+                </a:extLst>
+              </a:tr>
+              <a:tr h="483101">
+                <a:tc>
+                  <a:txBody>
+                    <a:bodyPr/>
+                    <a:lstStyle/>
+                    <a:p>
+                      <a:pPr marL="457200" algn="l">
+                        <a:lnSpc>
+                          <a:spcPct val="150000"/>
+                        </a:lnSpc>
+                      </a:pPr>
+                      <a:r>
+                        <a:rPr lang="en-US" sz="1600" dirty="0" err="1"/>
+                        <a:t>iou</a:t>
+                      </a:r>
+                      <a:r>
+                        <a:rPr lang="en-US" sz="1600" dirty="0"/>
+                        <a:t> = 0.7 (for NMS)</a:t>
+                      </a:r>
+                    </a:p>
+                  </a:txBody>
+                  <a:tcPr/>
+                </a:tc>
+                <a:extLst>
+                  <a:ext uri="{0D108BD9-81ED-4DB2-BD59-A6C34878D82A}">
+                    <a16:rowId xmlns:a16="http://schemas.microsoft.com/office/drawing/2014/main" val="1167621577"/>
+                  </a:ext>
+                </a:extLst>
+              </a:tr>
+            </a:tbl>
+          </a:graphicData>
+        </a:graphic>
+      </p:graphicFrame>
     </p:spTree>
     <p:extLst>
       <p:ext uri="{BB962C8B-B14F-4D97-AF65-F5344CB8AC3E}">
-        <p14:creationId xmlns:p14="http://schemas.microsoft.com/office/powerpoint/2010/main" val="2207700608"/>
+        <p14:creationId xmlns:p14="http://schemas.microsoft.com/office/powerpoint/2010/main" val="2938504201"/>
+      </p:ext>
+    </p:extLst>
+  </p:cSld>
+  <p:clrMapOvr>
+    <a:masterClrMapping/>
+  </p:clrMapOvr>
+</p:sld>
+</file>
+
+<file path=ppt/slides/slide8.xml><?xml version="1.0" encoding="utf-8"?>
+<p:sld xmlns:a="http://schemas.openxmlformats.org/drawingml/2006/main" xmlns:r="http://schemas.openxmlformats.org/officeDocument/2006/relationships" xmlns:p="http://schemas.openxmlformats.org/presentationml/2006/main">
+  <p:cSld>
+    <p:bg>
+      <p:bgPr>
+        <a:solidFill>
+          <a:schemeClr val="tx1">
+            <a:lumMod val="75000"/>
+          </a:schemeClr>
+        </a:solidFill>
+        <a:effectLst/>
+      </p:bgPr>
+    </p:bg>
+    <p:spTree>
+      <p:nvGrpSpPr>
+        <p:cNvPr id="1" name="">
+          <a:extLst>
+            <a:ext uri="{FF2B5EF4-FFF2-40B4-BE49-F238E27FC236}">
+              <a16:creationId xmlns:a16="http://schemas.microsoft.com/office/drawing/2014/main" id="{0D46AE81-98D5-4161-D949-F691D6A5E587}"/>
+            </a:ext>
+          </a:extLst>
+        </p:cNvPr>
+        <p:cNvGrpSpPr/>
+        <p:nvPr/>
+      </p:nvGrpSpPr>
+      <p:grpSpPr>
+        <a:xfrm>
+          <a:off x="0" y="0"/>
+          <a:ext cx="0" cy="0"/>
+          <a:chOff x="0" y="0"/>
+          <a:chExt cx="0" cy="0"/>
+        </a:xfrm>
+      </p:grpSpPr>
+      <p:sp>
+        <p:nvSpPr>
+          <p:cNvPr id="2" name="Title 1">
+            <a:extLst>
+              <a:ext uri="{FF2B5EF4-FFF2-40B4-BE49-F238E27FC236}">
+                <a16:creationId xmlns:a16="http://schemas.microsoft.com/office/drawing/2014/main" id="{232B3396-F7E0-4090-DC9A-52A2A00BC2AE}"/>
+              </a:ext>
+            </a:extLst>
+          </p:cNvPr>
+          <p:cNvSpPr>
+            <a:spLocks noGrp="1"/>
+          </p:cNvSpPr>
+          <p:nvPr>
+            <p:ph type="ctrTitle"/>
+          </p:nvPr>
+        </p:nvSpPr>
+        <p:spPr>
+          <a:xfrm>
+            <a:off x="2275398" y="432619"/>
+            <a:ext cx="8791575" cy="747098"/>
+          </a:xfrm>
+        </p:spPr>
+        <p:txBody>
+          <a:bodyPr>
+            <a:normAutofit/>
+          </a:bodyPr>
+          <a:lstStyle/>
+          <a:p>
+            <a:r>
+              <a:rPr lang="en-US" sz="4000" dirty="0">
+                <a:solidFill>
+                  <a:schemeClr val="bg2">
+                    <a:lumMod val="75000"/>
+                    <a:lumOff val="25000"/>
+                  </a:schemeClr>
+                </a:solidFill>
+                <a:latin typeface="Calibri" panose="020F0502020204030204" pitchFamily="34" charset="0"/>
+                <a:ea typeface="ADLaM Display" panose="02010000000000000000" pitchFamily="2" charset="0"/>
+                <a:cs typeface="Calibri" panose="020F0502020204030204" pitchFamily="34" charset="0"/>
+              </a:rPr>
+              <a:t>TRAINING Process</a:t>
+            </a:r>
+          </a:p>
+        </p:txBody>
+      </p:sp>
+      <p:pic>
+        <p:nvPicPr>
+          <p:cNvPr id="8" name="Picture 7" descr="A screenshot of a computer&#10;&#10;Description automatically generated">
+            <a:extLst>
+              <a:ext uri="{FF2B5EF4-FFF2-40B4-BE49-F238E27FC236}">
+                <a16:creationId xmlns:a16="http://schemas.microsoft.com/office/drawing/2014/main" id="{19C8E970-2813-A768-8F93-2B921F3A2AEE}"/>
+              </a:ext>
+            </a:extLst>
+          </p:cNvPr>
+          <p:cNvPicPr>
+            <a:picLocks noChangeAspect="1"/>
+          </p:cNvPicPr>
+          <p:nvPr/>
+        </p:nvPicPr>
+        <p:blipFill>
+          <a:blip r:embed="rId2">
+            <a:extLst>
+              <a:ext uri="{28A0092B-C50C-407E-A947-70E740481C1C}">
+                <a14:useLocalDpi xmlns:a14="http://schemas.microsoft.com/office/drawing/2010/main" val="0"/>
+              </a:ext>
+            </a:extLst>
+          </a:blip>
+          <a:stretch>
+            <a:fillRect/>
+          </a:stretch>
+        </p:blipFill>
+        <p:spPr>
+          <a:xfrm>
+            <a:off x="1784554" y="1530451"/>
+            <a:ext cx="8791575" cy="4423261"/>
+          </a:xfrm>
+          <a:prstGeom prst="rect">
+            <a:avLst/>
+          </a:prstGeom>
+        </p:spPr>
+      </p:pic>
+    </p:spTree>
+    <p:extLst>
+      <p:ext uri="{BB962C8B-B14F-4D97-AF65-F5344CB8AC3E}">
+        <p14:creationId xmlns:p14="http://schemas.microsoft.com/office/powerpoint/2010/main" val="2496666014"/>
+      </p:ext>
+    </p:extLst>
+  </p:cSld>
+  <p:clrMapOvr>
+    <a:masterClrMapping/>
+  </p:clrMapOvr>
+</p:sld>
+</file>
+
+<file path=ppt/slides/slide9.xml><?xml version="1.0" encoding="utf-8"?>
+<p:sld xmlns:a="http://schemas.openxmlformats.org/drawingml/2006/main" xmlns:r="http://schemas.openxmlformats.org/officeDocument/2006/relationships" xmlns:p="http://schemas.openxmlformats.org/presentationml/2006/main">
+  <p:cSld>
+    <p:bg>
+      <p:bgPr>
+        <a:solidFill>
+          <a:schemeClr val="tx1">
+            <a:lumMod val="75000"/>
+          </a:schemeClr>
+        </a:solidFill>
+        <a:effectLst/>
+      </p:bgPr>
+    </p:bg>
+    <p:spTree>
+      <p:nvGrpSpPr>
+        <p:cNvPr id="1" name="">
+          <a:extLst>
+            <a:ext uri="{FF2B5EF4-FFF2-40B4-BE49-F238E27FC236}">
+              <a16:creationId xmlns:a16="http://schemas.microsoft.com/office/drawing/2014/main" id="{DD471DFD-F8EA-4A46-B847-5CEAD5ECF576}"/>
+            </a:ext>
+          </a:extLst>
+        </p:cNvPr>
+        <p:cNvGrpSpPr/>
+        <p:nvPr/>
+      </p:nvGrpSpPr>
+      <p:grpSpPr>
+        <a:xfrm>
+          <a:off x="0" y="0"/>
+          <a:ext cx="0" cy="0"/>
+          <a:chOff x="0" y="0"/>
+          <a:chExt cx="0" cy="0"/>
+        </a:xfrm>
+      </p:grpSpPr>
+      <p:sp>
+        <p:nvSpPr>
+          <p:cNvPr id="2" name="Title 1">
+            <a:extLst>
+              <a:ext uri="{FF2B5EF4-FFF2-40B4-BE49-F238E27FC236}">
+                <a16:creationId xmlns:a16="http://schemas.microsoft.com/office/drawing/2014/main" id="{5C12A9CB-2CFF-8F50-953B-7F14DD56BC24}"/>
+              </a:ext>
+            </a:extLst>
+          </p:cNvPr>
+          <p:cNvSpPr>
+            <a:spLocks noGrp="1"/>
+          </p:cNvSpPr>
+          <p:nvPr>
+            <p:ph type="ctrTitle"/>
+          </p:nvPr>
+        </p:nvSpPr>
+        <p:spPr>
+          <a:xfrm>
+            <a:off x="2275398" y="432619"/>
+            <a:ext cx="8791575" cy="747098"/>
+          </a:xfrm>
+        </p:spPr>
+        <p:txBody>
+          <a:bodyPr>
+            <a:normAutofit/>
+          </a:bodyPr>
+          <a:lstStyle/>
+          <a:p>
+            <a:r>
+              <a:rPr lang="en-US" sz="4000" dirty="0">
+                <a:solidFill>
+                  <a:schemeClr val="bg2">
+                    <a:lumMod val="75000"/>
+                    <a:lumOff val="25000"/>
+                  </a:schemeClr>
+                </a:solidFill>
+                <a:latin typeface="Calibri" panose="020F0502020204030204" pitchFamily="34" charset="0"/>
+                <a:ea typeface="ADLaM Display" panose="02010000000000000000" pitchFamily="2" charset="0"/>
+                <a:cs typeface="Calibri" panose="020F0502020204030204" pitchFamily="34" charset="0"/>
+              </a:rPr>
+              <a:t>Training results</a:t>
+            </a:r>
+          </a:p>
+        </p:txBody>
+      </p:sp>
+      <p:graphicFrame>
+        <p:nvGraphicFramePr>
+          <p:cNvPr id="3" name="Table 2">
+            <a:extLst>
+              <a:ext uri="{FF2B5EF4-FFF2-40B4-BE49-F238E27FC236}">
+                <a16:creationId xmlns:a16="http://schemas.microsoft.com/office/drawing/2014/main" id="{40A4FE1F-4534-CFC6-FF09-924B22155AFF}"/>
+              </a:ext>
+            </a:extLst>
+          </p:cNvPr>
+          <p:cNvGraphicFramePr>
+            <a:graphicFrameLocks noGrp="1"/>
+          </p:cNvGraphicFramePr>
+          <p:nvPr>
+            <p:extLst>
+              <p:ext uri="{D42A27DB-BD31-4B8C-83A1-F6EECF244321}">
+                <p14:modId xmlns:p14="http://schemas.microsoft.com/office/powerpoint/2010/main" val="1106884219"/>
+              </p:ext>
+            </p:extLst>
+          </p:nvPr>
+        </p:nvGraphicFramePr>
+        <p:xfrm>
+          <a:off x="4775635" y="1496596"/>
+          <a:ext cx="2640730" cy="3864808"/>
+        </p:xfrm>
+        <a:graphic>
+          <a:graphicData uri="http://schemas.openxmlformats.org/drawingml/2006/table">
+            <a:tbl>
+              <a:tblPr firstRow="1" bandRow="1">
+                <a:tableStyleId>{5C22544A-7EE6-4342-B048-85BDC9FD1C3A}</a:tableStyleId>
+              </a:tblPr>
+              <a:tblGrid>
+                <a:gridCol w="2640730">
+                  <a:extLst>
+                    <a:ext uri="{9D8B030D-6E8A-4147-A177-3AD203B41FA5}">
+                      <a16:colId xmlns:a16="http://schemas.microsoft.com/office/drawing/2014/main" val="1054205809"/>
+                    </a:ext>
+                  </a:extLst>
+                </a:gridCol>
+              </a:tblGrid>
+              <a:tr h="483101">
+                <a:tc>
+                  <a:txBody>
+                    <a:bodyPr/>
+                    <a:lstStyle/>
+                    <a:p>
+                      <a:pPr marL="457200" algn="l">
+                        <a:lnSpc>
+                          <a:spcPct val="150000"/>
+                        </a:lnSpc>
+                      </a:pPr>
+                      <a:r>
+                        <a:rPr lang="en-US" sz="1600" dirty="0">
+                          <a:solidFill>
+                            <a:schemeClr val="bg1"/>
+                          </a:solidFill>
+                        </a:rPr>
+                        <a:t>After Training</a:t>
+                      </a:r>
+                    </a:p>
+                  </a:txBody>
+                  <a:tcPr/>
+                </a:tc>
+                <a:extLst>
+                  <a:ext uri="{0D108BD9-81ED-4DB2-BD59-A6C34878D82A}">
+                    <a16:rowId xmlns:a16="http://schemas.microsoft.com/office/drawing/2014/main" val="2352360391"/>
+                  </a:ext>
+                </a:extLst>
+              </a:tr>
+              <a:tr h="483101">
+                <a:tc>
+                  <a:txBody>
+                    <a:bodyPr/>
+                    <a:lstStyle/>
+                    <a:p>
+                      <a:pPr marL="457200" algn="l">
+                        <a:lnSpc>
+                          <a:spcPct val="150000"/>
+                        </a:lnSpc>
+                      </a:pPr>
+                      <a:r>
+                        <a:rPr lang="en-US" sz="1600" dirty="0"/>
+                        <a:t>Class = all</a:t>
+                      </a:r>
+                    </a:p>
+                  </a:txBody>
+                  <a:tcPr/>
+                </a:tc>
+                <a:extLst>
+                  <a:ext uri="{0D108BD9-81ED-4DB2-BD59-A6C34878D82A}">
+                    <a16:rowId xmlns:a16="http://schemas.microsoft.com/office/drawing/2014/main" val="1354676430"/>
+                  </a:ext>
+                </a:extLst>
+              </a:tr>
+              <a:tr h="483101">
+                <a:tc>
+                  <a:txBody>
+                    <a:bodyPr/>
+                    <a:lstStyle/>
+                    <a:p>
+                      <a:pPr marL="457200" marR="0" lvl="0" indent="0" algn="l" defTabSz="914400" rtl="0" eaLnBrk="1" fontAlgn="auto" latinLnBrk="0" hangingPunct="1">
+                        <a:lnSpc>
+                          <a:spcPct val="150000"/>
+                        </a:lnSpc>
+                        <a:spcBef>
+                          <a:spcPts val="0"/>
+                        </a:spcBef>
+                        <a:spcAft>
+                          <a:spcPts val="0"/>
+                        </a:spcAft>
+                        <a:buClrTx/>
+                        <a:buSzTx/>
+                        <a:buFontTx/>
+                        <a:buNone/>
+                        <a:tabLst/>
+                        <a:defRPr/>
+                      </a:pPr>
+                      <a:r>
+                        <a:rPr lang="en-US" sz="1600" dirty="0"/>
+                        <a:t>Images = 2046</a:t>
+                      </a:r>
+                    </a:p>
+                  </a:txBody>
+                  <a:tcPr/>
+                </a:tc>
+                <a:extLst>
+                  <a:ext uri="{0D108BD9-81ED-4DB2-BD59-A6C34878D82A}">
+                    <a16:rowId xmlns:a16="http://schemas.microsoft.com/office/drawing/2014/main" val="3178900567"/>
+                  </a:ext>
+                </a:extLst>
+              </a:tr>
+              <a:tr h="483101">
+                <a:tc>
+                  <a:txBody>
+                    <a:bodyPr/>
+                    <a:lstStyle/>
+                    <a:p>
+                      <a:pPr marL="457200" marR="0" lvl="0" indent="0" algn="l" defTabSz="914400" rtl="0" eaLnBrk="1" fontAlgn="auto" latinLnBrk="0" hangingPunct="1">
+                        <a:lnSpc>
+                          <a:spcPct val="150000"/>
+                        </a:lnSpc>
+                        <a:spcBef>
+                          <a:spcPts val="0"/>
+                        </a:spcBef>
+                        <a:spcAft>
+                          <a:spcPts val="0"/>
+                        </a:spcAft>
+                        <a:buClrTx/>
+                        <a:buSzTx/>
+                        <a:buFontTx/>
+                        <a:buNone/>
+                        <a:tabLst/>
+                        <a:defRPr/>
+                      </a:pPr>
+                      <a:r>
+                        <a:rPr lang="en-US" sz="1600" dirty="0"/>
+                        <a:t>Instances = 2132</a:t>
+                      </a:r>
+                    </a:p>
+                  </a:txBody>
+                  <a:tcPr/>
+                </a:tc>
+                <a:extLst>
+                  <a:ext uri="{0D108BD9-81ED-4DB2-BD59-A6C34878D82A}">
+                    <a16:rowId xmlns:a16="http://schemas.microsoft.com/office/drawing/2014/main" val="3752169014"/>
+                  </a:ext>
+                </a:extLst>
+              </a:tr>
+              <a:tr h="483101">
+                <a:tc>
+                  <a:txBody>
+                    <a:bodyPr/>
+                    <a:lstStyle/>
+                    <a:p>
+                      <a:pPr marL="457200" algn="l">
+                        <a:lnSpc>
+                          <a:spcPct val="150000"/>
+                        </a:lnSpc>
+                      </a:pPr>
+                      <a:r>
+                        <a:rPr lang="en-US" sz="1600" dirty="0"/>
+                        <a:t>Box-Precision = 0.974</a:t>
+                      </a:r>
+                    </a:p>
+                  </a:txBody>
+                  <a:tcPr/>
+                </a:tc>
+                <a:extLst>
+                  <a:ext uri="{0D108BD9-81ED-4DB2-BD59-A6C34878D82A}">
+                    <a16:rowId xmlns:a16="http://schemas.microsoft.com/office/drawing/2014/main" val="2462051959"/>
+                  </a:ext>
+                </a:extLst>
+              </a:tr>
+              <a:tr h="483101">
+                <a:tc>
+                  <a:txBody>
+                    <a:bodyPr/>
+                    <a:lstStyle/>
+                    <a:p>
+                      <a:pPr marL="457200" algn="l">
+                        <a:lnSpc>
+                          <a:spcPct val="150000"/>
+                        </a:lnSpc>
+                      </a:pPr>
+                      <a:r>
+                        <a:rPr lang="en-US" sz="1600" dirty="0"/>
+                        <a:t>Box-Recall = 0.963</a:t>
+                      </a:r>
+                    </a:p>
+                  </a:txBody>
+                  <a:tcPr/>
+                </a:tc>
+                <a:extLst>
+                  <a:ext uri="{0D108BD9-81ED-4DB2-BD59-A6C34878D82A}">
+                    <a16:rowId xmlns:a16="http://schemas.microsoft.com/office/drawing/2014/main" val="3805142204"/>
+                  </a:ext>
+                </a:extLst>
+              </a:tr>
+              <a:tr h="483101">
+                <a:tc>
+                  <a:txBody>
+                    <a:bodyPr/>
+                    <a:lstStyle/>
+                    <a:p>
+                      <a:pPr marL="457200" algn="l">
+                        <a:lnSpc>
+                          <a:spcPct val="150000"/>
+                        </a:lnSpc>
+                      </a:pPr>
+                      <a:r>
+                        <a:rPr lang="en-US" sz="1600" dirty="0"/>
+                        <a:t>mAP50 = 0.983</a:t>
+                      </a:r>
+                    </a:p>
+                  </a:txBody>
+                  <a:tcPr/>
+                </a:tc>
+                <a:extLst>
+                  <a:ext uri="{0D108BD9-81ED-4DB2-BD59-A6C34878D82A}">
+                    <a16:rowId xmlns:a16="http://schemas.microsoft.com/office/drawing/2014/main" val="1563856365"/>
+                  </a:ext>
+                </a:extLst>
+              </a:tr>
+              <a:tr h="483101">
+                <a:tc>
+                  <a:txBody>
+                    <a:bodyPr/>
+                    <a:lstStyle/>
+                    <a:p>
+                      <a:pPr marL="457200" algn="l">
+                        <a:lnSpc>
+                          <a:spcPct val="150000"/>
+                        </a:lnSpc>
+                      </a:pPr>
+                      <a:r>
+                        <a:rPr lang="en-US" sz="1600" dirty="0"/>
+                        <a:t>mAP50-90 = 0.701</a:t>
+                      </a:r>
+                    </a:p>
+                  </a:txBody>
+                  <a:tcPr/>
+                </a:tc>
+                <a:extLst>
+                  <a:ext uri="{0D108BD9-81ED-4DB2-BD59-A6C34878D82A}">
+                    <a16:rowId xmlns:a16="http://schemas.microsoft.com/office/drawing/2014/main" val="4121986043"/>
+                  </a:ext>
+                </a:extLst>
+              </a:tr>
+            </a:tbl>
+          </a:graphicData>
+        </a:graphic>
+      </p:graphicFrame>
+    </p:spTree>
+    <p:extLst>
+      <p:ext uri="{BB962C8B-B14F-4D97-AF65-F5344CB8AC3E}">
+        <p14:creationId xmlns:p14="http://schemas.microsoft.com/office/powerpoint/2010/main" val="1232286592"/>
       </p:ext>
     </p:extLst>
   </p:cSld>

--- a/Docs_Work/presentation.pptx
+++ b/Docs_Work/presentation.pptx
@@ -182,7 +182,7 @@
           <a:noFill/>
           <a:extLst>
             <a:ext uri="{909E8E84-426E-40dd-AFC4-6F175D3DCCD1}">
-              <a14:hiddenFill xmlns="" xmlns:a14="http://schemas.microsoft.com/office/drawing/2010/main">
+              <a14:hiddenFill xmlns:a14="http://schemas.microsoft.com/office/drawing/2010/main" xmlns="">
                 <a:solidFill>
                   <a:srgbClr val="FFFFFF"/>
                 </a:solidFill>
@@ -241,7 +241,7 @@
             </a:ln>
             <a:extLst>
               <a:ext uri="{91240B29-F687-4f45-9708-019B960494DF}">
-                <a14:hiddenLine xmlns="" xmlns:a14="http://schemas.microsoft.com/office/drawing/2010/main" w="9525">
+                <a14:hiddenLine xmlns:a14="http://schemas.microsoft.com/office/drawing/2010/main" xmlns="" w="9525">
                   <a:solidFill>
                     <a:srgbClr val="000000"/>
                   </a:solidFill>
@@ -331,7 +331,7 @@
             </a:ln>
             <a:extLst>
               <a:ext uri="{91240B29-F687-4f45-9708-019B960494DF}">
-                <a14:hiddenLine xmlns="" xmlns:a14="http://schemas.microsoft.com/office/drawing/2010/main" w="9525">
+                <a14:hiddenLine xmlns:a14="http://schemas.microsoft.com/office/drawing/2010/main" xmlns="" w="9525">
                   <a:solidFill>
                     <a:srgbClr val="000000"/>
                   </a:solidFill>
@@ -421,7 +421,7 @@
             </a:ln>
             <a:extLst>
               <a:ext uri="{91240B29-F687-4f45-9708-019B960494DF}">
-                <a14:hiddenLine xmlns="" xmlns:a14="http://schemas.microsoft.com/office/drawing/2010/main" w="9525">
+                <a14:hiddenLine xmlns:a14="http://schemas.microsoft.com/office/drawing/2010/main" xmlns="" w="9525">
                   <a:solidFill>
                     <a:srgbClr val="000000"/>
                   </a:solidFill>
@@ -455,7 +455,7 @@
             </a:ln>
             <a:extLst>
               <a:ext uri="{91240B29-F687-4f45-9708-019B960494DF}">
-                <a14:hiddenLine xmlns="" xmlns:a14="http://schemas.microsoft.com/office/drawing/2010/main" w="9525">
+                <a14:hiddenLine xmlns:a14="http://schemas.microsoft.com/office/drawing/2010/main" xmlns="" w="9525">
                   <a:solidFill>
                     <a:srgbClr val="000000"/>
                   </a:solidFill>
@@ -545,7 +545,7 @@
             </a:ln>
             <a:extLst>
               <a:ext uri="{91240B29-F687-4f45-9708-019B960494DF}">
-                <a14:hiddenLine xmlns="" xmlns:a14="http://schemas.microsoft.com/office/drawing/2010/main" w="9525">
+                <a14:hiddenLine xmlns:a14="http://schemas.microsoft.com/office/drawing/2010/main" xmlns="" w="9525">
                   <a:solidFill>
                     <a:srgbClr val="000000"/>
                   </a:solidFill>
@@ -607,7 +607,7 @@
             </a:ln>
             <a:extLst>
               <a:ext uri="{91240B29-F687-4f45-9708-019B960494DF}">
-                <a14:hiddenLine xmlns="" xmlns:a14="http://schemas.microsoft.com/office/drawing/2010/main" w="9525">
+                <a14:hiddenLine xmlns:a14="http://schemas.microsoft.com/office/drawing/2010/main" xmlns="" w="9525">
                   <a:solidFill>
                     <a:srgbClr val="000000"/>
                   </a:solidFill>
@@ -669,7 +669,7 @@
             </a:ln>
             <a:extLst>
               <a:ext uri="{91240B29-F687-4f45-9708-019B960494DF}">
-                <a14:hiddenLine xmlns="" xmlns:a14="http://schemas.microsoft.com/office/drawing/2010/main" w="9525">
+                <a14:hiddenLine xmlns:a14="http://schemas.microsoft.com/office/drawing/2010/main" xmlns="" w="9525">
                   <a:solidFill>
                     <a:srgbClr val="000000"/>
                   </a:solidFill>
@@ -759,7 +759,7 @@
             </a:ln>
             <a:extLst>
               <a:ext uri="{91240B29-F687-4f45-9708-019B960494DF}">
-                <a14:hiddenLine xmlns="" xmlns:a14="http://schemas.microsoft.com/office/drawing/2010/main" w="9525">
+                <a14:hiddenLine xmlns:a14="http://schemas.microsoft.com/office/drawing/2010/main" xmlns="" w="9525">
                   <a:solidFill>
                     <a:srgbClr val="000000"/>
                   </a:solidFill>
@@ -821,7 +821,7 @@
             </a:ln>
             <a:extLst>
               <a:ext uri="{91240B29-F687-4f45-9708-019B960494DF}">
-                <a14:hiddenLine xmlns="" xmlns:a14="http://schemas.microsoft.com/office/drawing/2010/main" w="9525">
+                <a14:hiddenLine xmlns:a14="http://schemas.microsoft.com/office/drawing/2010/main" xmlns="" w="9525">
                   <a:solidFill>
                     <a:srgbClr val="000000"/>
                   </a:solidFill>
@@ -883,7 +883,7 @@
             </a:ln>
             <a:extLst>
               <a:ext uri="{91240B29-F687-4f45-9708-019B960494DF}">
-                <a14:hiddenLine xmlns="" xmlns:a14="http://schemas.microsoft.com/office/drawing/2010/main" w="9525">
+                <a14:hiddenLine xmlns:a14="http://schemas.microsoft.com/office/drawing/2010/main" xmlns="" w="9525">
                   <a:solidFill>
                     <a:srgbClr val="000000"/>
                   </a:solidFill>
@@ -973,7 +973,7 @@
             </a:ln>
             <a:extLst>
               <a:ext uri="{91240B29-F687-4f45-9708-019B960494DF}">
-                <a14:hiddenLine xmlns="" xmlns:a14="http://schemas.microsoft.com/office/drawing/2010/main" w="9525">
+                <a14:hiddenLine xmlns:a14="http://schemas.microsoft.com/office/drawing/2010/main" xmlns="" w="9525">
                   <a:solidFill>
                     <a:srgbClr val="000000"/>
                   </a:solidFill>
@@ -1063,7 +1063,7 @@
             </a:ln>
             <a:extLst>
               <a:ext uri="{91240B29-F687-4f45-9708-019B960494DF}">
-                <a14:hiddenLine xmlns="" xmlns:a14="http://schemas.microsoft.com/office/drawing/2010/main" w="9525">
+                <a14:hiddenLine xmlns:a14="http://schemas.microsoft.com/office/drawing/2010/main" xmlns="" w="9525">
                   <a:solidFill>
                     <a:srgbClr val="000000"/>
                   </a:solidFill>
@@ -1125,7 +1125,7 @@
             </a:ln>
             <a:extLst>
               <a:ext uri="{91240B29-F687-4f45-9708-019B960494DF}">
-                <a14:hiddenLine xmlns="" xmlns:a14="http://schemas.microsoft.com/office/drawing/2010/main" w="9525">
+                <a14:hiddenLine xmlns:a14="http://schemas.microsoft.com/office/drawing/2010/main" xmlns="" w="9525">
                   <a:solidFill>
                     <a:srgbClr val="000000"/>
                   </a:solidFill>
@@ -1235,7 +1235,7 @@
             </a:ln>
             <a:extLst>
               <a:ext uri="{91240B29-F687-4f45-9708-019B960494DF}">
-                <a14:hiddenLine xmlns="" xmlns:a14="http://schemas.microsoft.com/office/drawing/2010/main" w="9525">
+                <a14:hiddenLine xmlns:a14="http://schemas.microsoft.com/office/drawing/2010/main" xmlns="" w="9525">
                   <a:solidFill>
                     <a:srgbClr val="000000"/>
                   </a:solidFill>
@@ -1297,7 +1297,7 @@
             </a:ln>
             <a:extLst>
               <a:ext uri="{91240B29-F687-4f45-9708-019B960494DF}">
-                <a14:hiddenLine xmlns="" xmlns:a14="http://schemas.microsoft.com/office/drawing/2010/main" w="9525">
+                <a14:hiddenLine xmlns:a14="http://schemas.microsoft.com/office/drawing/2010/main" xmlns="" w="9525">
                   <a:solidFill>
                     <a:srgbClr val="000000"/>
                   </a:solidFill>
@@ -1387,7 +1387,7 @@
             </a:ln>
             <a:extLst>
               <a:ext uri="{91240B29-F687-4f45-9708-019B960494DF}">
-                <a14:hiddenLine xmlns="" xmlns:a14="http://schemas.microsoft.com/office/drawing/2010/main" w="9525">
+                <a14:hiddenLine xmlns:a14="http://schemas.microsoft.com/office/drawing/2010/main" xmlns="" w="9525">
                   <a:solidFill>
                     <a:srgbClr val="000000"/>
                   </a:solidFill>
@@ -1477,7 +1477,7 @@
             </a:ln>
             <a:extLst>
               <a:ext uri="{91240B29-F687-4f45-9708-019B960494DF}">
-                <a14:hiddenLine xmlns="" xmlns:a14="http://schemas.microsoft.com/office/drawing/2010/main" w="9525">
+                <a14:hiddenLine xmlns:a14="http://schemas.microsoft.com/office/drawing/2010/main" xmlns="" w="9525">
                   <a:solidFill>
                     <a:srgbClr val="000000"/>
                   </a:solidFill>
@@ -1539,7 +1539,7 @@
             </a:ln>
             <a:extLst>
               <a:ext uri="{91240B29-F687-4f45-9708-019B960494DF}">
-                <a14:hiddenLine xmlns="" xmlns:a14="http://schemas.microsoft.com/office/drawing/2010/main" w="9525">
+                <a14:hiddenLine xmlns:a14="http://schemas.microsoft.com/office/drawing/2010/main" xmlns="" w="9525">
                   <a:solidFill>
                     <a:srgbClr val="000000"/>
                   </a:solidFill>
@@ -1629,7 +1629,7 @@
             </a:ln>
             <a:extLst>
               <a:ext uri="{91240B29-F687-4f45-9708-019B960494DF}">
-                <a14:hiddenLine xmlns="" xmlns:a14="http://schemas.microsoft.com/office/drawing/2010/main" w="9525">
+                <a14:hiddenLine xmlns:a14="http://schemas.microsoft.com/office/drawing/2010/main" xmlns="" w="9525">
                   <a:solidFill>
                     <a:srgbClr val="000000"/>
                   </a:solidFill>
@@ -1719,7 +1719,7 @@
             </a:ln>
             <a:extLst>
               <a:ext uri="{91240B29-F687-4f45-9708-019B960494DF}">
-                <a14:hiddenLine xmlns="" xmlns:a14="http://schemas.microsoft.com/office/drawing/2010/main" w="9525">
+                <a14:hiddenLine xmlns:a14="http://schemas.microsoft.com/office/drawing/2010/main" xmlns="" w="9525">
                   <a:solidFill>
                     <a:srgbClr val="000000"/>
                   </a:solidFill>
@@ -1775,7 +1775,7 @@
             </a:ln>
             <a:extLst>
               <a:ext uri="{91240B29-F687-4f45-9708-019B960494DF}">
-                <a14:hiddenLine xmlns="" xmlns:a14="http://schemas.microsoft.com/office/drawing/2010/main" w="9525">
+                <a14:hiddenLine xmlns:a14="http://schemas.microsoft.com/office/drawing/2010/main" xmlns="" w="9525">
                   <a:solidFill>
                     <a:srgbClr val="000000"/>
                   </a:solidFill>
@@ -1865,7 +1865,7 @@
             </a:ln>
             <a:extLst>
               <a:ext uri="{91240B29-F687-4f45-9708-019B960494DF}">
-                <a14:hiddenLine xmlns="" xmlns:a14="http://schemas.microsoft.com/office/drawing/2010/main" w="9525">
+                <a14:hiddenLine xmlns:a14="http://schemas.microsoft.com/office/drawing/2010/main" xmlns="" w="9525">
                   <a:solidFill>
                     <a:srgbClr val="000000"/>
                   </a:solidFill>
@@ -1921,7 +1921,7 @@
             </a:ln>
             <a:extLst>
               <a:ext uri="{91240B29-F687-4f45-9708-019B960494DF}">
-                <a14:hiddenLine xmlns="" xmlns:a14="http://schemas.microsoft.com/office/drawing/2010/main" w="9525">
+                <a14:hiddenLine xmlns:a14="http://schemas.microsoft.com/office/drawing/2010/main" xmlns="" w="9525">
                   <a:solidFill>
                     <a:srgbClr val="000000"/>
                   </a:solidFill>
@@ -2011,7 +2011,7 @@
             </a:ln>
             <a:extLst>
               <a:ext uri="{91240B29-F687-4f45-9708-019B960494DF}">
-                <a14:hiddenLine xmlns="" xmlns:a14="http://schemas.microsoft.com/office/drawing/2010/main" w="9525">
+                <a14:hiddenLine xmlns:a14="http://schemas.microsoft.com/office/drawing/2010/main" xmlns="" w="9525">
                   <a:solidFill>
                     <a:srgbClr val="000000"/>
                   </a:solidFill>
@@ -2079,7 +2079,7 @@
             </a:ln>
             <a:extLst>
               <a:ext uri="{91240B29-F687-4f45-9708-019B960494DF}">
-                <a14:hiddenLine xmlns="" xmlns:a14="http://schemas.microsoft.com/office/drawing/2010/main" w="9525">
+                <a14:hiddenLine xmlns:a14="http://schemas.microsoft.com/office/drawing/2010/main" xmlns="" w="9525">
                   <a:solidFill>
                     <a:srgbClr val="000000"/>
                   </a:solidFill>
@@ -2169,7 +2169,7 @@
             </a:ln>
             <a:extLst>
               <a:ext uri="{91240B29-F687-4f45-9708-019B960494DF}">
-                <a14:hiddenLine xmlns="" xmlns:a14="http://schemas.microsoft.com/office/drawing/2010/main" w="9525">
+                <a14:hiddenLine xmlns:a14="http://schemas.microsoft.com/office/drawing/2010/main" xmlns="" w="9525">
                   <a:solidFill>
                     <a:srgbClr val="000000"/>
                   </a:solidFill>
@@ -2237,7 +2237,7 @@
             </a:ln>
             <a:extLst>
               <a:ext uri="{91240B29-F687-4f45-9708-019B960494DF}">
-                <a14:hiddenLine xmlns="" xmlns:a14="http://schemas.microsoft.com/office/drawing/2010/main" w="9525">
+                <a14:hiddenLine xmlns:a14="http://schemas.microsoft.com/office/drawing/2010/main" xmlns="" w="9525">
                   <a:solidFill>
                     <a:srgbClr val="000000"/>
                   </a:solidFill>
@@ -2327,7 +2327,7 @@
             </a:ln>
             <a:extLst>
               <a:ext uri="{91240B29-F687-4f45-9708-019B960494DF}">
-                <a14:hiddenLine xmlns="" xmlns:a14="http://schemas.microsoft.com/office/drawing/2010/main" w="9525">
+                <a14:hiddenLine xmlns:a14="http://schemas.microsoft.com/office/drawing/2010/main" xmlns="" w="9525">
                   <a:solidFill>
                     <a:srgbClr val="000000"/>
                   </a:solidFill>
@@ -2361,7 +2361,7 @@
             </a:ln>
             <a:extLst>
               <a:ext uri="{91240B29-F687-4f45-9708-019B960494DF}">
-                <a14:hiddenLine xmlns="" xmlns:a14="http://schemas.microsoft.com/office/drawing/2010/main" w="9525">
+                <a14:hiddenLine xmlns:a14="http://schemas.microsoft.com/office/drawing/2010/main" xmlns="" w="9525">
                   <a:solidFill>
                     <a:srgbClr val="000000"/>
                   </a:solidFill>
@@ -2451,7 +2451,7 @@
             </a:ln>
             <a:extLst>
               <a:ext uri="{91240B29-F687-4f45-9708-019B960494DF}">
-                <a14:hiddenLine xmlns="" xmlns:a14="http://schemas.microsoft.com/office/drawing/2010/main" w="9525">
+                <a14:hiddenLine xmlns:a14="http://schemas.microsoft.com/office/drawing/2010/main" xmlns="" w="9525">
                   <a:solidFill>
                     <a:srgbClr val="000000"/>
                   </a:solidFill>
@@ -2513,7 +2513,7 @@
             </a:ln>
             <a:extLst>
               <a:ext uri="{91240B29-F687-4f45-9708-019B960494DF}">
-                <a14:hiddenLine xmlns="" xmlns:a14="http://schemas.microsoft.com/office/drawing/2010/main" w="9525">
+                <a14:hiddenLine xmlns:a14="http://schemas.microsoft.com/office/drawing/2010/main" xmlns="" w="9525">
                   <a:solidFill>
                     <a:srgbClr val="000000"/>
                   </a:solidFill>
@@ -2575,7 +2575,7 @@
             </a:ln>
             <a:extLst>
               <a:ext uri="{91240B29-F687-4f45-9708-019B960494DF}">
-                <a14:hiddenLine xmlns="" xmlns:a14="http://schemas.microsoft.com/office/drawing/2010/main" w="9525">
+                <a14:hiddenLine xmlns:a14="http://schemas.microsoft.com/office/drawing/2010/main" xmlns="" w="9525">
                   <a:solidFill>
                     <a:srgbClr val="000000"/>
                   </a:solidFill>
@@ -2665,7 +2665,7 @@
             </a:ln>
             <a:extLst>
               <a:ext uri="{91240B29-F687-4f45-9708-019B960494DF}">
-                <a14:hiddenLine xmlns="" xmlns:a14="http://schemas.microsoft.com/office/drawing/2010/main" w="9525">
+                <a14:hiddenLine xmlns:a14="http://schemas.microsoft.com/office/drawing/2010/main" xmlns="" w="9525">
                   <a:solidFill>
                     <a:srgbClr val="000000"/>
                   </a:solidFill>
@@ -2733,7 +2733,7 @@
             </a:ln>
             <a:extLst>
               <a:ext uri="{91240B29-F687-4f45-9708-019B960494DF}">
-                <a14:hiddenLine xmlns="" xmlns:a14="http://schemas.microsoft.com/office/drawing/2010/main" w="9525">
+                <a14:hiddenLine xmlns:a14="http://schemas.microsoft.com/office/drawing/2010/main" xmlns="" w="9525">
                   <a:solidFill>
                     <a:srgbClr val="000000"/>
                   </a:solidFill>
@@ -2795,7 +2795,7 @@
             </a:ln>
             <a:extLst>
               <a:ext uri="{91240B29-F687-4f45-9708-019B960494DF}">
-                <a14:hiddenLine xmlns="" xmlns:a14="http://schemas.microsoft.com/office/drawing/2010/main" w="9525">
+                <a14:hiddenLine xmlns:a14="http://schemas.microsoft.com/office/drawing/2010/main" xmlns="" w="9525">
                   <a:solidFill>
                     <a:srgbClr val="000000"/>
                   </a:solidFill>
@@ -2885,7 +2885,7 @@
             </a:ln>
             <a:extLst>
               <a:ext uri="{91240B29-F687-4f45-9708-019B960494DF}">
-                <a14:hiddenLine xmlns="" xmlns:a14="http://schemas.microsoft.com/office/drawing/2010/main" w="9525">
+                <a14:hiddenLine xmlns:a14="http://schemas.microsoft.com/office/drawing/2010/main" xmlns="" w="9525">
                   <a:solidFill>
                     <a:srgbClr val="000000"/>
                   </a:solidFill>
@@ -2947,7 +2947,7 @@
             </a:ln>
             <a:extLst>
               <a:ext uri="{91240B29-F687-4f45-9708-019B960494DF}">
-                <a14:hiddenLine xmlns="" xmlns:a14="http://schemas.microsoft.com/office/drawing/2010/main" w="9525">
+                <a14:hiddenLine xmlns:a14="http://schemas.microsoft.com/office/drawing/2010/main" xmlns="" w="9525">
                   <a:solidFill>
                     <a:srgbClr val="000000"/>
                   </a:solidFill>
@@ -3037,7 +3037,7 @@
             </a:ln>
             <a:extLst>
               <a:ext uri="{91240B29-F687-4f45-9708-019B960494DF}">
-                <a14:hiddenLine xmlns="" xmlns:a14="http://schemas.microsoft.com/office/drawing/2010/main" w="9525">
+                <a14:hiddenLine xmlns:a14="http://schemas.microsoft.com/office/drawing/2010/main" xmlns="" w="9525">
                   <a:solidFill>
                     <a:srgbClr val="000000"/>
                   </a:solidFill>
@@ -3099,7 +3099,7 @@
             </a:ln>
             <a:extLst>
               <a:ext uri="{91240B29-F687-4f45-9708-019B960494DF}">
-                <a14:hiddenLine xmlns="" xmlns:a14="http://schemas.microsoft.com/office/drawing/2010/main" w="9525">
+                <a14:hiddenLine xmlns:a14="http://schemas.microsoft.com/office/drawing/2010/main" xmlns="" w="9525">
                   <a:solidFill>
                     <a:srgbClr val="000000"/>
                   </a:solidFill>
@@ -3189,7 +3189,7 @@
             </a:ln>
             <a:extLst>
               <a:ext uri="{91240B29-F687-4f45-9708-019B960494DF}">
-                <a14:hiddenLine xmlns="" xmlns:a14="http://schemas.microsoft.com/office/drawing/2010/main" w="9525">
+                <a14:hiddenLine xmlns:a14="http://schemas.microsoft.com/office/drawing/2010/main" xmlns="" w="9525">
                   <a:solidFill>
                     <a:srgbClr val="000000"/>
                   </a:solidFill>
@@ -3223,7 +3223,7 @@
             </a:ln>
             <a:extLst>
               <a:ext uri="{91240B29-F687-4f45-9708-019B960494DF}">
-                <a14:hiddenLine xmlns="" xmlns:a14="http://schemas.microsoft.com/office/drawing/2010/main" w="9525">
+                <a14:hiddenLine xmlns:a14="http://schemas.microsoft.com/office/drawing/2010/main" xmlns="" w="9525">
                   <a:solidFill>
                     <a:srgbClr val="000000"/>
                   </a:solidFill>
@@ -3288,7 +3288,7 @@
             </a:ln>
             <a:extLst>
               <a:ext uri="{91240B29-F687-4f45-9708-019B960494DF}">
-                <a14:hiddenLine xmlns="" xmlns:a14="http://schemas.microsoft.com/office/drawing/2010/main" w="9525">
+                <a14:hiddenLine xmlns:a14="http://schemas.microsoft.com/office/drawing/2010/main" xmlns="" w="9525">
                   <a:solidFill>
                     <a:srgbClr val="000000"/>
                   </a:solidFill>
@@ -3378,7 +3378,7 @@
             </a:ln>
             <a:extLst>
               <a:ext uri="{91240B29-F687-4f45-9708-019B960494DF}">
-                <a14:hiddenLine xmlns="" xmlns:a14="http://schemas.microsoft.com/office/drawing/2010/main" w="9525">
+                <a14:hiddenLine xmlns:a14="http://schemas.microsoft.com/office/drawing/2010/main" xmlns="" w="9525">
                   <a:solidFill>
                     <a:srgbClr val="000000"/>
                   </a:solidFill>
@@ -3440,7 +3440,7 @@
             </a:ln>
             <a:extLst>
               <a:ext uri="{91240B29-F687-4f45-9708-019B960494DF}">
-                <a14:hiddenLine xmlns="" xmlns:a14="http://schemas.microsoft.com/office/drawing/2010/main" w="9525">
+                <a14:hiddenLine xmlns:a14="http://schemas.microsoft.com/office/drawing/2010/main" xmlns="" w="9525">
                   <a:solidFill>
                     <a:srgbClr val="000000"/>
                   </a:solidFill>
@@ -3530,7 +3530,7 @@
             </a:ln>
             <a:extLst>
               <a:ext uri="{91240B29-F687-4f45-9708-019B960494DF}">
-                <a14:hiddenLine xmlns="" xmlns:a14="http://schemas.microsoft.com/office/drawing/2010/main" w="9525">
+                <a14:hiddenLine xmlns:a14="http://schemas.microsoft.com/office/drawing/2010/main" xmlns="" w="9525">
                   <a:solidFill>
                     <a:srgbClr val="000000"/>
                   </a:solidFill>
@@ -3620,7 +3620,7 @@
             </a:ln>
             <a:extLst>
               <a:ext uri="{91240B29-F687-4f45-9708-019B960494DF}">
-                <a14:hiddenLine xmlns="" xmlns:a14="http://schemas.microsoft.com/office/drawing/2010/main" w="9525">
+                <a14:hiddenLine xmlns:a14="http://schemas.microsoft.com/office/drawing/2010/main" xmlns="" w="9525">
                   <a:solidFill>
                     <a:srgbClr val="000000"/>
                   </a:solidFill>
@@ -3685,7 +3685,7 @@
             </a:ln>
             <a:extLst>
               <a:ext uri="{91240B29-F687-4f45-9708-019B960494DF}">
-                <a14:hiddenLine xmlns="" xmlns:a14="http://schemas.microsoft.com/office/drawing/2010/main" w="9525">
+                <a14:hiddenLine xmlns:a14="http://schemas.microsoft.com/office/drawing/2010/main" xmlns="" w="9525">
                   <a:solidFill>
                     <a:srgbClr val="000000"/>
                   </a:solidFill>
@@ -3747,7 +3747,7 @@
             </a:ln>
             <a:extLst>
               <a:ext uri="{91240B29-F687-4f45-9708-019B960494DF}">
-                <a14:hiddenLine xmlns="" xmlns:a14="http://schemas.microsoft.com/office/drawing/2010/main" w="9525">
+                <a14:hiddenLine xmlns:a14="http://schemas.microsoft.com/office/drawing/2010/main" xmlns="" w="9525">
                   <a:solidFill>
                     <a:srgbClr val="000000"/>
                   </a:solidFill>
@@ -3837,7 +3837,7 @@
             </a:ln>
             <a:extLst>
               <a:ext uri="{91240B29-F687-4f45-9708-019B960494DF}">
-                <a14:hiddenLine xmlns="" xmlns:a14="http://schemas.microsoft.com/office/drawing/2010/main" w="9525">
+                <a14:hiddenLine xmlns:a14="http://schemas.microsoft.com/office/drawing/2010/main" xmlns="" w="9525">
                   <a:solidFill>
                     <a:srgbClr val="000000"/>
                   </a:solidFill>
@@ -3927,7 +3927,7 @@
             </a:ln>
             <a:extLst>
               <a:ext uri="{91240B29-F687-4f45-9708-019B960494DF}">
-                <a14:hiddenLine xmlns="" xmlns:a14="http://schemas.microsoft.com/office/drawing/2010/main" w="9525">
+                <a14:hiddenLine xmlns:a14="http://schemas.microsoft.com/office/drawing/2010/main" xmlns="" w="9525">
                   <a:solidFill>
                     <a:srgbClr val="000000"/>
                   </a:solidFill>
@@ -3989,7 +3989,7 @@
             </a:ln>
             <a:extLst>
               <a:ext uri="{91240B29-F687-4f45-9708-019B960494DF}">
-                <a14:hiddenLine xmlns="" xmlns:a14="http://schemas.microsoft.com/office/drawing/2010/main" w="9525">
+                <a14:hiddenLine xmlns:a14="http://schemas.microsoft.com/office/drawing/2010/main" xmlns="" w="9525">
                   <a:solidFill>
                     <a:srgbClr val="000000"/>
                   </a:solidFill>
@@ -4109,7 +4109,7 @@
             </a:ln>
             <a:extLst>
               <a:ext uri="{91240B29-F687-4f45-9708-019B960494DF}">
-                <a14:hiddenLine xmlns="" xmlns:a14="http://schemas.microsoft.com/office/drawing/2010/main" w="9525">
+                <a14:hiddenLine xmlns:a14="http://schemas.microsoft.com/office/drawing/2010/main" xmlns="" w="9525">
                   <a:solidFill>
                     <a:srgbClr val="000000"/>
                   </a:solidFill>
@@ -4177,7 +4177,7 @@
             </a:ln>
             <a:extLst>
               <a:ext uri="{91240B29-F687-4f45-9708-019B960494DF}">
-                <a14:hiddenLine xmlns="" xmlns:a14="http://schemas.microsoft.com/office/drawing/2010/main" w="9525">
+                <a14:hiddenLine xmlns:a14="http://schemas.microsoft.com/office/drawing/2010/main" xmlns="" w="9525">
                   <a:solidFill>
                     <a:srgbClr val="000000"/>
                   </a:solidFill>
@@ -4267,7 +4267,7 @@
             </a:ln>
             <a:extLst>
               <a:ext uri="{91240B29-F687-4f45-9708-019B960494DF}">
-                <a14:hiddenLine xmlns="" xmlns:a14="http://schemas.microsoft.com/office/drawing/2010/main" w="9525">
+                <a14:hiddenLine xmlns:a14="http://schemas.microsoft.com/office/drawing/2010/main" xmlns="" w="9525">
                   <a:solidFill>
                     <a:srgbClr val="000000"/>
                   </a:solidFill>
@@ -4407,7 +4407,7 @@
           <a:p>
             <a:fld id="{0EFDD11A-2701-4143-9214-BF779779D87D}" type="datetimeFigureOut">
               <a:rPr lang="en-US" smtClean="0"/>
-              <a:t>22-Jan-25</a:t>
+              <a:t>23-Jan-25</a:t>
             </a:fld>
             <a:endParaRPr lang="en-US"/>
           </a:p>
@@ -4674,7 +4674,7 @@
           <a:p>
             <a:fld id="{0EFDD11A-2701-4143-9214-BF779779D87D}" type="datetimeFigureOut">
               <a:rPr lang="en-US" smtClean="0"/>
-              <a:t>22-Jan-25</a:t>
+              <a:t>23-Jan-25</a:t>
             </a:fld>
             <a:endParaRPr lang="en-US"/>
           </a:p>
@@ -4870,7 +4870,7 @@
           <a:p>
             <a:fld id="{0EFDD11A-2701-4143-9214-BF779779D87D}" type="datetimeFigureOut">
               <a:rPr lang="en-US" smtClean="0"/>
-              <a:t>22-Jan-25</a:t>
+              <a:t>23-Jan-25</a:t>
             </a:fld>
             <a:endParaRPr lang="en-US"/>
           </a:p>
@@ -5133,7 +5133,7 @@
           <a:p>
             <a:fld id="{0EFDD11A-2701-4143-9214-BF779779D87D}" type="datetimeFigureOut">
               <a:rPr lang="en-US" smtClean="0"/>
-              <a:t>22-Jan-25</a:t>
+              <a:t>23-Jan-25</a:t>
             </a:fld>
             <a:endParaRPr lang="en-US"/>
           </a:p>
@@ -5567,7 +5567,7 @@
           <a:p>
             <a:fld id="{0EFDD11A-2701-4143-9214-BF779779D87D}" type="datetimeFigureOut">
               <a:rPr lang="en-US" smtClean="0"/>
-              <a:t>22-Jan-25</a:t>
+              <a:t>23-Jan-25</a:t>
             </a:fld>
             <a:endParaRPr lang="en-US"/>
           </a:p>
@@ -6113,7 +6113,7 @@
           <a:p>
             <a:fld id="{0EFDD11A-2701-4143-9214-BF779779D87D}" type="datetimeFigureOut">
               <a:rPr lang="en-US" smtClean="0"/>
-              <a:t>22-Jan-25</a:t>
+              <a:t>23-Jan-25</a:t>
             </a:fld>
             <a:endParaRPr lang="en-US"/>
           </a:p>
@@ -6833,7 +6833,7 @@
           <a:p>
             <a:fld id="{0EFDD11A-2701-4143-9214-BF779779D87D}" type="datetimeFigureOut">
               <a:rPr lang="en-US" smtClean="0"/>
-              <a:t>22-Jan-25</a:t>
+              <a:t>23-Jan-25</a:t>
             </a:fld>
             <a:endParaRPr lang="en-US"/>
           </a:p>
@@ -7003,7 +7003,7 @@
           <a:p>
             <a:fld id="{0EFDD11A-2701-4143-9214-BF779779D87D}" type="datetimeFigureOut">
               <a:rPr lang="en-US" smtClean="0"/>
-              <a:t>22-Jan-25</a:t>
+              <a:t>23-Jan-25</a:t>
             </a:fld>
             <a:endParaRPr lang="en-US"/>
           </a:p>
@@ -7183,7 +7183,7 @@
           <a:p>
             <a:fld id="{0EFDD11A-2701-4143-9214-BF779779D87D}" type="datetimeFigureOut">
               <a:rPr lang="en-US" smtClean="0"/>
-              <a:t>22-Jan-25</a:t>
+              <a:t>23-Jan-25</a:t>
             </a:fld>
             <a:endParaRPr lang="en-US"/>
           </a:p>
@@ -7353,7 +7353,7 @@
           <a:p>
             <a:fld id="{0EFDD11A-2701-4143-9214-BF779779D87D}" type="datetimeFigureOut">
               <a:rPr lang="en-US" smtClean="0"/>
-              <a:t>22-Jan-25</a:t>
+              <a:t>23-Jan-25</a:t>
             </a:fld>
             <a:endParaRPr lang="en-US"/>
           </a:p>
@@ -7603,7 +7603,7 @@
           <a:p>
             <a:fld id="{0EFDD11A-2701-4143-9214-BF779779D87D}" type="datetimeFigureOut">
               <a:rPr lang="en-US" smtClean="0"/>
-              <a:t>22-Jan-25</a:t>
+              <a:t>23-Jan-25</a:t>
             </a:fld>
             <a:endParaRPr lang="en-US"/>
           </a:p>
@@ -7835,7 +7835,7 @@
           <a:p>
             <a:fld id="{0EFDD11A-2701-4143-9214-BF779779D87D}" type="datetimeFigureOut">
               <a:rPr lang="en-US" smtClean="0"/>
-              <a:t>22-Jan-25</a:t>
+              <a:t>23-Jan-25</a:t>
             </a:fld>
             <a:endParaRPr lang="en-US"/>
           </a:p>
@@ -8216,7 +8216,7 @@
           <a:p>
             <a:fld id="{0EFDD11A-2701-4143-9214-BF779779D87D}" type="datetimeFigureOut">
               <a:rPr lang="en-US" smtClean="0"/>
-              <a:t>22-Jan-25</a:t>
+              <a:t>23-Jan-25</a:t>
             </a:fld>
             <a:endParaRPr lang="en-US"/>
           </a:p>
@@ -8334,7 +8334,7 @@
           <a:p>
             <a:fld id="{0EFDD11A-2701-4143-9214-BF779779D87D}" type="datetimeFigureOut">
               <a:rPr lang="en-US" smtClean="0"/>
-              <a:t>22-Jan-25</a:t>
+              <a:t>23-Jan-25</a:t>
             </a:fld>
             <a:endParaRPr lang="en-US"/>
           </a:p>
@@ -8429,7 +8429,7 @@
           <a:p>
             <a:fld id="{0EFDD11A-2701-4143-9214-BF779779D87D}" type="datetimeFigureOut">
               <a:rPr lang="en-US" smtClean="0"/>
-              <a:t>22-Jan-25</a:t>
+              <a:t>23-Jan-25</a:t>
             </a:fld>
             <a:endParaRPr lang="en-US"/>
           </a:p>
@@ -8678,7 +8678,7 @@
           <a:p>
             <a:fld id="{0EFDD11A-2701-4143-9214-BF779779D87D}" type="datetimeFigureOut">
               <a:rPr lang="en-US" smtClean="0"/>
-              <a:t>22-Jan-25</a:t>
+              <a:t>23-Jan-25</a:t>
             </a:fld>
             <a:endParaRPr lang="en-US"/>
           </a:p>
@@ -8958,7 +8958,7 @@
           <a:p>
             <a:fld id="{0EFDD11A-2701-4143-9214-BF779779D87D}" type="datetimeFigureOut">
               <a:rPr lang="en-US" smtClean="0"/>
-              <a:t>22-Jan-25</a:t>
+              <a:t>23-Jan-25</a:t>
             </a:fld>
             <a:endParaRPr lang="en-US"/>
           </a:p>
@@ -9081,7 +9081,7 @@
           <a:noFill/>
           <a:extLst>
             <a:ext uri="{909E8E84-426E-40dd-AFC4-6F175D3DCCD1}">
-              <a14:hiddenFill xmlns="" xmlns:a14="http://schemas.microsoft.com/office/drawing/2010/main">
+              <a14:hiddenFill xmlns:a14="http://schemas.microsoft.com/office/drawing/2010/main" xmlns="">
                 <a:solidFill>
                   <a:srgbClr val="FFFFFF"/>
                 </a:solidFill>
@@ -9155,7 +9155,7 @@
               </a:ln>
               <a:extLst>
                 <a:ext uri="{91240B29-F687-4f45-9708-019B960494DF}">
-                  <a14:hiddenLine xmlns="" xmlns:a14="http://schemas.microsoft.com/office/drawing/2010/main" w="9525">
+                  <a14:hiddenLine xmlns:a14="http://schemas.microsoft.com/office/drawing/2010/main" xmlns="" w="9525">
                     <a:solidFill>
                       <a:srgbClr val="000000"/>
                     </a:solidFill>
@@ -9245,7 +9245,7 @@
               </a:ln>
               <a:extLst>
                 <a:ext uri="{91240B29-F687-4f45-9708-019B960494DF}">
-                  <a14:hiddenLine xmlns="" xmlns:a14="http://schemas.microsoft.com/office/drawing/2010/main" w="9525">
+                  <a14:hiddenLine xmlns:a14="http://schemas.microsoft.com/office/drawing/2010/main" xmlns="" w="9525">
                     <a:solidFill>
                       <a:srgbClr val="000000"/>
                     </a:solidFill>
@@ -9335,7 +9335,7 @@
               </a:ln>
               <a:extLst>
                 <a:ext uri="{91240B29-F687-4f45-9708-019B960494DF}">
-                  <a14:hiddenLine xmlns="" xmlns:a14="http://schemas.microsoft.com/office/drawing/2010/main" w="9525">
+                  <a14:hiddenLine xmlns:a14="http://schemas.microsoft.com/office/drawing/2010/main" xmlns="" w="9525">
                     <a:solidFill>
                       <a:srgbClr val="000000"/>
                     </a:solidFill>
@@ -9397,7 +9397,7 @@
               </a:ln>
               <a:extLst>
                 <a:ext uri="{91240B29-F687-4f45-9708-019B960494DF}">
-                  <a14:hiddenLine xmlns="" xmlns:a14="http://schemas.microsoft.com/office/drawing/2010/main" w="9525">
+                  <a14:hiddenLine xmlns:a14="http://schemas.microsoft.com/office/drawing/2010/main" xmlns="" w="9525">
                     <a:solidFill>
                       <a:srgbClr val="000000"/>
                     </a:solidFill>
@@ -9487,7 +9487,7 @@
               </a:ln>
               <a:extLst>
                 <a:ext uri="{91240B29-F687-4f45-9708-019B960494DF}">
-                  <a14:hiddenLine xmlns="" xmlns:a14="http://schemas.microsoft.com/office/drawing/2010/main" w="9525">
+                  <a14:hiddenLine xmlns:a14="http://schemas.microsoft.com/office/drawing/2010/main" xmlns="" w="9525">
                     <a:solidFill>
                       <a:srgbClr val="000000"/>
                     </a:solidFill>
@@ -9549,7 +9549,7 @@
               </a:ln>
               <a:extLst>
                 <a:ext uri="{91240B29-F687-4f45-9708-019B960494DF}">
-                  <a14:hiddenLine xmlns="" xmlns:a14="http://schemas.microsoft.com/office/drawing/2010/main" w="9525">
+                  <a14:hiddenLine xmlns:a14="http://schemas.microsoft.com/office/drawing/2010/main" xmlns="" w="9525">
                     <a:solidFill>
                       <a:srgbClr val="000000"/>
                     </a:solidFill>
@@ -9611,7 +9611,7 @@
               </a:ln>
               <a:extLst>
                 <a:ext uri="{91240B29-F687-4f45-9708-019B960494DF}">
-                  <a14:hiddenLine xmlns="" xmlns:a14="http://schemas.microsoft.com/office/drawing/2010/main" w="9525">
+                  <a14:hiddenLine xmlns:a14="http://schemas.microsoft.com/office/drawing/2010/main" xmlns="" w="9525">
                     <a:solidFill>
                       <a:srgbClr val="000000"/>
                     </a:solidFill>
@@ -9701,7 +9701,7 @@
               </a:ln>
               <a:extLst>
                 <a:ext uri="{91240B29-F687-4f45-9708-019B960494DF}">
-                  <a14:hiddenLine xmlns="" xmlns:a14="http://schemas.microsoft.com/office/drawing/2010/main" w="9525">
+                  <a14:hiddenLine xmlns:a14="http://schemas.microsoft.com/office/drawing/2010/main" xmlns="" w="9525">
                     <a:solidFill>
                       <a:srgbClr val="000000"/>
                     </a:solidFill>
@@ -9791,7 +9791,7 @@
               </a:ln>
               <a:extLst>
                 <a:ext uri="{91240B29-F687-4f45-9708-019B960494DF}">
-                  <a14:hiddenLine xmlns="" xmlns:a14="http://schemas.microsoft.com/office/drawing/2010/main" w="9525">
+                  <a14:hiddenLine xmlns:a14="http://schemas.microsoft.com/office/drawing/2010/main" xmlns="" w="9525">
                     <a:solidFill>
                       <a:srgbClr val="000000"/>
                     </a:solidFill>
@@ -9853,7 +9853,7 @@
               </a:ln>
               <a:extLst>
                 <a:ext uri="{91240B29-F687-4f45-9708-019B960494DF}">
-                  <a14:hiddenLine xmlns="" xmlns:a14="http://schemas.microsoft.com/office/drawing/2010/main" w="9525">
+                  <a14:hiddenLine xmlns:a14="http://schemas.microsoft.com/office/drawing/2010/main" xmlns="" w="9525">
                     <a:solidFill>
                       <a:srgbClr val="000000"/>
                     </a:solidFill>
@@ -9963,7 +9963,7 @@
               </a:ln>
               <a:extLst>
                 <a:ext uri="{91240B29-F687-4f45-9708-019B960494DF}">
-                  <a14:hiddenLine xmlns="" xmlns:a14="http://schemas.microsoft.com/office/drawing/2010/main" w="9525">
+                  <a14:hiddenLine xmlns:a14="http://schemas.microsoft.com/office/drawing/2010/main" xmlns="" w="9525">
                     <a:solidFill>
                       <a:srgbClr val="000000"/>
                     </a:solidFill>
@@ -10047,7 +10047,7 @@
               </a:ln>
               <a:extLst>
                 <a:ext uri="{91240B29-F687-4f45-9708-019B960494DF}">
-                  <a14:hiddenLine xmlns="" xmlns:a14="http://schemas.microsoft.com/office/drawing/2010/main" w="9525">
+                  <a14:hiddenLine xmlns:a14="http://schemas.microsoft.com/office/drawing/2010/main" xmlns="" w="9525">
                     <a:solidFill>
                       <a:srgbClr val="000000"/>
                     </a:solidFill>
@@ -10109,7 +10109,7 @@
               </a:ln>
               <a:extLst>
                 <a:ext uri="{91240B29-F687-4f45-9708-019B960494DF}">
-                  <a14:hiddenLine xmlns="" xmlns:a14="http://schemas.microsoft.com/office/drawing/2010/main" w="9525">
+                  <a14:hiddenLine xmlns:a14="http://schemas.microsoft.com/office/drawing/2010/main" xmlns="" w="9525">
                     <a:solidFill>
                       <a:srgbClr val="000000"/>
                     </a:solidFill>
@@ -10171,7 +10171,7 @@
               </a:ln>
               <a:extLst>
                 <a:ext uri="{91240B29-F687-4f45-9708-019B960494DF}">
-                  <a14:hiddenLine xmlns="" xmlns:a14="http://schemas.microsoft.com/office/drawing/2010/main" w="9525">
+                  <a14:hiddenLine xmlns:a14="http://schemas.microsoft.com/office/drawing/2010/main" xmlns="" w="9525">
                     <a:solidFill>
                       <a:srgbClr val="000000"/>
                     </a:solidFill>
@@ -10261,7 +10261,7 @@
               </a:ln>
               <a:extLst>
                 <a:ext uri="{91240B29-F687-4f45-9708-019B960494DF}">
-                  <a14:hiddenLine xmlns="" xmlns:a14="http://schemas.microsoft.com/office/drawing/2010/main" w="9525">
+                  <a14:hiddenLine xmlns:a14="http://schemas.microsoft.com/office/drawing/2010/main" xmlns="" w="9525">
                     <a:solidFill>
                       <a:srgbClr val="000000"/>
                     </a:solidFill>
@@ -10295,7 +10295,7 @@
               </a:ln>
               <a:extLst>
                 <a:ext uri="{91240B29-F687-4f45-9708-019B960494DF}">
-                  <a14:hiddenLine xmlns="" xmlns:a14="http://schemas.microsoft.com/office/drawing/2010/main" w="9525">
+                  <a14:hiddenLine xmlns:a14="http://schemas.microsoft.com/office/drawing/2010/main" xmlns="" w="9525">
                     <a:solidFill>
                       <a:srgbClr val="000000"/>
                     </a:solidFill>
@@ -10360,7 +10360,7 @@
               </a:ln>
               <a:extLst>
                 <a:ext uri="{91240B29-F687-4f45-9708-019B960494DF}">
-                  <a14:hiddenLine xmlns="" xmlns:a14="http://schemas.microsoft.com/office/drawing/2010/main" w="9525">
+                  <a14:hiddenLine xmlns:a14="http://schemas.microsoft.com/office/drawing/2010/main" xmlns="" w="9525">
                     <a:solidFill>
                       <a:srgbClr val="000000"/>
                     </a:solidFill>
@@ -10450,7 +10450,7 @@
               </a:ln>
               <a:extLst>
                 <a:ext uri="{91240B29-F687-4f45-9708-019B960494DF}">
-                  <a14:hiddenLine xmlns="" xmlns:a14="http://schemas.microsoft.com/office/drawing/2010/main" w="9525">
+                  <a14:hiddenLine xmlns:a14="http://schemas.microsoft.com/office/drawing/2010/main" xmlns="" w="9525">
                     <a:solidFill>
                       <a:srgbClr val="000000"/>
                     </a:solidFill>
@@ -10512,7 +10512,7 @@
               </a:ln>
               <a:extLst>
                 <a:ext uri="{91240B29-F687-4f45-9708-019B960494DF}">
-                  <a14:hiddenLine xmlns="" xmlns:a14="http://schemas.microsoft.com/office/drawing/2010/main" w="9525">
+                  <a14:hiddenLine xmlns:a14="http://schemas.microsoft.com/office/drawing/2010/main" xmlns="" w="9525">
                     <a:solidFill>
                       <a:srgbClr val="000000"/>
                     </a:solidFill>
@@ -10602,7 +10602,7 @@
               </a:ln>
               <a:extLst>
                 <a:ext uri="{91240B29-F687-4f45-9708-019B960494DF}">
-                  <a14:hiddenLine xmlns="" xmlns:a14="http://schemas.microsoft.com/office/drawing/2010/main" w="9525">
+                  <a14:hiddenLine xmlns:a14="http://schemas.microsoft.com/office/drawing/2010/main" xmlns="" w="9525">
                     <a:solidFill>
                       <a:srgbClr val="000000"/>
                     </a:solidFill>
@@ -10667,7 +10667,7 @@
               </a:ln>
               <a:extLst>
                 <a:ext uri="{91240B29-F687-4f45-9708-019B960494DF}">
-                  <a14:hiddenLine xmlns="" xmlns:a14="http://schemas.microsoft.com/office/drawing/2010/main" w="9525">
+                  <a14:hiddenLine xmlns:a14="http://schemas.microsoft.com/office/drawing/2010/main" xmlns="" w="9525">
                     <a:solidFill>
                       <a:srgbClr val="000000"/>
                     </a:solidFill>
@@ -10729,7 +10729,7 @@
               </a:ln>
               <a:extLst>
                 <a:ext uri="{91240B29-F687-4f45-9708-019B960494DF}">
-                  <a14:hiddenLine xmlns="" xmlns:a14="http://schemas.microsoft.com/office/drawing/2010/main" w="9525">
+                  <a14:hiddenLine xmlns:a14="http://schemas.microsoft.com/office/drawing/2010/main" xmlns="" w="9525">
                     <a:solidFill>
                       <a:srgbClr val="000000"/>
                     </a:solidFill>
@@ -10819,7 +10819,7 @@
               </a:ln>
               <a:extLst>
                 <a:ext uri="{91240B29-F687-4f45-9708-019B960494DF}">
-                  <a14:hiddenLine xmlns="" xmlns:a14="http://schemas.microsoft.com/office/drawing/2010/main" w="9525">
+                  <a14:hiddenLine xmlns:a14="http://schemas.microsoft.com/office/drawing/2010/main" xmlns="" w="9525">
                     <a:solidFill>
                       <a:srgbClr val="000000"/>
                     </a:solidFill>
@@ -10909,7 +10909,7 @@
               </a:ln>
               <a:extLst>
                 <a:ext uri="{91240B29-F687-4f45-9708-019B960494DF}">
-                  <a14:hiddenLine xmlns="" xmlns:a14="http://schemas.microsoft.com/office/drawing/2010/main" w="9525">
+                  <a14:hiddenLine xmlns:a14="http://schemas.microsoft.com/office/drawing/2010/main" xmlns="" w="9525">
                     <a:solidFill>
                       <a:srgbClr val="000000"/>
                     </a:solidFill>
@@ -10974,7 +10974,7 @@
               </a:ln>
               <a:extLst>
                 <a:ext uri="{91240B29-F687-4f45-9708-019B960494DF}">
-                  <a14:hiddenLine xmlns="" xmlns:a14="http://schemas.microsoft.com/office/drawing/2010/main" w="9525">
+                  <a14:hiddenLine xmlns:a14="http://schemas.microsoft.com/office/drawing/2010/main" xmlns="" w="9525">
                     <a:solidFill>
                       <a:srgbClr val="000000"/>
                     </a:solidFill>
@@ -11094,7 +11094,7 @@
               </a:ln>
               <a:extLst>
                 <a:ext uri="{91240B29-F687-4f45-9708-019B960494DF}">
-                  <a14:hiddenLine xmlns="" xmlns:a14="http://schemas.microsoft.com/office/drawing/2010/main" w="9525">
+                  <a14:hiddenLine xmlns:a14="http://schemas.microsoft.com/office/drawing/2010/main" xmlns="" w="9525">
                     <a:solidFill>
                       <a:srgbClr val="000000"/>
                     </a:solidFill>
@@ -11175,7 +11175,7 @@
               </a:ln>
               <a:extLst>
                 <a:ext uri="{91240B29-F687-4f45-9708-019B960494DF}">
-                  <a14:hiddenLine xmlns="" xmlns:a14="http://schemas.microsoft.com/office/drawing/2010/main" w="9525">
+                  <a14:hiddenLine xmlns:a14="http://schemas.microsoft.com/office/drawing/2010/main" xmlns="" w="9525">
                     <a:solidFill>
                       <a:srgbClr val="000000"/>
                     </a:solidFill>
@@ -11290,7 +11290,7 @@
               </a:ln>
               <a:extLst>
                 <a:ext uri="{91240B29-F687-4f45-9708-019B960494DF}">
-                  <a14:hiddenLine xmlns="" xmlns:a14="http://schemas.microsoft.com/office/drawing/2010/main" w="9525">
+                  <a14:hiddenLine xmlns:a14="http://schemas.microsoft.com/office/drawing/2010/main" xmlns="" w="9525">
                     <a:solidFill>
                       <a:srgbClr val="000000"/>
                     </a:solidFill>
@@ -11380,7 +11380,7 @@
               </a:ln>
               <a:extLst>
                 <a:ext uri="{91240B29-F687-4f45-9708-019B960494DF}">
-                  <a14:hiddenLine xmlns="" xmlns:a14="http://schemas.microsoft.com/office/drawing/2010/main" w="9525">
+                  <a14:hiddenLine xmlns:a14="http://schemas.microsoft.com/office/drawing/2010/main" xmlns="" w="9525">
                     <a:solidFill>
                       <a:srgbClr val="000000"/>
                     </a:solidFill>
@@ -11445,7 +11445,7 @@
               </a:ln>
               <a:extLst>
                 <a:ext uri="{91240B29-F687-4f45-9708-019B960494DF}">
-                  <a14:hiddenLine xmlns="" xmlns:a14="http://schemas.microsoft.com/office/drawing/2010/main" w="9525">
+                  <a14:hiddenLine xmlns:a14="http://schemas.microsoft.com/office/drawing/2010/main" xmlns="" w="9525">
                     <a:solidFill>
                       <a:srgbClr val="000000"/>
                     </a:solidFill>
@@ -11535,7 +11535,7 @@
               </a:ln>
               <a:extLst>
                 <a:ext uri="{91240B29-F687-4f45-9708-019B960494DF}">
-                  <a14:hiddenLine xmlns="" xmlns:a14="http://schemas.microsoft.com/office/drawing/2010/main" w="9525">
+                  <a14:hiddenLine xmlns:a14="http://schemas.microsoft.com/office/drawing/2010/main" xmlns="" w="9525">
                     <a:solidFill>
                       <a:srgbClr val="000000"/>
                     </a:solidFill>
@@ -11603,7 +11603,7 @@
               </a:ln>
               <a:extLst>
                 <a:ext uri="{91240B29-F687-4f45-9708-019B960494DF}">
-                  <a14:hiddenLine xmlns="" xmlns:a14="http://schemas.microsoft.com/office/drawing/2010/main" w="9525">
+                  <a14:hiddenLine xmlns:a14="http://schemas.microsoft.com/office/drawing/2010/main" xmlns="" w="9525">
                     <a:solidFill>
                       <a:srgbClr val="000000"/>
                     </a:solidFill>
@@ -11693,7 +11693,7 @@
               </a:ln>
               <a:extLst>
                 <a:ext uri="{91240B29-F687-4f45-9708-019B960494DF}">
-                  <a14:hiddenLine xmlns="" xmlns:a14="http://schemas.microsoft.com/office/drawing/2010/main" w="9525">
+                  <a14:hiddenLine xmlns:a14="http://schemas.microsoft.com/office/drawing/2010/main" xmlns="" w="9525">
                     <a:solidFill>
                       <a:srgbClr val="000000"/>
                     </a:solidFill>
@@ -11761,7 +11761,7 @@
               </a:ln>
               <a:extLst>
                 <a:ext uri="{91240B29-F687-4f45-9708-019B960494DF}">
-                  <a14:hiddenLine xmlns="" xmlns:a14="http://schemas.microsoft.com/office/drawing/2010/main" w="9525">
+                  <a14:hiddenLine xmlns:a14="http://schemas.microsoft.com/office/drawing/2010/main" xmlns="" w="9525">
                     <a:solidFill>
                       <a:srgbClr val="000000"/>
                     </a:solidFill>
@@ -11851,7 +11851,7 @@
               </a:ln>
               <a:extLst>
                 <a:ext uri="{91240B29-F687-4f45-9708-019B960494DF}">
-                  <a14:hiddenLine xmlns="" xmlns:a14="http://schemas.microsoft.com/office/drawing/2010/main" w="9525">
+                  <a14:hiddenLine xmlns:a14="http://schemas.microsoft.com/office/drawing/2010/main" xmlns="" w="9525">
                     <a:solidFill>
                       <a:srgbClr val="000000"/>
                     </a:solidFill>
@@ -11885,7 +11885,7 @@
               </a:ln>
               <a:extLst>
                 <a:ext uri="{91240B29-F687-4f45-9708-019B960494DF}">
-                  <a14:hiddenLine xmlns="" xmlns:a14="http://schemas.microsoft.com/office/drawing/2010/main" w="9525">
+                  <a14:hiddenLine xmlns:a14="http://schemas.microsoft.com/office/drawing/2010/main" xmlns="" w="9525">
                     <a:solidFill>
                       <a:srgbClr val="000000"/>
                     </a:solidFill>
@@ -12025,7 +12025,7 @@
           <a:p>
             <a:fld id="{0EFDD11A-2701-4143-9214-BF779779D87D}" type="datetimeFigureOut">
               <a:rPr lang="en-US" smtClean="0"/>
-              <a:t>22-Jan-25</a:t>
+              <a:t>23-Jan-25</a:t>
             </a:fld>
             <a:endParaRPr lang="en-US"/>
           </a:p>
@@ -12851,6 +12851,134 @@
           </a:prstGeom>
         </p:spPr>
       </p:pic>
+      <p:sp>
+        <p:nvSpPr>
+          <p:cNvPr id="3" name="Title 1">
+            <a:extLst>
+              <a:ext uri="{FF2B5EF4-FFF2-40B4-BE49-F238E27FC236}">
+                <a16:creationId xmlns:a16="http://schemas.microsoft.com/office/drawing/2014/main" id="{3EDAEAEA-433E-52D9-D6FD-6D71CBB5B397}"/>
+              </a:ext>
+            </a:extLst>
+          </p:cNvPr>
+          <p:cNvSpPr txBox="1">
+            <a:spLocks/>
+          </p:cNvSpPr>
+          <p:nvPr/>
+        </p:nvSpPr>
+        <p:spPr>
+          <a:xfrm>
+            <a:off x="1934127" y="5006231"/>
+            <a:ext cx="2542408" cy="358723"/>
+          </a:xfrm>
+          <a:prstGeom prst="rect">
+            <a:avLst/>
+          </a:prstGeom>
+        </p:spPr>
+        <p:txBody>
+          <a:bodyPr vert="horz" lIns="91440" tIns="45720" rIns="91440" bIns="45720" rtlCol="0" anchor="b">
+            <a:normAutofit/>
+          </a:bodyPr>
+          <a:lstStyle>
+            <a:lvl1pPr algn="l" defTabSz="914400" rtl="0" eaLnBrk="1" latinLnBrk="0" hangingPunct="1">
+              <a:lnSpc>
+                <a:spcPct val="90000"/>
+              </a:lnSpc>
+              <a:spcBef>
+                <a:spcPct val="0"/>
+              </a:spcBef>
+              <a:buNone/>
+              <a:defRPr sz="4800" kern="1200" cap="all" baseline="0">
+                <a:solidFill>
+                  <a:schemeClr val="tx1"/>
+                </a:solidFill>
+                <a:latin typeface="+mj-lt"/>
+                <a:ea typeface="+mj-ea"/>
+                <a:cs typeface="+mj-cs"/>
+              </a:defRPr>
+            </a:lvl1pPr>
+          </a:lstStyle>
+          <a:p>
+            <a:r>
+              <a:rPr lang="en-US" sz="1600" cap="none" dirty="0">
+                <a:solidFill>
+                  <a:schemeClr val="bg1">
+                    <a:lumMod val="75000"/>
+                    <a:lumOff val="25000"/>
+                  </a:schemeClr>
+                </a:solidFill>
+                <a:latin typeface="Calibri" panose="020F0502020204030204" pitchFamily="34" charset="0"/>
+                <a:ea typeface="ADLaM Display" panose="02010000000000000000" pitchFamily="2" charset="0"/>
+                <a:cs typeface="Calibri" panose="020F0502020204030204" pitchFamily="34" charset="0"/>
+              </a:rPr>
+              <a:t>(a) On uploading video clip</a:t>
+            </a:r>
+          </a:p>
+        </p:txBody>
+      </p:sp>
+      <p:sp>
+        <p:nvSpPr>
+          <p:cNvPr id="5" name="Title 1">
+            <a:extLst>
+              <a:ext uri="{FF2B5EF4-FFF2-40B4-BE49-F238E27FC236}">
+                <a16:creationId xmlns:a16="http://schemas.microsoft.com/office/drawing/2014/main" id="{61E769C3-4FA7-B226-4612-74893E725704}"/>
+              </a:ext>
+            </a:extLst>
+          </p:cNvPr>
+          <p:cNvSpPr txBox="1">
+            <a:spLocks/>
+          </p:cNvSpPr>
+          <p:nvPr/>
+        </p:nvSpPr>
+        <p:spPr>
+          <a:xfrm>
+            <a:off x="7670083" y="5006231"/>
+            <a:ext cx="2905074" cy="358723"/>
+          </a:xfrm>
+          <a:prstGeom prst="rect">
+            <a:avLst/>
+          </a:prstGeom>
+        </p:spPr>
+        <p:txBody>
+          <a:bodyPr vert="horz" lIns="91440" tIns="45720" rIns="91440" bIns="45720" rtlCol="0" anchor="b">
+            <a:normAutofit/>
+          </a:bodyPr>
+          <a:lstStyle>
+            <a:lvl1pPr algn="l" defTabSz="914400" rtl="0" eaLnBrk="1" latinLnBrk="0" hangingPunct="1">
+              <a:lnSpc>
+                <a:spcPct val="90000"/>
+              </a:lnSpc>
+              <a:spcBef>
+                <a:spcPct val="0"/>
+              </a:spcBef>
+              <a:buNone/>
+              <a:defRPr sz="4800" kern="1200" cap="all" baseline="0">
+                <a:solidFill>
+                  <a:schemeClr val="tx1"/>
+                </a:solidFill>
+                <a:latin typeface="+mj-lt"/>
+                <a:ea typeface="+mj-ea"/>
+                <a:cs typeface="+mj-cs"/>
+              </a:defRPr>
+            </a:lvl1pPr>
+          </a:lstStyle>
+          <a:p>
+            <a:r>
+              <a:rPr lang="en-US" sz="1600" cap="none" dirty="0">
+                <a:solidFill>
+                  <a:schemeClr val="bg1">
+                    <a:lumMod val="75000"/>
+                    <a:lumOff val="25000"/>
+                  </a:schemeClr>
+                </a:solidFill>
+                <a:latin typeface="Calibri" panose="020F0502020204030204" pitchFamily="34" charset="0"/>
+                <a:ea typeface="ADLaM Display" panose="02010000000000000000" pitchFamily="2" charset="0"/>
+                <a:cs typeface="Calibri" panose="020F0502020204030204" pitchFamily="34" charset="0"/>
+              </a:rPr>
+              <a:t>(b) After Click on ‘Test’ button</a:t>
+            </a:r>
+          </a:p>
+        </p:txBody>
+      </p:sp>
     </p:spTree>
     <p:extLst>
       <p:ext uri="{BB962C8B-B14F-4D97-AF65-F5344CB8AC3E}">
@@ -13014,6 +13142,136 @@
           </a:prstGeom>
         </p:spPr>
       </p:pic>
+      <p:sp>
+        <p:nvSpPr>
+          <p:cNvPr id="3" name="Title 1">
+            <a:extLst>
+              <a:ext uri="{FF2B5EF4-FFF2-40B4-BE49-F238E27FC236}">
+                <a16:creationId xmlns:a16="http://schemas.microsoft.com/office/drawing/2014/main" id="{E3BBFD11-5471-1C46-651A-7F792C3FA74C}"/>
+              </a:ext>
+            </a:extLst>
+          </p:cNvPr>
+          <p:cNvSpPr txBox="1">
+            <a:spLocks/>
+          </p:cNvSpPr>
+          <p:nvPr/>
+        </p:nvSpPr>
+        <p:spPr>
+          <a:xfrm>
+            <a:off x="1822482" y="5062077"/>
+            <a:ext cx="2765693" cy="509666"/>
+          </a:xfrm>
+          <a:prstGeom prst="rect">
+            <a:avLst/>
+          </a:prstGeom>
+        </p:spPr>
+        <p:txBody>
+          <a:bodyPr vert="horz" lIns="91440" tIns="45720" rIns="91440" bIns="45720" rtlCol="0" anchor="b">
+            <a:normAutofit lnSpcReduction="10000"/>
+          </a:bodyPr>
+          <a:lstStyle>
+            <a:lvl1pPr algn="l" defTabSz="914400" rtl="0" eaLnBrk="1" latinLnBrk="0" hangingPunct="1">
+              <a:lnSpc>
+                <a:spcPct val="90000"/>
+              </a:lnSpc>
+              <a:spcBef>
+                <a:spcPct val="0"/>
+              </a:spcBef>
+              <a:buNone/>
+              <a:defRPr sz="4800" kern="1200" cap="all" baseline="0">
+                <a:solidFill>
+                  <a:schemeClr val="tx1"/>
+                </a:solidFill>
+                <a:latin typeface="+mj-lt"/>
+                <a:ea typeface="+mj-ea"/>
+                <a:cs typeface="+mj-cs"/>
+              </a:defRPr>
+            </a:lvl1pPr>
+          </a:lstStyle>
+          <a:p>
+            <a:pPr algn="ctr"/>
+            <a:r>
+              <a:rPr lang="en-US" sz="1600" cap="none" dirty="0">
+                <a:solidFill>
+                  <a:schemeClr val="bg1">
+                    <a:lumMod val="75000"/>
+                    <a:lumOff val="25000"/>
+                  </a:schemeClr>
+                </a:solidFill>
+                <a:latin typeface="Calibri" panose="020F0502020204030204" pitchFamily="34" charset="0"/>
+                <a:ea typeface="ADLaM Display" panose="02010000000000000000" pitchFamily="2" charset="0"/>
+                <a:cs typeface="Calibri" panose="020F0502020204030204" pitchFamily="34" charset="0"/>
+              </a:rPr>
+              <a:t>(c) Model started extracting number plates</a:t>
+            </a:r>
+          </a:p>
+        </p:txBody>
+      </p:sp>
+      <p:sp>
+        <p:nvSpPr>
+          <p:cNvPr id="4" name="Title 1">
+            <a:extLst>
+              <a:ext uri="{FF2B5EF4-FFF2-40B4-BE49-F238E27FC236}">
+                <a16:creationId xmlns:a16="http://schemas.microsoft.com/office/drawing/2014/main" id="{BBEC1BD8-9980-B654-BB64-446911954495}"/>
+              </a:ext>
+            </a:extLst>
+          </p:cNvPr>
+          <p:cNvSpPr txBox="1">
+            <a:spLocks/>
+          </p:cNvSpPr>
+          <p:nvPr/>
+        </p:nvSpPr>
+        <p:spPr>
+          <a:xfrm>
+            <a:off x="7674524" y="5098259"/>
+            <a:ext cx="2978252" cy="565512"/>
+          </a:xfrm>
+          <a:prstGeom prst="rect">
+            <a:avLst/>
+          </a:prstGeom>
+        </p:spPr>
+        <p:txBody>
+          <a:bodyPr vert="horz" lIns="91440" tIns="45720" rIns="91440" bIns="45720" rtlCol="0" anchor="b">
+            <a:normAutofit/>
+          </a:bodyPr>
+          <a:lstStyle>
+            <a:lvl1pPr algn="l" defTabSz="914400" rtl="0" eaLnBrk="1" latinLnBrk="0" hangingPunct="1">
+              <a:lnSpc>
+                <a:spcPct val="90000"/>
+              </a:lnSpc>
+              <a:spcBef>
+                <a:spcPct val="0"/>
+              </a:spcBef>
+              <a:buNone/>
+              <a:defRPr sz="4800" kern="1200" cap="all" baseline="0">
+                <a:solidFill>
+                  <a:schemeClr val="tx1"/>
+                </a:solidFill>
+                <a:latin typeface="+mj-lt"/>
+                <a:ea typeface="+mj-ea"/>
+                <a:cs typeface="+mj-cs"/>
+              </a:defRPr>
+            </a:lvl1pPr>
+          </a:lstStyle>
+          <a:p>
+            <a:pPr algn="ctr"/>
+            <a:r>
+              <a:rPr lang="en-US" sz="1600" cap="none" dirty="0">
+                <a:solidFill>
+                  <a:schemeClr val="bg1">
+                    <a:lumMod val="75000"/>
+                    <a:lumOff val="25000"/>
+                  </a:schemeClr>
+                </a:solidFill>
+                <a:latin typeface="Calibri" panose="020F0502020204030204" pitchFamily="34" charset="0"/>
+                <a:ea typeface="ADLaM Display" panose="02010000000000000000" pitchFamily="2" charset="0"/>
+                <a:cs typeface="Calibri" panose="020F0502020204030204" pitchFamily="34" charset="0"/>
+              </a:rPr>
+              <a:t>(d) Showing individual frame processing.</a:t>
+            </a:r>
+          </a:p>
+        </p:txBody>
+      </p:sp>
     </p:spTree>
     <p:extLst>
       <p:ext uri="{BB962C8B-B14F-4D97-AF65-F5344CB8AC3E}">
@@ -14870,14 +15128,14 @@
           <p:nvPr>
             <p:extLst>
               <p:ext uri="{D42A27DB-BD31-4B8C-83A1-F6EECF244321}">
-                <p14:modId xmlns:p14="http://schemas.microsoft.com/office/powerpoint/2010/main" val="667690564"/>
+                <p14:modId xmlns:p14="http://schemas.microsoft.com/office/powerpoint/2010/main" val="2207776384"/>
               </p:ext>
             </p:extLst>
           </p:nvPr>
         </p:nvGraphicFramePr>
         <p:xfrm>
-          <a:off x="4775635" y="1496596"/>
-          <a:ext cx="2640730" cy="4347909"/>
+          <a:off x="3646346" y="1575254"/>
+          <a:ext cx="4899308" cy="4347909"/>
         </p:xfrm>
         <a:graphic>
           <a:graphicData uri="http://schemas.openxmlformats.org/drawingml/2006/table">
@@ -14886,10 +15144,17 @@
                 <a:tableStyleId>{5C22544A-7EE6-4342-B048-85BDC9FD1C3A}</a:tableStyleId>
               </a:tblPr>
               <a:tblGrid>
-                <a:gridCol w="2640730">
+                <a:gridCol w="2449654">
                   <a:extLst>
                     <a:ext uri="{9D8B030D-6E8A-4147-A177-3AD203B41FA5}">
                       <a16:colId xmlns:a16="http://schemas.microsoft.com/office/drawing/2014/main" val="1054205809"/>
+                    </a:ext>
+                  </a:extLst>
+                </a:gridCol>
+                <a:gridCol w="2449654">
+                  <a:extLst>
+                    <a:ext uri="{9D8B030D-6E8A-4147-A177-3AD203B41FA5}">
+                      <a16:colId xmlns:a16="http://schemas.microsoft.com/office/drawing/2014/main" val="3988606784"/>
                     </a:ext>
                   </a:extLst>
                 </a:gridCol>
@@ -14900,7 +15165,7 @@
                     <a:bodyPr/>
                     <a:lstStyle/>
                     <a:p>
-                      <a:pPr marL="457200" algn="l">
+                      <a:pPr marL="457200" algn="ctr">
                         <a:lnSpc>
                           <a:spcPct val="150000"/>
                         </a:lnSpc>
@@ -14911,7 +15176,29 @@
                             <a:schemeClr val="bg1"/>
                           </a:solidFill>
                         </a:rPr>
-                        <a:t>Settings</a:t>
+                        <a:t>Parameter</a:t>
+                      </a:r>
+                    </a:p>
+                  </a:txBody>
+                  <a:tcPr/>
+                </a:tc>
+                <a:tc>
+                  <a:txBody>
+                    <a:bodyPr/>
+                    <a:lstStyle/>
+                    <a:p>
+                      <a:pPr marL="457200" algn="ctr">
+                        <a:lnSpc>
+                          <a:spcPct val="150000"/>
+                        </a:lnSpc>
+                      </a:pPr>
+                      <a:r>
+                        <a:rPr lang="en-US" sz="1600" dirty="0">
+                          <a:solidFill>
+                            <a:schemeClr val="bg1"/>
+                          </a:solidFill>
+                        </a:rPr>
+                        <a:t>Value</a:t>
                       </a:r>
                     </a:p>
                   </a:txBody>
@@ -14929,14 +15216,32 @@
                     <a:bodyPr/>
                     <a:lstStyle/>
                     <a:p>
-                      <a:pPr marL="457200" algn="l">
+                      <a:pPr marL="457200" algn="ctr">
                         <a:lnSpc>
                           <a:spcPct val="150000"/>
                         </a:lnSpc>
                       </a:pPr>
                       <a:r>
                         <a:rPr lang="en-US" sz="1600" dirty="0"/>
-                        <a:t>model = yolov8n.pt</a:t>
+                        <a:t>Model</a:t>
+                      </a:r>
+                    </a:p>
+                  </a:txBody>
+                  <a:tcPr/>
+                </a:tc>
+                <a:tc>
+                  <a:txBody>
+                    <a:bodyPr/>
+                    <a:lstStyle/>
+                    <a:p>
+                      <a:pPr marL="457200" algn="ctr">
+                        <a:lnSpc>
+                          <a:spcPct val="150000"/>
+                        </a:lnSpc>
+                      </a:pPr>
+                      <a:r>
+                        <a:rPr lang="en-US" sz="1600" dirty="0"/>
+                        <a:t>yolov8n.pt</a:t>
                       </a:r>
                     </a:p>
                   </a:txBody>
@@ -14954,7 +15259,7 @@
                     <a:bodyPr/>
                     <a:lstStyle/>
                     <a:p>
-                      <a:pPr marL="457200" marR="0" lvl="0" indent="0" algn="l" defTabSz="914400" rtl="0" eaLnBrk="1" fontAlgn="auto" latinLnBrk="0" hangingPunct="1">
+                      <a:pPr marL="457200" marR="0" lvl="0" indent="0" algn="ctr" defTabSz="914400" rtl="0" eaLnBrk="1" fontAlgn="auto" latinLnBrk="0" hangingPunct="1">
                         <a:lnSpc>
                           <a:spcPct val="150000"/>
                         </a:lnSpc>
@@ -14973,33 +15278,18 @@
                       </a:pPr>
                       <a:r>
                         <a:rPr lang="en-US" sz="1600" dirty="0"/>
-                        <a:t> </a:t>
-                      </a:r>
-                      <a:r>
-                        <a:rPr lang="en-US" sz="1600" dirty="0" err="1"/>
-                        <a:t>imgsz</a:t>
-                      </a:r>
-                      <a:r>
-                        <a:rPr lang="en-US" sz="1600" dirty="0"/>
-                        <a:t> = 640</a:t>
+                        <a:t>Image Size</a:t>
                       </a:r>
                     </a:p>
                   </a:txBody>
                   <a:tcPr/>
                 </a:tc>
-                <a:extLst>
-                  <a:ext uri="{0D108BD9-81ED-4DB2-BD59-A6C34878D82A}">
-                    <a16:rowId xmlns:a16="http://schemas.microsoft.com/office/drawing/2014/main" val="3178900567"/>
-                  </a:ext>
-                </a:extLst>
-              </a:tr>
-              <a:tr h="483101">
                 <a:tc>
                   <a:txBody>
                     <a:bodyPr/>
                     <a:lstStyle/>
                     <a:p>
-                      <a:pPr marL="457200" marR="0" lvl="0" indent="0" algn="l" defTabSz="914400" rtl="0" eaLnBrk="1" fontAlgn="auto" latinLnBrk="0" hangingPunct="1">
+                      <a:pPr marL="457200" marR="0" lvl="0" indent="0" algn="ctr" defTabSz="914400" rtl="0" eaLnBrk="1" fontAlgn="auto" latinLnBrk="0" hangingPunct="1">
                         <a:lnSpc>
                           <a:spcPct val="150000"/>
                         </a:lnSpc>
@@ -15018,7 +15308,74 @@
                       </a:pPr>
                       <a:r>
                         <a:rPr lang="en-US" sz="1600" dirty="0"/>
-                        <a:t>batch = 16</a:t>
+                        <a:t>640</a:t>
+                      </a:r>
+                    </a:p>
+                  </a:txBody>
+                  <a:tcPr/>
+                </a:tc>
+                <a:extLst>
+                  <a:ext uri="{0D108BD9-81ED-4DB2-BD59-A6C34878D82A}">
+                    <a16:rowId xmlns:a16="http://schemas.microsoft.com/office/drawing/2014/main" val="3178900567"/>
+                  </a:ext>
+                </a:extLst>
+              </a:tr>
+              <a:tr h="483101">
+                <a:tc>
+                  <a:txBody>
+                    <a:bodyPr/>
+                    <a:lstStyle/>
+                    <a:p>
+                      <a:pPr marL="457200" marR="0" lvl="0" indent="0" algn="ctr" defTabSz="914400" rtl="0" eaLnBrk="1" fontAlgn="auto" latinLnBrk="0" hangingPunct="1">
+                        <a:lnSpc>
+                          <a:spcPct val="150000"/>
+                        </a:lnSpc>
+                        <a:spcBef>
+                          <a:spcPts val="0"/>
+                        </a:spcBef>
+                        <a:spcAft>
+                          <a:spcPts val="0"/>
+                        </a:spcAft>
+                        <a:buClrTx/>
+                        <a:buSzTx/>
+                        <a:buFontTx/>
+                        <a:buNone/>
+                        <a:tabLst/>
+                        <a:defRPr/>
+                      </a:pPr>
+                      <a:r>
+                        <a:rPr lang="en-US" sz="1600" dirty="0"/>
+                        <a:t>Batch Size</a:t>
+                      </a:r>
+                    </a:p>
+                  </a:txBody>
+                  <a:tcPr/>
+                </a:tc>
+                <a:tc>
+                  <a:txBody>
+                    <a:bodyPr/>
+                    <a:lstStyle/>
+                    <a:p>
+                      <a:pPr marL="457200" marR="0" lvl="0" indent="0" algn="ctr" defTabSz="914400" rtl="0" eaLnBrk="1" fontAlgn="auto" latinLnBrk="0" hangingPunct="1">
+                        <a:lnSpc>
+                          <a:spcPct val="150000"/>
+                        </a:lnSpc>
+                        <a:spcBef>
+                          <a:spcPts val="0"/>
+                        </a:spcBef>
+                        <a:spcAft>
+                          <a:spcPts val="0"/>
+                        </a:spcAft>
+                        <a:buClrTx/>
+                        <a:buSzTx/>
+                        <a:buFontTx/>
+                        <a:buNone/>
+                        <a:tabLst/>
+                        <a:defRPr/>
+                      </a:pPr>
+                      <a:r>
+                        <a:rPr lang="en-US" sz="1600" dirty="0"/>
+                        <a:t>16</a:t>
                       </a:r>
                     </a:p>
                   </a:txBody>
@@ -15036,14 +15393,32 @@
                     <a:bodyPr/>
                     <a:lstStyle/>
                     <a:p>
-                      <a:pPr marL="457200" algn="l">
+                      <a:pPr marL="457200" algn="ctr">
                         <a:lnSpc>
                           <a:spcPct val="150000"/>
                         </a:lnSpc>
                       </a:pPr>
                       <a:r>
                         <a:rPr lang="en-US" sz="1600" dirty="0"/>
-                        <a:t>epochs = 20</a:t>
+                        <a:t>Epochs</a:t>
+                      </a:r>
+                    </a:p>
+                  </a:txBody>
+                  <a:tcPr/>
+                </a:tc>
+                <a:tc>
+                  <a:txBody>
+                    <a:bodyPr/>
+                    <a:lstStyle/>
+                    <a:p>
+                      <a:pPr marL="457200" algn="ctr">
+                        <a:lnSpc>
+                          <a:spcPct val="150000"/>
+                        </a:lnSpc>
+                      </a:pPr>
+                      <a:r>
+                        <a:rPr lang="en-US" sz="1600" dirty="0"/>
+                        <a:t>20</a:t>
                       </a:r>
                     </a:p>
                   </a:txBody>
@@ -15061,14 +15436,32 @@
                     <a:bodyPr/>
                     <a:lstStyle/>
                     <a:p>
-                      <a:pPr marL="457200" algn="l">
+                      <a:pPr marL="457200" algn="ctr">
                         <a:lnSpc>
                           <a:spcPct val="150000"/>
                         </a:lnSpc>
                       </a:pPr>
                       <a:r>
                         <a:rPr lang="en-US" sz="1600" dirty="0"/>
-                        <a:t>optimizer = SGD</a:t>
+                        <a:t>Optimizer</a:t>
+                      </a:r>
+                    </a:p>
+                  </a:txBody>
+                  <a:tcPr/>
+                </a:tc>
+                <a:tc>
+                  <a:txBody>
+                    <a:bodyPr/>
+                    <a:lstStyle/>
+                    <a:p>
+                      <a:pPr marL="457200" algn="ctr">
+                        <a:lnSpc>
+                          <a:spcPct val="150000"/>
+                        </a:lnSpc>
+                      </a:pPr>
+                      <a:r>
+                        <a:rPr lang="en-US" sz="1600" dirty="0"/>
+                        <a:t>SGD</a:t>
                       </a:r>
                     </a:p>
                   </a:txBody>
@@ -15086,14 +15479,32 @@
                     <a:bodyPr/>
                     <a:lstStyle/>
                     <a:p>
-                      <a:pPr marL="457200" algn="l">
+                      <a:pPr marL="457200" algn="ctr">
                         <a:lnSpc>
                           <a:spcPct val="150000"/>
                         </a:lnSpc>
                       </a:pPr>
                       <a:r>
                         <a:rPr lang="en-US" sz="1600" dirty="0"/>
-                        <a:t>dropout = 0.0</a:t>
+                        <a:t>Dropout</a:t>
+                      </a:r>
+                    </a:p>
+                  </a:txBody>
+                  <a:tcPr/>
+                </a:tc>
+                <a:tc>
+                  <a:txBody>
+                    <a:bodyPr/>
+                    <a:lstStyle/>
+                    <a:p>
+                      <a:pPr marL="457200" algn="ctr">
+                        <a:lnSpc>
+                          <a:spcPct val="150000"/>
+                        </a:lnSpc>
+                      </a:pPr>
+                      <a:r>
+                        <a:rPr lang="en-US" sz="1600" dirty="0"/>
+                        <a:t>0.0</a:t>
                       </a:r>
                     </a:p>
                   </a:txBody>
@@ -15111,18 +15522,32 @@
                     <a:bodyPr/>
                     <a:lstStyle/>
                     <a:p>
-                      <a:pPr marL="457200" algn="l">
+                      <a:pPr marL="457200" algn="ctr">
                         <a:lnSpc>
                           <a:spcPct val="150000"/>
                         </a:lnSpc>
                       </a:pPr>
                       <a:r>
-                        <a:rPr lang="en-US" sz="1600" dirty="0" err="1"/>
-                        <a:t>lr</a:t>
+                        <a:rPr lang="en-US" sz="1600" dirty="0"/>
+                        <a:t>Learning Rate</a:t>
                       </a:r>
+                    </a:p>
+                  </a:txBody>
+                  <a:tcPr/>
+                </a:tc>
+                <a:tc>
+                  <a:txBody>
+                    <a:bodyPr/>
+                    <a:lstStyle/>
+                    <a:p>
+                      <a:pPr marL="457200" algn="ctr">
+                        <a:lnSpc>
+                          <a:spcPct val="150000"/>
+                        </a:lnSpc>
+                      </a:pPr>
                       <a:r>
                         <a:rPr lang="en-US" sz="1600" dirty="0"/>
-                        <a:t> = 0.01</a:t>
+                        <a:t>0.01</a:t>
                       </a:r>
                     </a:p>
                   </a:txBody>
@@ -15140,18 +15565,32 @@
                     <a:bodyPr/>
                     <a:lstStyle/>
                     <a:p>
-                      <a:pPr marL="457200" algn="l">
+                      <a:pPr marL="457200" algn="ctr">
                         <a:lnSpc>
                           <a:spcPct val="150000"/>
                         </a:lnSpc>
                       </a:pPr>
                       <a:r>
-                        <a:rPr lang="en-US" sz="1600" dirty="0" err="1"/>
-                        <a:t>iou</a:t>
+                        <a:rPr lang="en-US" sz="1600" dirty="0"/>
+                        <a:t>IOU</a:t>
                       </a:r>
+                    </a:p>
+                  </a:txBody>
+                  <a:tcPr/>
+                </a:tc>
+                <a:tc>
+                  <a:txBody>
+                    <a:bodyPr/>
+                    <a:lstStyle/>
+                    <a:p>
+                      <a:pPr marL="457200" algn="ctr">
+                        <a:lnSpc>
+                          <a:spcPct val="150000"/>
+                        </a:lnSpc>
+                      </a:pPr>
                       <a:r>
                         <a:rPr lang="en-US" sz="1600" dirty="0"/>
-                        <a:t> = 0.7 (for NMS)</a:t>
+                        <a:t>0.7 (for NMS)</a:t>
                       </a:r>
                     </a:p>
                   </a:txBody>
@@ -15400,14 +15839,14 @@
           <p:nvPr>
             <p:extLst>
               <p:ext uri="{D42A27DB-BD31-4B8C-83A1-F6EECF244321}">
-                <p14:modId xmlns:p14="http://schemas.microsoft.com/office/powerpoint/2010/main" val="1106884219"/>
+                <p14:modId xmlns:p14="http://schemas.microsoft.com/office/powerpoint/2010/main" val="2530005807"/>
               </p:ext>
             </p:extLst>
           </p:nvPr>
         </p:nvGraphicFramePr>
         <p:xfrm>
-          <a:off x="4775635" y="1496596"/>
-          <a:ext cx="2640730" cy="3864808"/>
+          <a:off x="3813495" y="1732570"/>
+          <a:ext cx="4565010" cy="3864808"/>
         </p:xfrm>
         <a:graphic>
           <a:graphicData uri="http://schemas.openxmlformats.org/drawingml/2006/table">
@@ -15416,21 +15855,28 @@
                 <a:tableStyleId>{5C22544A-7EE6-4342-B048-85BDC9FD1C3A}</a:tableStyleId>
               </a:tblPr>
               <a:tblGrid>
-                <a:gridCol w="2640730">
+                <a:gridCol w="2282505">
                   <a:extLst>
                     <a:ext uri="{9D8B030D-6E8A-4147-A177-3AD203B41FA5}">
                       <a16:colId xmlns:a16="http://schemas.microsoft.com/office/drawing/2014/main" val="1054205809"/>
                     </a:ext>
                   </a:extLst>
                 </a:gridCol>
+                <a:gridCol w="2282505">
+                  <a:extLst>
+                    <a:ext uri="{9D8B030D-6E8A-4147-A177-3AD203B41FA5}">
+                      <a16:colId xmlns:a16="http://schemas.microsoft.com/office/drawing/2014/main" val="805700959"/>
+                    </a:ext>
+                  </a:extLst>
+                </a:gridCol>
               </a:tblGrid>
               <a:tr h="483101">
-                <a:tc>
+                <a:tc gridSpan="2">
                   <a:txBody>
                     <a:bodyPr/>
                     <a:lstStyle/>
                     <a:p>
-                      <a:pPr marL="457200" algn="l">
+                      <a:pPr marL="457200" algn="ctr">
                         <a:lnSpc>
                           <a:spcPct val="150000"/>
                         </a:lnSpc>
@@ -15447,6 +15893,25 @@
                   </a:txBody>
                   <a:tcPr/>
                 </a:tc>
+                <a:tc hMerge="1">
+                  <a:txBody>
+                    <a:bodyPr/>
+                    <a:lstStyle/>
+                    <a:p>
+                      <a:pPr marL="457200" algn="l">
+                        <a:lnSpc>
+                          <a:spcPct val="150000"/>
+                        </a:lnSpc>
+                      </a:pPr>
+                      <a:endParaRPr lang="en-US" sz="1600" dirty="0">
+                        <a:solidFill>
+                          <a:schemeClr val="bg1"/>
+                        </a:solidFill>
+                      </a:endParaRPr>
+                    </a:p>
+                  </a:txBody>
+                  <a:tcPr/>
+                </a:tc>
                 <a:extLst>
                   <a:ext uri="{0D108BD9-81ED-4DB2-BD59-A6C34878D82A}">
                     <a16:rowId xmlns:a16="http://schemas.microsoft.com/office/drawing/2014/main" val="2352360391"/>
@@ -15459,14 +15924,32 @@
                     <a:bodyPr/>
                     <a:lstStyle/>
                     <a:p>
-                      <a:pPr marL="457200" algn="l">
+                      <a:pPr marL="457200" algn="ctr">
                         <a:lnSpc>
                           <a:spcPct val="150000"/>
                         </a:lnSpc>
                       </a:pPr>
                       <a:r>
                         <a:rPr lang="en-US" sz="1600" dirty="0"/>
-                        <a:t>Class = all</a:t>
+                        <a:t>Class</a:t>
+                      </a:r>
+                    </a:p>
+                  </a:txBody>
+                  <a:tcPr/>
+                </a:tc>
+                <a:tc>
+                  <a:txBody>
+                    <a:bodyPr/>
+                    <a:lstStyle/>
+                    <a:p>
+                      <a:pPr marL="457200" algn="ctr">
+                        <a:lnSpc>
+                          <a:spcPct val="150000"/>
+                        </a:lnSpc>
+                      </a:pPr>
+                      <a:r>
+                        <a:rPr lang="en-US" sz="1600" dirty="0"/>
+                        <a:t>All</a:t>
                       </a:r>
                     </a:p>
                   </a:txBody>
@@ -15484,7 +15967,7 @@
                     <a:bodyPr/>
                     <a:lstStyle/>
                     <a:p>
-                      <a:pPr marL="457200" marR="0" lvl="0" indent="0" algn="l" defTabSz="914400" rtl="0" eaLnBrk="1" fontAlgn="auto" latinLnBrk="0" hangingPunct="1">
+                      <a:pPr marL="457200" marR="0" lvl="0" indent="0" algn="ctr" defTabSz="914400" rtl="0" eaLnBrk="1" fontAlgn="auto" latinLnBrk="0" hangingPunct="1">
                         <a:lnSpc>
                           <a:spcPct val="150000"/>
                         </a:lnSpc>
@@ -15503,25 +15986,18 @@
                       </a:pPr>
                       <a:r>
                         <a:rPr lang="en-US" sz="1600" dirty="0"/>
-                        <a:t>Images = 2046</a:t>
+                        <a:t>Images</a:t>
                       </a:r>
                     </a:p>
                   </a:txBody>
                   <a:tcPr/>
                 </a:tc>
-                <a:extLst>
-                  <a:ext uri="{0D108BD9-81ED-4DB2-BD59-A6C34878D82A}">
-                    <a16:rowId xmlns:a16="http://schemas.microsoft.com/office/drawing/2014/main" val="3178900567"/>
-                  </a:ext>
-                </a:extLst>
-              </a:tr>
-              <a:tr h="483101">
                 <a:tc>
                   <a:txBody>
                     <a:bodyPr/>
                     <a:lstStyle/>
                     <a:p>
-                      <a:pPr marL="457200" marR="0" lvl="0" indent="0" algn="l" defTabSz="914400" rtl="0" eaLnBrk="1" fontAlgn="auto" latinLnBrk="0" hangingPunct="1">
+                      <a:pPr marL="457200" marR="0" lvl="0" indent="0" algn="ctr" defTabSz="914400" rtl="0" eaLnBrk="1" fontAlgn="auto" latinLnBrk="0" hangingPunct="1">
                         <a:lnSpc>
                           <a:spcPct val="150000"/>
                         </a:lnSpc>
@@ -15540,7 +16016,74 @@
                       </a:pPr>
                       <a:r>
                         <a:rPr lang="en-US" sz="1600" dirty="0"/>
-                        <a:t>Instances = 2132</a:t>
+                        <a:t>2046</a:t>
+                      </a:r>
+                    </a:p>
+                  </a:txBody>
+                  <a:tcPr/>
+                </a:tc>
+                <a:extLst>
+                  <a:ext uri="{0D108BD9-81ED-4DB2-BD59-A6C34878D82A}">
+                    <a16:rowId xmlns:a16="http://schemas.microsoft.com/office/drawing/2014/main" val="3178900567"/>
+                  </a:ext>
+                </a:extLst>
+              </a:tr>
+              <a:tr h="483101">
+                <a:tc>
+                  <a:txBody>
+                    <a:bodyPr/>
+                    <a:lstStyle/>
+                    <a:p>
+                      <a:pPr marL="457200" marR="0" lvl="0" indent="0" algn="ctr" defTabSz="914400" rtl="0" eaLnBrk="1" fontAlgn="auto" latinLnBrk="0" hangingPunct="1">
+                        <a:lnSpc>
+                          <a:spcPct val="150000"/>
+                        </a:lnSpc>
+                        <a:spcBef>
+                          <a:spcPts val="0"/>
+                        </a:spcBef>
+                        <a:spcAft>
+                          <a:spcPts val="0"/>
+                        </a:spcAft>
+                        <a:buClrTx/>
+                        <a:buSzTx/>
+                        <a:buFontTx/>
+                        <a:buNone/>
+                        <a:tabLst/>
+                        <a:defRPr/>
+                      </a:pPr>
+                      <a:r>
+                        <a:rPr lang="en-US" sz="1600" dirty="0"/>
+                        <a:t>Instances</a:t>
+                      </a:r>
+                    </a:p>
+                  </a:txBody>
+                  <a:tcPr/>
+                </a:tc>
+                <a:tc>
+                  <a:txBody>
+                    <a:bodyPr/>
+                    <a:lstStyle/>
+                    <a:p>
+                      <a:pPr marL="457200" marR="0" lvl="0" indent="0" algn="ctr" defTabSz="914400" rtl="0" eaLnBrk="1" fontAlgn="auto" latinLnBrk="0" hangingPunct="1">
+                        <a:lnSpc>
+                          <a:spcPct val="150000"/>
+                        </a:lnSpc>
+                        <a:spcBef>
+                          <a:spcPts val="0"/>
+                        </a:spcBef>
+                        <a:spcAft>
+                          <a:spcPts val="0"/>
+                        </a:spcAft>
+                        <a:buClrTx/>
+                        <a:buSzTx/>
+                        <a:buFontTx/>
+                        <a:buNone/>
+                        <a:tabLst/>
+                        <a:defRPr/>
+                      </a:pPr>
+                      <a:r>
+                        <a:rPr lang="en-US" sz="1600" dirty="0"/>
+                        <a:t>2132</a:t>
                       </a:r>
                     </a:p>
                   </a:txBody>
@@ -15558,14 +16101,32 @@
                     <a:bodyPr/>
                     <a:lstStyle/>
                     <a:p>
-                      <a:pPr marL="457200" algn="l">
+                      <a:pPr marL="457200" algn="ctr">
                         <a:lnSpc>
                           <a:spcPct val="150000"/>
                         </a:lnSpc>
                       </a:pPr>
                       <a:r>
                         <a:rPr lang="en-US" sz="1600" dirty="0"/>
-                        <a:t>Box-Precision = 0.974</a:t>
+                        <a:t>Box-Precision</a:t>
+                      </a:r>
+                    </a:p>
+                  </a:txBody>
+                  <a:tcPr/>
+                </a:tc>
+                <a:tc>
+                  <a:txBody>
+                    <a:bodyPr/>
+                    <a:lstStyle/>
+                    <a:p>
+                      <a:pPr marL="457200" algn="ctr">
+                        <a:lnSpc>
+                          <a:spcPct val="150000"/>
+                        </a:lnSpc>
+                      </a:pPr>
+                      <a:r>
+                        <a:rPr lang="en-US" sz="1600" dirty="0"/>
+                        <a:t>0.974</a:t>
                       </a:r>
                     </a:p>
                   </a:txBody>
@@ -15583,14 +16144,32 @@
                     <a:bodyPr/>
                     <a:lstStyle/>
                     <a:p>
-                      <a:pPr marL="457200" algn="l">
+                      <a:pPr marL="457200" algn="ctr">
                         <a:lnSpc>
                           <a:spcPct val="150000"/>
                         </a:lnSpc>
                       </a:pPr>
                       <a:r>
                         <a:rPr lang="en-US" sz="1600" dirty="0"/>
-                        <a:t>Box-Recall = 0.963</a:t>
+                        <a:t>Box-Recall</a:t>
+                      </a:r>
+                    </a:p>
+                  </a:txBody>
+                  <a:tcPr/>
+                </a:tc>
+                <a:tc>
+                  <a:txBody>
+                    <a:bodyPr/>
+                    <a:lstStyle/>
+                    <a:p>
+                      <a:pPr marL="457200" algn="ctr">
+                        <a:lnSpc>
+                          <a:spcPct val="150000"/>
+                        </a:lnSpc>
+                      </a:pPr>
+                      <a:r>
+                        <a:rPr lang="en-US" sz="1600" dirty="0"/>
+                        <a:t>0.963</a:t>
                       </a:r>
                     </a:p>
                   </a:txBody>
@@ -15608,14 +16187,32 @@
                     <a:bodyPr/>
                     <a:lstStyle/>
                     <a:p>
-                      <a:pPr marL="457200" algn="l">
+                      <a:pPr marL="457200" algn="ctr">
                         <a:lnSpc>
                           <a:spcPct val="150000"/>
                         </a:lnSpc>
                       </a:pPr>
                       <a:r>
                         <a:rPr lang="en-US" sz="1600" dirty="0"/>
-                        <a:t>mAP50 = 0.983</a:t>
+                        <a:t>mAP50</a:t>
+                      </a:r>
+                    </a:p>
+                  </a:txBody>
+                  <a:tcPr/>
+                </a:tc>
+                <a:tc>
+                  <a:txBody>
+                    <a:bodyPr/>
+                    <a:lstStyle/>
+                    <a:p>
+                      <a:pPr marL="457200" algn="ctr">
+                        <a:lnSpc>
+                          <a:spcPct val="150000"/>
+                        </a:lnSpc>
+                      </a:pPr>
+                      <a:r>
+                        <a:rPr lang="en-US" sz="1600" dirty="0"/>
+                        <a:t>0.983</a:t>
                       </a:r>
                     </a:p>
                   </a:txBody>
@@ -15633,14 +16230,32 @@
                     <a:bodyPr/>
                     <a:lstStyle/>
                     <a:p>
-                      <a:pPr marL="457200" algn="l">
+                      <a:pPr marL="457200" algn="ctr">
                         <a:lnSpc>
                           <a:spcPct val="150000"/>
                         </a:lnSpc>
                       </a:pPr>
                       <a:r>
                         <a:rPr lang="en-US" sz="1600" dirty="0"/>
-                        <a:t>mAP50-90 = 0.701</a:t>
+                        <a:t>mAP50-90</a:t>
+                      </a:r>
+                    </a:p>
+                  </a:txBody>
+                  <a:tcPr/>
+                </a:tc>
+                <a:tc>
+                  <a:txBody>
+                    <a:bodyPr/>
+                    <a:lstStyle/>
+                    <a:p>
+                      <a:pPr marL="457200" algn="ctr">
+                        <a:lnSpc>
+                          <a:spcPct val="150000"/>
+                        </a:lnSpc>
+                      </a:pPr>
+                      <a:r>
+                        <a:rPr lang="en-US" sz="1600" dirty="0"/>
+                        <a:t>0.701</a:t>
                       </a:r>
                     </a:p>
                   </a:txBody>
